--- a/relatorio/LI4.pptx
+++ b/relatorio/LI4.pptx
@@ -9,17 +9,17 @@
   </p:notesMasterIdLst>
   <p:sldIdLst>
     <p:sldId id="256" r:id="rId2"/>
-    <p:sldId id="257" r:id="rId3"/>
-    <p:sldId id="274" r:id="rId4"/>
-    <p:sldId id="296" r:id="rId5"/>
-    <p:sldId id="297" r:id="rId6"/>
-    <p:sldId id="298" r:id="rId7"/>
-    <p:sldId id="299" r:id="rId8"/>
-    <p:sldId id="264" r:id="rId9"/>
-    <p:sldId id="259" r:id="rId10"/>
-    <p:sldId id="275" r:id="rId11"/>
-    <p:sldId id="260" r:id="rId12"/>
-    <p:sldId id="276" r:id="rId13"/>
+    <p:sldId id="274" r:id="rId3"/>
+    <p:sldId id="297" r:id="rId4"/>
+    <p:sldId id="298" r:id="rId5"/>
+    <p:sldId id="299" r:id="rId6"/>
+    <p:sldId id="264" r:id="rId7"/>
+    <p:sldId id="259" r:id="rId8"/>
+    <p:sldId id="275" r:id="rId9"/>
+    <p:sldId id="260" r:id="rId10"/>
+    <p:sldId id="276" r:id="rId11"/>
+    <p:sldId id="301" r:id="rId12"/>
+    <p:sldId id="302" r:id="rId13"/>
     <p:sldId id="300" r:id="rId14"/>
   </p:sldIdLst>
   <p:sldSz cx="12192000" cy="6858000"/>
@@ -127,10 +127,6 @@
 </p:presentation>
 </file>
 
-<file path=ppt/revisionInfo.xml><?xml version="1.0" encoding="utf-8"?>
-<p1510:revInfo xmlns:a="http://schemas.openxmlformats.org/drawingml/2006/main" xmlns:r="http://schemas.openxmlformats.org/officeDocument/2006/relationships" xmlns:p1510="http://schemas.microsoft.com/office/powerpoint/2015/10/main"/>
-</file>
-
 <file path=ppt/notesMasters/notesMaster1.xml><?xml version="1.0" encoding="utf-8"?>
 <p:notesMaster xmlns:a="http://schemas.openxmlformats.org/drawingml/2006/main" xmlns:r="http://schemas.openxmlformats.org/officeDocument/2006/relationships" xmlns:p="http://schemas.openxmlformats.org/presentationml/2006/main">
   <p:cSld>
@@ -213,7 +209,7 @@
           <a:p>
             <a:fld id="{FC77EE40-E473-4F3B-ABB7-4026700F0D66}" type="datetimeFigureOut">
               <a:rPr lang="pt-PT" smtClean="0"/>
-              <a:t>11/03/2018</a:t>
+              <a:t>12/03/2018</a:t>
             </a:fld>
             <a:endParaRPr lang="pt-PT"/>
           </a:p>
@@ -478,6 +474,90 @@
     </a:lvl9pPr>
   </p:notesStyle>
 </p:notesMaster>
+</file>
+
+<file path=ppt/notesSlides/notesSlide1.xml><?xml version="1.0" encoding="utf-8"?>
+<p:notes xmlns:a="http://schemas.openxmlformats.org/drawingml/2006/main" xmlns:r="http://schemas.openxmlformats.org/officeDocument/2006/relationships" xmlns:p="http://schemas.openxmlformats.org/presentationml/2006/main">
+  <p:cSld>
+    <p:spTree>
+      <p:nvGrpSpPr>
+        <p:cNvPr id="1" name=""/>
+        <p:cNvGrpSpPr/>
+        <p:nvPr/>
+      </p:nvGrpSpPr>
+      <p:grpSpPr>
+        <a:xfrm>
+          <a:off x="0" y="0"/>
+          <a:ext cx="0" cy="0"/>
+          <a:chOff x="0" y="0"/>
+          <a:chExt cx="0" cy="0"/>
+        </a:xfrm>
+      </p:grpSpPr>
+      <p:sp>
+        <p:nvSpPr>
+          <p:cNvPr id="2" name="Marcador de Posição da Imagem do Diapositivo 1"/>
+          <p:cNvSpPr>
+            <a:spLocks noGrp="1" noRot="1" noChangeAspect="1"/>
+          </p:cNvSpPr>
+          <p:nvPr>
+            <p:ph type="sldImg"/>
+          </p:nvPr>
+        </p:nvSpPr>
+        <p:spPr/>
+      </p:sp>
+      <p:sp>
+        <p:nvSpPr>
+          <p:cNvPr id="3" name="Marcador de Posição de Notas 2"/>
+          <p:cNvSpPr>
+            <a:spLocks noGrp="1"/>
+          </p:cNvSpPr>
+          <p:nvPr>
+            <p:ph type="body" idx="1"/>
+          </p:nvPr>
+        </p:nvSpPr>
+        <p:spPr/>
+        <p:txBody>
+          <a:bodyPr/>
+          <a:lstStyle/>
+          <a:p>
+            <a:endParaRPr lang="pt-PT" dirty="0"/>
+          </a:p>
+        </p:txBody>
+      </p:sp>
+      <p:sp>
+        <p:nvSpPr>
+          <p:cNvPr id="4" name="Marcador de Posição do Número do Diapositivo 3"/>
+          <p:cNvSpPr>
+            <a:spLocks noGrp="1"/>
+          </p:cNvSpPr>
+          <p:nvPr>
+            <p:ph type="sldNum" sz="quarter" idx="10"/>
+          </p:nvPr>
+        </p:nvSpPr>
+        <p:spPr/>
+        <p:txBody>
+          <a:bodyPr/>
+          <a:lstStyle/>
+          <a:p>
+            <a:fld id="{F2D13AFA-C489-4F08-BBC3-E69A09335FB4}" type="slidenum">
+              <a:rPr lang="pt-PT" smtClean="0"/>
+              <a:t>4</a:t>
+            </a:fld>
+            <a:endParaRPr lang="pt-PT"/>
+          </a:p>
+        </p:txBody>
+      </p:sp>
+    </p:spTree>
+    <p:extLst>
+      <p:ext uri="{BB962C8B-B14F-4D97-AF65-F5344CB8AC3E}">
+        <p14:creationId xmlns:p14="http://schemas.microsoft.com/office/powerpoint/2010/main" val="661589648"/>
+      </p:ext>
+    </p:extLst>
+  </p:cSld>
+  <p:clrMapOvr>
+    <a:masterClrMapping/>
+  </p:clrMapOvr>
+</p:notes>
 </file>
 
 <file path=ppt/slideLayouts/slideLayout1.xml><?xml version="1.0" encoding="utf-8"?>
@@ -1203,7 +1283,7 @@
             <a:fld id="{B61BEF0D-F0BB-DE4B-95CE-6DB70DBA9567}" type="datetimeFigureOut">
               <a:rPr lang="en-US" dirty="0"/>
               <a:pPr/>
-              <a:t>3/11/2018</a:t>
+              <a:t>3/12/2018</a:t>
             </a:fld>
             <a:endParaRPr lang="en-US" dirty="0"/>
           </a:p>
@@ -1451,7 +1531,7 @@
             <a:fld id="{B61BEF0D-F0BB-DE4B-95CE-6DB70DBA9567}" type="datetimeFigureOut">
               <a:rPr lang="en-US" dirty="0"/>
               <a:pPr/>
-              <a:t>3/11/2018</a:t>
+              <a:t>3/12/2018</a:t>
             </a:fld>
             <a:endParaRPr lang="en-US" dirty="0"/>
           </a:p>
@@ -1762,7 +1842,7 @@
             <a:fld id="{B61BEF0D-F0BB-DE4B-95CE-6DB70DBA9567}" type="datetimeFigureOut">
               <a:rPr lang="en-US" dirty="0"/>
               <a:pPr/>
-              <a:t>3/11/2018</a:t>
+              <a:t>3/12/2018</a:t>
             </a:fld>
             <a:endParaRPr lang="en-US" dirty="0"/>
           </a:p>
@@ -2100,7 +2180,7 @@
             <a:fld id="{B61BEF0D-F0BB-DE4B-95CE-6DB70DBA9567}" type="datetimeFigureOut">
               <a:rPr lang="en-US" dirty="0"/>
               <a:pPr/>
-              <a:t>3/11/2018</a:t>
+              <a:t>3/12/2018</a:t>
             </a:fld>
             <a:endParaRPr lang="en-US" dirty="0"/>
           </a:p>
@@ -2411,7 +2491,7 @@
             <a:fld id="{B61BEF0D-F0BB-DE4B-95CE-6DB70DBA9567}" type="datetimeFigureOut">
               <a:rPr lang="en-US" dirty="0"/>
               <a:pPr/>
-              <a:t>3/11/2018</a:t>
+              <a:t>3/12/2018</a:t>
             </a:fld>
             <a:endParaRPr lang="en-US" dirty="0"/>
           </a:p>
@@ -2801,7 +2881,7 @@
             <a:fld id="{B61BEF0D-F0BB-DE4B-95CE-6DB70DBA9567}" type="datetimeFigureOut">
               <a:rPr lang="en-US" dirty="0"/>
               <a:pPr/>
-              <a:t>3/11/2018</a:t>
+              <a:t>3/12/2018</a:t>
             </a:fld>
             <a:endParaRPr lang="en-US" dirty="0"/>
           </a:p>
@@ -2967,7 +3047,7 @@
           <a:p>
             <a:fld id="{55C6B4A9-1611-4792-9094-5F34BCA07E0B}" type="datetimeFigureOut">
               <a:rPr lang="en-US" dirty="0"/>
-              <a:t>3/11/2018</a:t>
+              <a:t>3/12/2018</a:t>
             </a:fld>
             <a:endParaRPr lang="en-US" dirty="0"/>
           </a:p>
@@ -3143,7 +3223,7 @@
             <a:fld id="{B61BEF0D-F0BB-DE4B-95CE-6DB70DBA9567}" type="datetimeFigureOut">
               <a:rPr lang="en-US" dirty="0"/>
               <a:pPr/>
-              <a:t>3/11/2018</a:t>
+              <a:t>3/12/2018</a:t>
             </a:fld>
             <a:endParaRPr lang="en-US" dirty="0"/>
           </a:p>
@@ -3316,7 +3396,7 @@
             <a:fld id="{B61BEF0D-F0BB-DE4B-95CE-6DB70DBA9567}" type="datetimeFigureOut">
               <a:rPr lang="en-US" dirty="0"/>
               <a:pPr/>
-              <a:t>3/11/2018</a:t>
+              <a:t>3/12/2018</a:t>
             </a:fld>
             <a:endParaRPr lang="en-US" dirty="0"/>
           </a:p>
@@ -3560,7 +3640,7 @@
             <a:fld id="{B61BEF0D-F0BB-DE4B-95CE-6DB70DBA9567}" type="datetimeFigureOut">
               <a:rPr lang="en-US" dirty="0"/>
               <a:pPr/>
-              <a:t>3/11/2018</a:t>
+              <a:t>3/12/2018</a:t>
             </a:fld>
             <a:endParaRPr lang="en-US" dirty="0"/>
           </a:p>
@@ -3788,7 +3868,7 @@
           <a:p>
             <a:fld id="{EB712588-04B1-427B-82EE-E8DB90309F08}" type="datetimeFigureOut">
               <a:rPr lang="en-US" dirty="0"/>
-              <a:t>3/11/2018</a:t>
+              <a:t>3/12/2018</a:t>
             </a:fld>
             <a:endParaRPr lang="en-US" dirty="0"/>
           </a:p>
@@ -4158,7 +4238,7 @@
             <a:fld id="{B61BEF0D-F0BB-DE4B-95CE-6DB70DBA9567}" type="datetimeFigureOut">
               <a:rPr lang="en-US" dirty="0"/>
               <a:pPr/>
-              <a:t>3/11/2018</a:t>
+              <a:t>3/12/2018</a:t>
             </a:fld>
             <a:endParaRPr lang="en-US" dirty="0"/>
           </a:p>
@@ -4278,7 +4358,7 @@
             <a:fld id="{B61BEF0D-F0BB-DE4B-95CE-6DB70DBA9567}" type="datetimeFigureOut">
               <a:rPr lang="en-US" dirty="0"/>
               <a:pPr/>
-              <a:t>3/11/2018</a:t>
+              <a:t>3/12/2018</a:t>
             </a:fld>
             <a:endParaRPr lang="en-US" dirty="0"/>
           </a:p>
@@ -4370,7 +4450,7 @@
             <a:fld id="{B61BEF0D-F0BB-DE4B-95CE-6DB70DBA9567}" type="datetimeFigureOut">
               <a:rPr lang="en-US" dirty="0"/>
               <a:pPr/>
-              <a:t>3/11/2018</a:t>
+              <a:t>3/12/2018</a:t>
             </a:fld>
             <a:endParaRPr lang="en-US" dirty="0"/>
           </a:p>
@@ -4621,7 +4701,7 @@
           <a:p>
             <a:fld id="{42A54C80-263E-416B-A8E0-580EDEADCBDC}" type="datetimeFigureOut">
               <a:rPr lang="en-US" dirty="0"/>
-              <a:t>3/11/2018</a:t>
+              <a:t>3/12/2018</a:t>
             </a:fld>
             <a:endParaRPr lang="en-US" dirty="0"/>
           </a:p>
@@ -4880,7 +4960,7 @@
             <a:fld id="{B61BEF0D-F0BB-DE4B-95CE-6DB70DBA9567}" type="datetimeFigureOut">
               <a:rPr lang="en-US" dirty="0"/>
               <a:pPr/>
-              <a:t>3/11/2018</a:t>
+              <a:t>3/12/2018</a:t>
             </a:fld>
             <a:endParaRPr lang="en-US" dirty="0"/>
           </a:p>
@@ -5620,7 +5700,7 @@
             <a:fld id="{B61BEF0D-F0BB-DE4B-95CE-6DB70DBA9567}" type="datetimeFigureOut">
               <a:rPr lang="en-US" dirty="0"/>
               <a:pPr/>
-              <a:t>3/11/2018</a:t>
+              <a:t>3/12/2018</a:t>
             </a:fld>
             <a:endParaRPr lang="en-US" dirty="0"/>
           </a:p>
@@ -6593,10 +6673,10 @@
       </p:grpSpPr>
       <p:sp>
         <p:nvSpPr>
-          <p:cNvPr id="4" name="Título 1">
+          <p:cNvPr id="6" name="Título 1">
             <a:extLst>
               <a:ext uri="{FF2B5EF4-FFF2-40B4-BE49-F238E27FC236}">
-                <a16:creationId xmlns:a16="http://schemas.microsoft.com/office/drawing/2014/main" id="{A36E74F4-497C-4839-BC34-672CDDFA7A97}"/>
+                <a16:creationId xmlns:a16="http://schemas.microsoft.com/office/drawing/2014/main" id="{6312B0E3-8AB8-4FDB-ABB6-4C51F617C274}"/>
               </a:ext>
             </a:extLst>
           </p:cNvPr>
@@ -6691,17 +6771,28 @@
           <a:p>
             <a:r>
               <a:rPr lang="pt-PT" dirty="0"/>
-              <a:t>Maquete do Sistema</a:t>
-            </a:r>
+              <a:t>Plano de Desenvolvimento</a:t>
+            </a:r>
+          </a:p>
+          <a:p>
+            <a:r>
+              <a:rPr lang="pt-PT" dirty="0"/>
+              <a:t>	</a:t>
+            </a:r>
+            <a:r>
+              <a:rPr lang="pt-PT" sz="2000" dirty="0"/>
+              <a:t>- fundamentação</a:t>
+            </a:r>
+            <a:endParaRPr lang="pt-PT" dirty="0"/>
           </a:p>
         </p:txBody>
       </p:sp>
       <p:pic>
         <p:nvPicPr>
-          <p:cNvPr id="1026" name="Picture 2" descr="maquete">
+          <p:cNvPr id="1026" name="Picture 2" descr="GANTTfundamentacao">
             <a:extLst>
               <a:ext uri="{FF2B5EF4-FFF2-40B4-BE49-F238E27FC236}">
-                <a16:creationId xmlns:a16="http://schemas.microsoft.com/office/drawing/2014/main" id="{F7D08C3F-B77C-4207-A5E8-510E6A8BE7FA}"/>
+                <a16:creationId xmlns:a16="http://schemas.microsoft.com/office/drawing/2014/main" id="{831ADF82-97B5-4994-9A65-B3AB2B1FACEC}"/>
               </a:ext>
             </a:extLst>
           </p:cNvPr>
@@ -6718,15 +6809,15 @@
               </a:ext>
             </a:extLst>
           </a:blip>
-          <a:srcRect/>
+          <a:srcRect r="35512"/>
           <a:stretch>
             <a:fillRect/>
           </a:stretch>
         </p:blipFill>
         <p:spPr bwMode="auto">
           <a:xfrm>
-            <a:off x="1022773" y="1674547"/>
-            <a:ext cx="8082803" cy="4034274"/>
+            <a:off x="1412221" y="1555707"/>
+            <a:ext cx="6627669" cy="3383845"/>
           </a:xfrm>
           <a:prstGeom prst="rect">
             <a:avLst/>
@@ -6759,7 +6850,7 @@
     </p:spTree>
     <p:extLst>
       <p:ext uri="{BB962C8B-B14F-4D97-AF65-F5344CB8AC3E}">
-        <p14:creationId xmlns:p14="http://schemas.microsoft.com/office/powerpoint/2010/main" val="986252367"/>
+        <p14:creationId xmlns:p14="http://schemas.microsoft.com/office/powerpoint/2010/main" val="4262679757"/>
       </p:ext>
     </p:extLst>
   </p:cSld>
@@ -6800,10 +6891,10 @@
       </p:grpSpPr>
       <p:sp>
         <p:nvSpPr>
-          <p:cNvPr id="6" name="Título 1">
+          <p:cNvPr id="4" name="Título 1">
             <a:extLst>
               <a:ext uri="{FF2B5EF4-FFF2-40B4-BE49-F238E27FC236}">
-                <a16:creationId xmlns:a16="http://schemas.microsoft.com/office/drawing/2014/main" id="{6312B0E3-8AB8-4FDB-ABB6-4C51F617C274}"/>
+                <a16:creationId xmlns:a16="http://schemas.microsoft.com/office/drawing/2014/main" id="{CBE2B00B-37FC-4561-9D76-9D44D2DF8A52}"/>
               </a:ext>
             </a:extLst>
           </p:cNvPr>
@@ -6898,33 +6989,92 @@
           <a:p>
             <a:r>
               <a:rPr lang="pt-PT" dirty="0"/>
-              <a:t>Medidas de Sucesso</a:t>
-            </a:r>
-          </a:p>
-        </p:txBody>
-      </p:sp>
+              <a:t>Plano de Desenvolvimento</a:t>
+            </a:r>
+          </a:p>
+          <a:p>
+            <a:r>
+              <a:rPr lang="pt-PT" dirty="0"/>
+              <a:t>	</a:t>
+            </a:r>
+            <a:r>
+              <a:rPr lang="pt-PT" sz="2000" dirty="0"/>
+              <a:t>- especificação</a:t>
+            </a:r>
+            <a:endParaRPr lang="pt-PT" dirty="0"/>
+          </a:p>
+        </p:txBody>
+      </p:sp>
+      <p:pic>
+        <p:nvPicPr>
+          <p:cNvPr id="2050" name="Picture 2" descr="GANTTespecificacao">
+            <a:extLst>
+              <a:ext uri="{FF2B5EF4-FFF2-40B4-BE49-F238E27FC236}">
+                <a16:creationId xmlns:a16="http://schemas.microsoft.com/office/drawing/2014/main" id="{5E742F97-6BE4-42D3-A8BA-70A937F01D29}"/>
+              </a:ext>
+            </a:extLst>
+          </p:cNvPr>
+          <p:cNvPicPr>
+            <a:picLocks noChangeAspect="1" noChangeArrowheads="1"/>
+          </p:cNvPicPr>
+          <p:nvPr/>
+        </p:nvPicPr>
+        <p:blipFill>
+          <a:blip r:embed="rId2">
+            <a:extLst>
+              <a:ext uri="{28A0092B-C50C-407E-A947-70E740481C1C}">
+                <a14:useLocalDpi xmlns:a14="http://schemas.microsoft.com/office/drawing/2010/main" val="0"/>
+              </a:ext>
+            </a:extLst>
+          </a:blip>
+          <a:srcRect r="20377"/>
+          <a:stretch>
+            <a:fillRect/>
+          </a:stretch>
+        </p:blipFill>
+        <p:spPr bwMode="auto">
+          <a:xfrm>
+            <a:off x="957263" y="1871662"/>
+            <a:ext cx="8152172" cy="1719263"/>
+          </a:xfrm>
+          <a:prstGeom prst="rect">
+            <a:avLst/>
+          </a:prstGeom>
+          <a:noFill/>
+          <a:ln>
+            <a:noFill/>
+          </a:ln>
+          <a:extLst>
+            <a:ext uri="{909E8E84-426E-40DD-AFC4-6F175D3DCCD1}">
+              <a14:hiddenFill xmlns:a14="http://schemas.microsoft.com/office/drawing/2010/main">
+                <a:solidFill>
+                  <a:srgbClr val="FFFFFF"/>
+                </a:solidFill>
+              </a14:hiddenFill>
+            </a:ext>
+            <a:ext uri="{91240B29-F687-4F45-9708-019B960494DF}">
+              <a14:hiddenLine xmlns:a14="http://schemas.microsoft.com/office/drawing/2010/main" w="9525">
+                <a:solidFill>
+                  <a:srgbClr val="000000"/>
+                </a:solidFill>
+                <a:miter lim="800000"/>
+                <a:headEnd/>
+                <a:tailEnd/>
+              </a14:hiddenLine>
+            </a:ext>
+          </a:extLst>
+        </p:spPr>
+      </p:pic>
     </p:spTree>
     <p:extLst>
       <p:ext uri="{BB962C8B-B14F-4D97-AF65-F5344CB8AC3E}">
-        <p14:creationId xmlns:p14="http://schemas.microsoft.com/office/powerpoint/2010/main" val="2693624878"/>
+        <p14:creationId xmlns:p14="http://schemas.microsoft.com/office/powerpoint/2010/main" val="1558582225"/>
       </p:ext>
     </p:extLst>
   </p:cSld>
   <p:clrMapOvr>
     <a:masterClrMapping/>
   </p:clrMapOvr>
-  <mc:AlternateContent xmlns:mc="http://schemas.openxmlformats.org/markup-compatibility/2006" xmlns:p14="http://schemas.microsoft.com/office/powerpoint/2010/main">
-    <mc:Choice Requires="p14">
-      <p:transition spd="med" p14:dur="700">
-        <p:fade/>
-      </p:transition>
-    </mc:Choice>
-    <mc:Fallback xmlns="">
-      <p:transition spd="med">
-        <p:fade/>
-      </p:transition>
-    </mc:Fallback>
-  </mc:AlternateContent>
 </p:sld>
 </file>
 
@@ -6947,10 +7097,10 @@
       </p:grpSpPr>
       <p:sp>
         <p:nvSpPr>
-          <p:cNvPr id="6" name="Título 1">
+          <p:cNvPr id="4" name="Título 1">
             <a:extLst>
               <a:ext uri="{FF2B5EF4-FFF2-40B4-BE49-F238E27FC236}">
-                <a16:creationId xmlns:a16="http://schemas.microsoft.com/office/drawing/2014/main" id="{6312B0E3-8AB8-4FDB-ABB6-4C51F617C274}"/>
+                <a16:creationId xmlns:a16="http://schemas.microsoft.com/office/drawing/2014/main" id="{1E728113-7368-4B09-B890-E3D514368119}"/>
               </a:ext>
             </a:extLst>
           </p:cNvPr>
@@ -7048,30 +7198,89 @@
               <a:t>Plano de Desenvolvimento</a:t>
             </a:r>
           </a:p>
-        </p:txBody>
-      </p:sp>
+          <a:p>
+            <a:r>
+              <a:rPr lang="pt-PT" dirty="0"/>
+              <a:t>	</a:t>
+            </a:r>
+            <a:r>
+              <a:rPr lang="pt-PT" sz="2000" dirty="0"/>
+              <a:t>- implementação</a:t>
+            </a:r>
+            <a:endParaRPr lang="pt-PT" dirty="0"/>
+          </a:p>
+        </p:txBody>
+      </p:sp>
+      <p:pic>
+        <p:nvPicPr>
+          <p:cNvPr id="3074" name="Picture 2" descr="GANTTimplementacao">
+            <a:extLst>
+              <a:ext uri="{FF2B5EF4-FFF2-40B4-BE49-F238E27FC236}">
+                <a16:creationId xmlns:a16="http://schemas.microsoft.com/office/drawing/2014/main" id="{6124E7D5-6570-4EB7-83C9-CAE3E16F181E}"/>
+              </a:ext>
+            </a:extLst>
+          </p:cNvPr>
+          <p:cNvPicPr>
+            <a:picLocks noChangeAspect="1" noChangeArrowheads="1"/>
+          </p:cNvPicPr>
+          <p:nvPr/>
+        </p:nvPicPr>
+        <p:blipFill>
+          <a:blip r:embed="rId2">
+            <a:extLst>
+              <a:ext uri="{28A0092B-C50C-407E-A947-70E740481C1C}">
+                <a14:useLocalDpi xmlns:a14="http://schemas.microsoft.com/office/drawing/2010/main" val="0"/>
+              </a:ext>
+            </a:extLst>
+          </a:blip>
+          <a:srcRect/>
+          <a:stretch>
+            <a:fillRect/>
+          </a:stretch>
+        </p:blipFill>
+        <p:spPr bwMode="auto">
+          <a:xfrm>
+            <a:off x="804863" y="2005013"/>
+            <a:ext cx="8613202" cy="1947862"/>
+          </a:xfrm>
+          <a:prstGeom prst="rect">
+            <a:avLst/>
+          </a:prstGeom>
+          <a:noFill/>
+          <a:ln>
+            <a:noFill/>
+          </a:ln>
+          <a:extLst>
+            <a:ext uri="{909E8E84-426E-40DD-AFC4-6F175D3DCCD1}">
+              <a14:hiddenFill xmlns:a14="http://schemas.microsoft.com/office/drawing/2010/main">
+                <a:solidFill>
+                  <a:srgbClr val="FFFFFF"/>
+                </a:solidFill>
+              </a14:hiddenFill>
+            </a:ext>
+            <a:ext uri="{91240B29-F687-4F45-9708-019B960494DF}">
+              <a14:hiddenLine xmlns:a14="http://schemas.microsoft.com/office/drawing/2010/main" w="9525">
+                <a:solidFill>
+                  <a:srgbClr val="000000"/>
+                </a:solidFill>
+                <a:miter lim="800000"/>
+                <a:headEnd/>
+                <a:tailEnd/>
+              </a14:hiddenLine>
+            </a:ext>
+          </a:extLst>
+        </p:spPr>
+      </p:pic>
     </p:spTree>
     <p:extLst>
       <p:ext uri="{BB962C8B-B14F-4D97-AF65-F5344CB8AC3E}">
-        <p14:creationId xmlns:p14="http://schemas.microsoft.com/office/powerpoint/2010/main" val="4262679757"/>
+        <p14:creationId xmlns:p14="http://schemas.microsoft.com/office/powerpoint/2010/main" val="3255039064"/>
       </p:ext>
     </p:extLst>
   </p:cSld>
   <p:clrMapOvr>
     <a:masterClrMapping/>
   </p:clrMapOvr>
-  <mc:AlternateContent xmlns:mc="http://schemas.openxmlformats.org/markup-compatibility/2006" xmlns:p14="http://schemas.microsoft.com/office/powerpoint/2010/main">
-    <mc:Choice Requires="p14">
-      <p:transition spd="med" p14:dur="700">
-        <p:fade/>
-      </p:transition>
-    </mc:Choice>
-    <mc:Fallback xmlns="">
-      <p:transition spd="med">
-        <p:fade/>
-      </p:transition>
-    </mc:Fallback>
-  </mc:AlternateContent>
 </p:sld>
 </file>
 
@@ -7511,33 +7720,195 @@
       </p:grpSpPr>
       <p:sp>
         <p:nvSpPr>
-          <p:cNvPr id="4" name="Título 1">
+          <p:cNvPr id="6" name="Título 1">
             <a:extLst>
               <a:ext uri="{FF2B5EF4-FFF2-40B4-BE49-F238E27FC236}">
-                <a16:creationId xmlns:a16="http://schemas.microsoft.com/office/drawing/2014/main" id="{9424E120-2C09-407C-8F68-7351CEE7D49D}"/>
+                <a16:creationId xmlns:a16="http://schemas.microsoft.com/office/drawing/2014/main" id="{76E33AE5-F7BC-4721-8718-71AB3D730002}"/>
               </a:ext>
             </a:extLst>
           </p:cNvPr>
-          <p:cNvSpPr>
-            <a:spLocks noGrp="1"/>
-          </p:cNvSpPr>
-          <p:nvPr>
-            <p:ph type="title"/>
-          </p:nvPr>
+          <p:cNvSpPr txBox="1">
+            <a:spLocks/>
+          </p:cNvSpPr>
+          <p:nvPr/>
         </p:nvSpPr>
         <p:spPr>
           <a:xfrm>
             <a:off x="283968" y="234908"/>
             <a:ext cx="8596668" cy="1320800"/>
           </a:xfrm>
+          <a:prstGeom prst="rect">
+            <a:avLst/>
+          </a:prstGeom>
         </p:spPr>
         <p:txBody>
           <a:bodyPr/>
+          <a:lstStyle>
+            <a:lvl1pPr algn="l" defTabSz="457200" rtl="0" eaLnBrk="1" latinLnBrk="0" hangingPunct="1">
+              <a:spcBef>
+                <a:spcPct val="0"/>
+              </a:spcBef>
+              <a:buNone/>
+              <a:defRPr sz="3600" kern="1200">
+                <a:solidFill>
+                  <a:schemeClr val="accent1"/>
+                </a:solidFill>
+                <a:latin typeface="+mj-lt"/>
+                <a:ea typeface="+mj-ea"/>
+                <a:cs typeface="+mj-cs"/>
+              </a:defRPr>
+            </a:lvl1pPr>
+            <a:lvl2pPr eaLnBrk="1" hangingPunct="1">
+              <a:defRPr>
+                <a:solidFill>
+                  <a:schemeClr val="tx2"/>
+                </a:solidFill>
+              </a:defRPr>
+            </a:lvl2pPr>
+            <a:lvl3pPr eaLnBrk="1" hangingPunct="1">
+              <a:defRPr>
+                <a:solidFill>
+                  <a:schemeClr val="tx2"/>
+                </a:solidFill>
+              </a:defRPr>
+            </a:lvl3pPr>
+            <a:lvl4pPr eaLnBrk="1" hangingPunct="1">
+              <a:defRPr>
+                <a:solidFill>
+                  <a:schemeClr val="tx2"/>
+                </a:solidFill>
+              </a:defRPr>
+            </a:lvl4pPr>
+            <a:lvl5pPr eaLnBrk="1" hangingPunct="1">
+              <a:defRPr>
+                <a:solidFill>
+                  <a:schemeClr val="tx2"/>
+                </a:solidFill>
+              </a:defRPr>
+            </a:lvl5pPr>
+            <a:lvl6pPr eaLnBrk="1" hangingPunct="1">
+              <a:defRPr>
+                <a:solidFill>
+                  <a:schemeClr val="tx2"/>
+                </a:solidFill>
+              </a:defRPr>
+            </a:lvl6pPr>
+            <a:lvl7pPr eaLnBrk="1" hangingPunct="1">
+              <a:defRPr>
+                <a:solidFill>
+                  <a:schemeClr val="tx2"/>
+                </a:solidFill>
+              </a:defRPr>
+            </a:lvl7pPr>
+            <a:lvl8pPr eaLnBrk="1" hangingPunct="1">
+              <a:defRPr>
+                <a:solidFill>
+                  <a:schemeClr val="tx2"/>
+                </a:solidFill>
+              </a:defRPr>
+            </a:lvl8pPr>
+            <a:lvl9pPr eaLnBrk="1" hangingPunct="1">
+              <a:defRPr>
+                <a:solidFill>
+                  <a:schemeClr val="tx2"/>
+                </a:solidFill>
+              </a:defRPr>
+            </a:lvl9pPr>
+          </a:lstStyle>
+          <a:p>
+            <a:r>
+              <a:rPr lang="pt-PT" dirty="0"/>
+              <a:t>Contextualização</a:t>
+            </a:r>
+          </a:p>
+        </p:txBody>
+      </p:sp>
+      <p:sp>
+        <p:nvSpPr>
+          <p:cNvPr id="4" name="CaixaDeTexto 3">
+            <a:extLst>
+              <a:ext uri="{FF2B5EF4-FFF2-40B4-BE49-F238E27FC236}">
+                <a16:creationId xmlns:a16="http://schemas.microsoft.com/office/drawing/2014/main" id="{037B5F4B-DA41-45A6-98B2-0FFDF0BF4409}"/>
+              </a:ext>
+            </a:extLst>
+          </p:cNvPr>
+          <p:cNvSpPr txBox="1"/>
+          <p:nvPr/>
+        </p:nvSpPr>
+        <p:spPr>
+          <a:xfrm>
+            <a:off x="404948" y="1555708"/>
+            <a:ext cx="8987246" cy="3170099"/>
+          </a:xfrm>
+          <a:prstGeom prst="rect">
+            <a:avLst/>
+          </a:prstGeom>
+          <a:noFill/>
+        </p:spPr>
+        <p:txBody>
+          <a:bodyPr wrap="square" rtlCol="0">
+            <a:spAutoFit/>
+          </a:bodyPr>
           <a:lstStyle/>
           <a:p>
-            <a:r>
-              <a:rPr lang="pt-PT" dirty="0"/>
-              <a:t>Introdução</a:t>
+            <a:pPr marL="342900" indent="-342900">
+              <a:buFont typeface="Arial" panose="020B0604020202020204" pitchFamily="34" charset="0"/>
+              <a:buChar char="•"/>
+            </a:pPr>
+            <a:r>
+              <a:rPr lang="pt-PT" sz="2000" dirty="0"/>
+              <a:t>Necessidade de produção contínua e rápida por parte das empresas, para singrar nos mercados económicos;</a:t>
+            </a:r>
+          </a:p>
+          <a:p>
+            <a:pPr marL="342900" indent="-342900">
+              <a:buFont typeface="Arial" panose="020B0604020202020204" pitchFamily="34" charset="0"/>
+              <a:buChar char="•"/>
+            </a:pPr>
+            <a:endParaRPr lang="pt-PT" sz="2000" dirty="0"/>
+          </a:p>
+          <a:p>
+            <a:pPr marL="342900" indent="-342900">
+              <a:buFont typeface="Arial" panose="020B0604020202020204" pitchFamily="34" charset="0"/>
+              <a:buChar char="•"/>
+            </a:pPr>
+            <a:r>
+              <a:rPr lang="pt-PT" sz="2000" dirty="0"/>
+              <a:t>Aumenta a carga horária dos trabalhadores e isto gera um problema sério para quem tem filhos torna-se difícil arranjar alguém para tomar conta dos filho;</a:t>
+            </a:r>
+          </a:p>
+          <a:p>
+            <a:pPr marL="342900" indent="-342900">
+              <a:buFont typeface="Arial" panose="020B0604020202020204" pitchFamily="34" charset="0"/>
+              <a:buChar char="•"/>
+            </a:pPr>
+            <a:endParaRPr lang="pt-PT" sz="2000" dirty="0"/>
+          </a:p>
+          <a:p>
+            <a:pPr marL="342900" indent="-342900">
+              <a:buFont typeface="Arial" panose="020B0604020202020204" pitchFamily="34" charset="0"/>
+              <a:buChar char="•"/>
+            </a:pPr>
+            <a:r>
+              <a:rPr lang="pt-PT" sz="2000" dirty="0"/>
+              <a:t>Surge a ideia de criar um serviço de babysitting ao domicílio;</a:t>
+            </a:r>
+          </a:p>
+          <a:p>
+            <a:pPr marL="342900" indent="-342900">
+              <a:buFont typeface="Arial" panose="020B0604020202020204" pitchFamily="34" charset="0"/>
+              <a:buChar char="•"/>
+            </a:pPr>
+            <a:endParaRPr lang="pt-PT" sz="2000" dirty="0"/>
+          </a:p>
+          <a:p>
+            <a:pPr marL="342900" indent="-342900">
+              <a:buFont typeface="Arial" panose="020B0604020202020204" pitchFamily="34" charset="0"/>
+              <a:buChar char="•"/>
+            </a:pPr>
+            <a:r>
+              <a:rPr lang="pt-PT" sz="2000" dirty="0"/>
+              <a:t>É criada a plataforma “GuguDadah”.</a:t>
             </a:r>
           </a:p>
         </p:txBody>
@@ -7545,7 +7916,7 @@
     </p:spTree>
     <p:extLst>
       <p:ext uri="{BB962C8B-B14F-4D97-AF65-F5344CB8AC3E}">
-        <p14:creationId xmlns:p14="http://schemas.microsoft.com/office/powerpoint/2010/main" val="293901235"/>
+        <p14:creationId xmlns:p14="http://schemas.microsoft.com/office/powerpoint/2010/main" val="1370001760"/>
       </p:ext>
     </p:extLst>
   </p:cSld>
@@ -7586,10 +7957,90 @@
       </p:grpSpPr>
       <p:sp>
         <p:nvSpPr>
-          <p:cNvPr id="6" name="Título 1">
+          <p:cNvPr id="2" name="CaixaDeTexto 1">
             <a:extLst>
               <a:ext uri="{FF2B5EF4-FFF2-40B4-BE49-F238E27FC236}">
-                <a16:creationId xmlns:a16="http://schemas.microsoft.com/office/drawing/2014/main" id="{76E33AE5-F7BC-4721-8718-71AB3D730002}"/>
+                <a16:creationId xmlns:a16="http://schemas.microsoft.com/office/drawing/2014/main" id="{5F7693A0-786B-4B06-A6F3-C9B34444D8BA}"/>
+              </a:ext>
+            </a:extLst>
+          </p:cNvPr>
+          <p:cNvSpPr txBox="1"/>
+          <p:nvPr/>
+        </p:nvSpPr>
+        <p:spPr>
+          <a:xfrm>
+            <a:off x="382920" y="1555708"/>
+            <a:ext cx="8987246" cy="3170099"/>
+          </a:xfrm>
+          <a:prstGeom prst="rect">
+            <a:avLst/>
+          </a:prstGeom>
+          <a:noFill/>
+        </p:spPr>
+        <p:txBody>
+          <a:bodyPr wrap="square" rtlCol="0">
+            <a:spAutoFit/>
+          </a:bodyPr>
+          <a:lstStyle/>
+          <a:p>
+            <a:pPr marL="342900" indent="-342900" algn="just">
+              <a:buFont typeface="Arial" panose="020B0604020202020204" pitchFamily="34" charset="0"/>
+              <a:buChar char="•"/>
+            </a:pPr>
+            <a:r>
+              <a:rPr lang="pt-PT" sz="2000" dirty="0"/>
+              <a:t>Dificuldade de encontrar alguém que seja responsável para tomar conta dos nossos filhos;</a:t>
+            </a:r>
+          </a:p>
+          <a:p>
+            <a:pPr marL="342900" indent="-342900" algn="just">
+              <a:buFont typeface="Arial" panose="020B0604020202020204" pitchFamily="34" charset="0"/>
+              <a:buChar char="•"/>
+            </a:pPr>
+            <a:endParaRPr lang="pt-PT" sz="2000" dirty="0"/>
+          </a:p>
+          <a:p>
+            <a:pPr marL="342900" indent="-342900" algn="just">
+              <a:buFont typeface="Arial" panose="020B0604020202020204" pitchFamily="34" charset="0"/>
+              <a:buChar char="•"/>
+            </a:pPr>
+            <a:r>
+              <a:rPr lang="pt-PT" sz="2000" dirty="0"/>
+              <a:t>A inexistência de um sistema que permita a requisição de serviços de babysitting online, em Portugal;</a:t>
+            </a:r>
+          </a:p>
+          <a:p>
+            <a:pPr marL="342900" indent="-342900" algn="just">
+              <a:buFont typeface="Arial" panose="020B0604020202020204" pitchFamily="34" charset="0"/>
+              <a:buChar char="•"/>
+            </a:pPr>
+            <a:endParaRPr lang="pt-PT" sz="2000" dirty="0"/>
+          </a:p>
+          <a:p>
+            <a:pPr marL="342900" indent="-342900" algn="just">
+              <a:buFont typeface="Arial" panose="020B0604020202020204" pitchFamily="34" charset="0"/>
+              <a:buChar char="•"/>
+            </a:pPr>
+            <a:r>
+              <a:rPr lang="pt-PT" sz="2000" dirty="0"/>
+              <a:t>A maioria dos trabalhadores dos infantários Bebés &amp; Companhia possuem idade no intervalo dos vinte aos trinta. Têm mais facilidade e disponibilidade para trabalharem em horas não tão comuns;</a:t>
+            </a:r>
+          </a:p>
+          <a:p>
+            <a:pPr marL="342900" indent="-342900" algn="just">
+              <a:buFont typeface="Arial" panose="020B0604020202020204" pitchFamily="34" charset="0"/>
+              <a:buChar char="•"/>
+            </a:pPr>
+            <a:endParaRPr lang="pt-PT" sz="2000" dirty="0"/>
+          </a:p>
+        </p:txBody>
+      </p:sp>
+      <p:sp>
+        <p:nvSpPr>
+          <p:cNvPr id="3" name="Título 1">
+            <a:extLst>
+              <a:ext uri="{FF2B5EF4-FFF2-40B4-BE49-F238E27FC236}">
+                <a16:creationId xmlns:a16="http://schemas.microsoft.com/office/drawing/2014/main" id="{BA983806-5ACF-436A-BC02-C3E78778BFFE}"/>
               </a:ext>
             </a:extLst>
           </p:cNvPr>
@@ -7684,100 +8135,7 @@
           <a:p>
             <a:r>
               <a:rPr lang="pt-PT" dirty="0"/>
-              <a:t>Contextualização</a:t>
-            </a:r>
-          </a:p>
-        </p:txBody>
-      </p:sp>
-      <p:sp>
-        <p:nvSpPr>
-          <p:cNvPr id="4" name="CaixaDeTexto 3">
-            <a:extLst>
-              <a:ext uri="{FF2B5EF4-FFF2-40B4-BE49-F238E27FC236}">
-                <a16:creationId xmlns:a16="http://schemas.microsoft.com/office/drawing/2014/main" id="{037B5F4B-DA41-45A6-98B2-0FFDF0BF4409}"/>
-              </a:ext>
-            </a:extLst>
-          </p:cNvPr>
-          <p:cNvSpPr txBox="1"/>
-          <p:nvPr/>
-        </p:nvSpPr>
-        <p:spPr>
-          <a:xfrm>
-            <a:off x="404948" y="1555708"/>
-            <a:ext cx="8987246" cy="3170099"/>
-          </a:xfrm>
-          <a:prstGeom prst="rect">
-            <a:avLst/>
-          </a:prstGeom>
-          <a:noFill/>
-        </p:spPr>
-        <p:txBody>
-          <a:bodyPr wrap="square" rtlCol="0">
-            <a:spAutoFit/>
-          </a:bodyPr>
-          <a:lstStyle/>
-          <a:p>
-            <a:pPr marL="285750" indent="-285750">
-              <a:buFont typeface="Arial" panose="020B0604020202020204" pitchFamily="34" charset="0"/>
-              <a:buChar char="•"/>
-            </a:pPr>
-            <a:r>
-              <a:rPr lang="pt-PT" sz="2000" dirty="0"/>
-              <a:t>necessidade de produção contínua e rápida por parte das empresas, para singrar nos mercados económicos.</a:t>
-            </a:r>
-          </a:p>
-          <a:p>
-            <a:pPr marL="285750" indent="-285750">
-              <a:buFont typeface="Arial" panose="020B0604020202020204" pitchFamily="34" charset="0"/>
-              <a:buChar char="•"/>
-            </a:pPr>
-            <a:endParaRPr lang="pt-PT" sz="2000" dirty="0"/>
-          </a:p>
-          <a:p>
-            <a:pPr marL="285750" indent="-285750">
-              <a:buFont typeface="Arial" panose="020B0604020202020204" pitchFamily="34" charset="0"/>
-              <a:buChar char="•"/>
-            </a:pPr>
-            <a:r>
-              <a:rPr lang="pt-PT" sz="2000" dirty="0"/>
-              <a:t>Aumenta a carga horária dos trabalhadores e isto gera um problema sério para quem tem filhos torna-se difícil arranjar alguém para tomar conta dos filho</a:t>
-            </a:r>
-          </a:p>
-          <a:p>
-            <a:endParaRPr lang="pt-PT" sz="2000" dirty="0"/>
-          </a:p>
-          <a:p>
-            <a:pPr marL="342900" indent="-342900">
-              <a:buFont typeface="Arial" panose="020B0604020202020204" pitchFamily="34" charset="0"/>
-              <a:buChar char="•"/>
-            </a:pPr>
-            <a:r>
-              <a:rPr lang="pt-PT" sz="2000" dirty="0"/>
-              <a:t>Surge a ideia de fazer um serviço ao domicilio de </a:t>
-            </a:r>
-            <a:r>
-              <a:rPr lang="pt-PT" sz="2000" dirty="0" err="1"/>
-              <a:t>babysitting</a:t>
-            </a:r>
-            <a:r>
-              <a:rPr lang="pt-PT" sz="2000" dirty="0"/>
-              <a:t>.</a:t>
-            </a:r>
-          </a:p>
-          <a:p>
-            <a:r>
-              <a:rPr lang="pt-PT" sz="2000" dirty="0"/>
-              <a:t> </a:t>
-            </a:r>
-          </a:p>
-          <a:p>
-            <a:pPr marL="285750" indent="-285750">
-              <a:buFont typeface="Arial" panose="020B0604020202020204" pitchFamily="34" charset="0"/>
-              <a:buChar char="•"/>
-            </a:pPr>
-            <a:r>
-              <a:rPr lang="pt-PT" sz="2000" dirty="0"/>
-              <a:t>É assim criada a plataforma “GuguDadah”.</a:t>
+              <a:t>Motivação</a:t>
             </a:r>
           </a:p>
         </p:txBody>
@@ -7785,7 +8143,7 @@
     </p:spTree>
     <p:extLst>
       <p:ext uri="{BB962C8B-B14F-4D97-AF65-F5344CB8AC3E}">
-        <p14:creationId xmlns:p14="http://schemas.microsoft.com/office/powerpoint/2010/main" val="1370001760"/>
+        <p14:creationId xmlns:p14="http://schemas.microsoft.com/office/powerpoint/2010/main" val="229223528"/>
       </p:ext>
     </p:extLst>
   </p:cSld>
@@ -7826,10 +8184,10 @@
       </p:grpSpPr>
       <p:sp>
         <p:nvSpPr>
-          <p:cNvPr id="4" name="Título 1">
+          <p:cNvPr id="2" name="Título 1">
             <a:extLst>
               <a:ext uri="{FF2B5EF4-FFF2-40B4-BE49-F238E27FC236}">
-                <a16:creationId xmlns:a16="http://schemas.microsoft.com/office/drawing/2014/main" id="{EA2E9A0D-5B06-4E5A-9884-0DAB024B310C}"/>
+                <a16:creationId xmlns:a16="http://schemas.microsoft.com/office/drawing/2014/main" id="{910D7B0C-8942-4CE3-AA50-CD602EEF81E3}"/>
               </a:ext>
             </a:extLst>
           </p:cNvPr>
@@ -7924,17 +8282,17 @@
           <a:p>
             <a:r>
               <a:rPr lang="pt-PT" dirty="0"/>
-              <a:t>Caso de Estudo</a:t>
-            </a:r>
-          </a:p>
-        </p:txBody>
-      </p:sp>
-      <p:sp>
-        <p:nvSpPr>
-          <p:cNvPr id="6" name="CaixaDeTexto 5">
+              <a:t>Objetivos</a:t>
+            </a:r>
+          </a:p>
+        </p:txBody>
+      </p:sp>
+      <p:sp>
+        <p:nvSpPr>
+          <p:cNvPr id="4" name="CaixaDeTexto 3">
             <a:extLst>
               <a:ext uri="{FF2B5EF4-FFF2-40B4-BE49-F238E27FC236}">
-                <a16:creationId xmlns:a16="http://schemas.microsoft.com/office/drawing/2014/main" id="{67A54F2A-ECDB-4027-8E3D-697619C942D2}"/>
+                <a16:creationId xmlns:a16="http://schemas.microsoft.com/office/drawing/2014/main" id="{A4574B50-E5E4-4456-97F2-7E2227DFA573}"/>
               </a:ext>
             </a:extLst>
           </p:cNvPr>
@@ -7943,8 +8301,8 @@
         </p:nvSpPr>
         <p:spPr>
           <a:xfrm>
-            <a:off x="404948" y="1555708"/>
-            <a:ext cx="8987246" cy="4401205"/>
+            <a:off x="391885" y="1555708"/>
+            <a:ext cx="8987246" cy="2862322"/>
           </a:xfrm>
           <a:prstGeom prst="rect">
             <a:avLst/>
@@ -7957,100 +8315,84 @@
           </a:bodyPr>
           <a:lstStyle/>
           <a:p>
-            <a:pPr marL="285750" indent="-285750">
+            <a:pPr marL="342900" indent="-342900" algn="just">
               <a:buFont typeface="Arial" panose="020B0604020202020204" pitchFamily="34" charset="0"/>
               <a:buChar char="•"/>
             </a:pPr>
             <a:r>
               <a:rPr lang="pt-PT" sz="2000" dirty="0"/>
-              <a:t>Deve ser guardada informação quanto a Alunos, </a:t>
-            </a:r>
-            <a:r>
-              <a:rPr lang="pt-PT" sz="2000" dirty="0" err="1"/>
-              <a:t>UCs</a:t>
-            </a:r>
-            <a:r>
-              <a:rPr lang="pt-PT" sz="2000" dirty="0"/>
-              <a:t> e Docentes. </a:t>
-            </a:r>
-          </a:p>
-          <a:p>
-            <a:endParaRPr lang="pt-PT" sz="2000" dirty="0"/>
-          </a:p>
-          <a:p>
-            <a:pPr marL="285750" indent="-285750">
+              <a:t>Disponibilizar uma interface intuitiva que facilite a requisição de serviços de babysitting;</a:t>
+            </a:r>
+          </a:p>
+          <a:p>
+            <a:pPr marL="342900" indent="-342900" algn="just">
               <a:buFont typeface="Arial" panose="020B0604020202020204" pitchFamily="34" charset="0"/>
               <a:buChar char="•"/>
             </a:pPr>
-            <a:r>
-              <a:rPr lang="pt-PT" sz="2000" dirty="0"/>
-              <a:t>Relativamente a cada Aluno, este tem um Número mecanográfico (único), Nome e Curso.</a:t>
-            </a:r>
-          </a:p>
-          <a:p>
-            <a:r>
-              <a:rPr lang="pt-PT" sz="2000" dirty="0"/>
-              <a:t> </a:t>
-            </a:r>
-          </a:p>
-          <a:p>
-            <a:pPr marL="285750" indent="-285750">
+            <a:endParaRPr lang="pt-PT" sz="2000" dirty="0"/>
+          </a:p>
+          <a:p>
+            <a:pPr marL="342900" indent="-342900" algn="just">
               <a:buFont typeface="Arial" panose="020B0604020202020204" pitchFamily="34" charset="0"/>
               <a:buChar char="•"/>
             </a:pPr>
             <a:r>
               <a:rPr lang="pt-PT" sz="2000" dirty="0"/>
-              <a:t>Para cada UC deve ser armazenado um Código (da universidade, único), Nome, Ano (em que é lecionada, segundo o plano de estudos) e ECTS (valor da UC). </a:t>
-            </a:r>
-          </a:p>
-          <a:p>
-            <a:endParaRPr lang="pt-PT" sz="2000" dirty="0"/>
-          </a:p>
-          <a:p>
-            <a:pPr marL="285750" indent="-285750">
+              <a:t>Localização geográfica;</a:t>
+            </a:r>
+          </a:p>
+          <a:p>
+            <a:pPr marL="342900" indent="-342900" algn="just">
               <a:buFont typeface="Arial" panose="020B0604020202020204" pitchFamily="34" charset="0"/>
               <a:buChar char="•"/>
             </a:pPr>
-            <a:r>
-              <a:rPr lang="pt-PT" sz="2000" dirty="0"/>
-              <a:t>No que toca a cada Docente, deve ser registado o seu Número Mecanográfico (único), Nome e Escola (a que está associado). </a:t>
-            </a:r>
-          </a:p>
-          <a:p>
             <a:endParaRPr lang="pt-PT" sz="2000" dirty="0"/>
           </a:p>
           <a:p>
-            <a:pPr marL="285750" indent="-285750">
+            <a:pPr marL="342900" indent="-342900" algn="just">
               <a:buFont typeface="Arial" panose="020B0604020202020204" pitchFamily="34" charset="0"/>
               <a:buChar char="•"/>
             </a:pPr>
             <a:r>
               <a:rPr lang="pt-PT" sz="2000" dirty="0"/>
-              <a:t>Um aluno deve estar associado a um ou mais turnos, referentes às </a:t>
+              <a:t>Possibilidade do cliente avaliar determinado </a:t>
             </a:r>
             <a:r>
               <a:rPr lang="pt-PT" sz="2000" dirty="0" err="1"/>
-              <a:t>UCs</a:t>
+              <a:t>babysitter</a:t>
             </a:r>
             <a:r>
               <a:rPr lang="pt-PT" sz="2000" dirty="0"/>
-              <a:t> em que está inscrito, em determinado ano. Os docentes lecionam as </a:t>
-            </a:r>
-            <a:r>
-              <a:rPr lang="pt-PT" sz="2000" dirty="0" err="1"/>
-              <a:t>UCs</a:t>
-            </a:r>
+              <a:t>;</a:t>
+            </a:r>
+          </a:p>
+          <a:p>
+            <a:pPr marL="342900" indent="-342900" algn="just">
+              <a:buFont typeface="Arial" panose="020B0604020202020204" pitchFamily="34" charset="0"/>
+              <a:buChar char="•"/>
+            </a:pPr>
+            <a:endParaRPr lang="pt-PT" sz="2000" dirty="0"/>
+          </a:p>
+          <a:p>
+            <a:pPr marL="342900" indent="-342900" algn="just">
+              <a:buFont typeface="Arial" panose="020B0604020202020204" pitchFamily="34" charset="0"/>
+              <a:buChar char="•"/>
+            </a:pPr>
             <a:r>
               <a:rPr lang="pt-PT" sz="2000" dirty="0"/>
-              <a:t>. </a:t>
-            </a:r>
+              <a:t>Simplificar a deslocação dos funcionários da empresa;</a:t>
+            </a:r>
+          </a:p>
+          <a:p>
+            <a:pPr algn="just"/>
+            <a:endParaRPr lang="pt-PT" sz="2000" dirty="0"/>
           </a:p>
         </p:txBody>
       </p:sp>
     </p:spTree>
     <p:extLst>
       <p:ext uri="{BB962C8B-B14F-4D97-AF65-F5344CB8AC3E}">
-        <p14:creationId xmlns:p14="http://schemas.microsoft.com/office/powerpoint/2010/main" val="4030363959"/>
+        <p14:creationId xmlns:p14="http://schemas.microsoft.com/office/powerpoint/2010/main" val="3912113154"/>
       </p:ext>
     </p:extLst>
   </p:cSld>
@@ -8091,175 +8433,10 @@
       </p:grpSpPr>
       <p:sp>
         <p:nvSpPr>
-          <p:cNvPr id="2" name="CaixaDeTexto 1">
+          <p:cNvPr id="2" name="Título 1">
             <a:extLst>
               <a:ext uri="{FF2B5EF4-FFF2-40B4-BE49-F238E27FC236}">
-                <a16:creationId xmlns:a16="http://schemas.microsoft.com/office/drawing/2014/main" id="{5F7693A0-786B-4B06-A6F3-C9B34444D8BA}"/>
-              </a:ext>
-            </a:extLst>
-          </p:cNvPr>
-          <p:cNvSpPr txBox="1"/>
-          <p:nvPr/>
-        </p:nvSpPr>
-        <p:spPr>
-          <a:xfrm>
-            <a:off x="391885" y="1150759"/>
-            <a:ext cx="8987246" cy="5232202"/>
-          </a:xfrm>
-          <a:prstGeom prst="rect">
-            <a:avLst/>
-          </a:prstGeom>
-          <a:noFill/>
-        </p:spPr>
-        <p:txBody>
-          <a:bodyPr wrap="square" rtlCol="0">
-            <a:spAutoFit/>
-          </a:bodyPr>
-          <a:lstStyle/>
-          <a:p>
-            <a:r>
-              <a:rPr lang="pt-PT" sz="2000" dirty="0"/>
-              <a:t>Deve ser possível:</a:t>
-            </a:r>
-          </a:p>
-          <a:p>
-            <a:endParaRPr lang="pt-PT" sz="2000" dirty="0"/>
-          </a:p>
-          <a:p>
-            <a:pPr marL="285750" indent="-285750">
-              <a:buFont typeface="Arial" panose="020B0604020202020204" pitchFamily="34" charset="0"/>
-              <a:buChar char="•"/>
-            </a:pPr>
-            <a:r>
-              <a:rPr lang="pt-PT" dirty="0"/>
-              <a:t>dificuldade de encontrar alguém que seja responsável para tomar conta dos nossos filhos </a:t>
-            </a:r>
-            <a:endParaRPr lang="pt-PT" sz="2000" dirty="0"/>
-          </a:p>
-          <a:p>
-            <a:pPr marL="285750" indent="-285750">
-              <a:buFont typeface="Arial" panose="020B0604020202020204" pitchFamily="34" charset="0"/>
-              <a:buChar char="•"/>
-            </a:pPr>
-            <a:r>
-              <a:rPr lang="pt-PT" dirty="0"/>
-              <a:t>a inexistência de um sistema que permita a requisição de serviços de </a:t>
-            </a:r>
-            <a:r>
-              <a:rPr lang="pt-PT" dirty="0" err="1"/>
-              <a:t>babysitting</a:t>
-            </a:r>
-            <a:r>
-              <a:rPr lang="pt-PT" dirty="0"/>
-              <a:t> online, em Portugal. </a:t>
-            </a:r>
-            <a:r>
-              <a:rPr lang="pt-PT" sz="2000" dirty="0"/>
-              <a:t> </a:t>
-            </a:r>
-          </a:p>
-          <a:p>
-            <a:pPr marL="285750" indent="-285750">
-              <a:buFont typeface="Arial" panose="020B0604020202020204" pitchFamily="34" charset="0"/>
-              <a:buChar char="•"/>
-            </a:pPr>
-            <a:r>
-              <a:rPr lang="pt-PT" sz="2000" dirty="0"/>
-              <a:t>Obter a lista de alunos inscritos no curso. </a:t>
-            </a:r>
-          </a:p>
-          <a:p>
-            <a:endParaRPr lang="pt-PT" sz="2000" dirty="0"/>
-          </a:p>
-          <a:p>
-            <a:pPr marL="285750" indent="-285750">
-              <a:buFont typeface="Arial" panose="020B0604020202020204" pitchFamily="34" charset="0"/>
-              <a:buChar char="•"/>
-            </a:pPr>
-            <a:r>
-              <a:rPr lang="pt-PT" sz="2000" dirty="0"/>
-              <a:t>Obter a lista de alunos por UC. </a:t>
-            </a:r>
-          </a:p>
-          <a:p>
-            <a:endParaRPr lang="pt-PT" sz="2000" dirty="0"/>
-          </a:p>
-          <a:p>
-            <a:pPr marL="285750" indent="-285750">
-              <a:buFont typeface="Arial" panose="020B0604020202020204" pitchFamily="34" charset="0"/>
-              <a:buChar char="•"/>
-            </a:pPr>
-            <a:r>
-              <a:rPr lang="pt-PT" sz="2000" dirty="0"/>
-              <a:t>Obter a lista de docentes que leciona determinada cadeira.</a:t>
-            </a:r>
-          </a:p>
-          <a:p>
-            <a:r>
-              <a:rPr lang="pt-PT" sz="2000" dirty="0"/>
-              <a:t> </a:t>
-            </a:r>
-          </a:p>
-          <a:p>
-            <a:pPr marL="285750" indent="-285750">
-              <a:buFont typeface="Arial" panose="020B0604020202020204" pitchFamily="34" charset="0"/>
-              <a:buChar char="•"/>
-            </a:pPr>
-            <a:r>
-              <a:rPr lang="pt-PT" sz="2000" dirty="0"/>
-              <a:t>Contagem dos pontos anteriores.</a:t>
-            </a:r>
-          </a:p>
-          <a:p>
-            <a:r>
-              <a:rPr lang="pt-PT" sz="2000" dirty="0"/>
-              <a:t> </a:t>
-            </a:r>
-          </a:p>
-          <a:p>
-            <a:pPr marL="285750" indent="-285750">
-              <a:buFont typeface="Arial" panose="020B0604020202020204" pitchFamily="34" charset="0"/>
-              <a:buChar char="•"/>
-            </a:pPr>
-            <a:r>
-              <a:rPr lang="pt-PT" sz="2000" dirty="0"/>
-              <a:t>Obter lista de docentes do curso. </a:t>
-            </a:r>
-          </a:p>
-          <a:p>
-            <a:endParaRPr lang="pt-PT" sz="2000" dirty="0"/>
-          </a:p>
-          <a:p>
-            <a:pPr marL="285750" indent="-285750">
-              <a:buFont typeface="Arial" panose="020B0604020202020204" pitchFamily="34" charset="0"/>
-              <a:buChar char="•"/>
-            </a:pPr>
-            <a:r>
-              <a:rPr lang="pt-PT" sz="2000" dirty="0"/>
-              <a:t>Obter o TOP 3 de </a:t>
-            </a:r>
-            <a:r>
-              <a:rPr lang="pt-PT" sz="2000" dirty="0" err="1"/>
-              <a:t>UCs</a:t>
-            </a:r>
-            <a:r>
-              <a:rPr lang="pt-PT" sz="2000" dirty="0"/>
-              <a:t> com mais alunos inscritos e respetivos docentes</a:t>
-            </a:r>
-            <a:r>
-              <a:rPr lang="pt-PT" dirty="0"/>
-              <a:t>. </a:t>
-            </a:r>
-            <a:endParaRPr lang="pt-PT" sz="2000" dirty="0"/>
-          </a:p>
-        </p:txBody>
-      </p:sp>
-      <p:sp>
-        <p:nvSpPr>
-          <p:cNvPr id="3" name="Título 1">
-            <a:extLst>
-              <a:ext uri="{FF2B5EF4-FFF2-40B4-BE49-F238E27FC236}">
-                <a16:creationId xmlns:a16="http://schemas.microsoft.com/office/drawing/2014/main" id="{BA983806-5ACF-436A-BC02-C3E78778BFFE}"/>
+                <a16:creationId xmlns:a16="http://schemas.microsoft.com/office/drawing/2014/main" id="{85B1917E-131F-4D55-AF63-686A2E3F901C}"/>
               </a:ext>
             </a:extLst>
           </p:cNvPr>
@@ -8354,7 +8531,139 @@
           <a:p>
             <a:r>
               <a:rPr lang="pt-PT" dirty="0"/>
-              <a:t>Motivação</a:t>
+              <a:t>Viabilidade do Sistema</a:t>
+            </a:r>
+          </a:p>
+        </p:txBody>
+      </p:sp>
+      <p:sp>
+        <p:nvSpPr>
+          <p:cNvPr id="4" name="CaixaDeTexto 3">
+            <a:extLst>
+              <a:ext uri="{FF2B5EF4-FFF2-40B4-BE49-F238E27FC236}">
+                <a16:creationId xmlns:a16="http://schemas.microsoft.com/office/drawing/2014/main" id="{94C4A52A-7267-416A-BBD5-F6C606723737}"/>
+              </a:ext>
+            </a:extLst>
+          </p:cNvPr>
+          <p:cNvSpPr txBox="1"/>
+          <p:nvPr/>
+        </p:nvSpPr>
+        <p:spPr>
+          <a:xfrm>
+            <a:off x="382920" y="1555708"/>
+            <a:ext cx="8987246" cy="4247317"/>
+          </a:xfrm>
+          <a:prstGeom prst="rect">
+            <a:avLst/>
+          </a:prstGeom>
+          <a:noFill/>
+        </p:spPr>
+        <p:txBody>
+          <a:bodyPr wrap="square" rtlCol="0">
+            <a:spAutoFit/>
+          </a:bodyPr>
+          <a:lstStyle/>
+          <a:p>
+            <a:pPr marL="342900" indent="-342900" algn="just">
+              <a:buFont typeface="Arial" panose="020B0604020202020204" pitchFamily="34" charset="0"/>
+              <a:buChar char="•"/>
+            </a:pPr>
+            <a:r>
+              <a:rPr lang="pt-PT" dirty="0"/>
+              <a:t>Um sistema ao domicílio 24/365 é um modelo de negócio cada vez mais comum;</a:t>
+            </a:r>
+          </a:p>
+          <a:p>
+            <a:pPr marL="342900" indent="-342900" algn="just">
+              <a:buFont typeface="Arial" panose="020B0604020202020204" pitchFamily="34" charset="0"/>
+              <a:buChar char="•"/>
+            </a:pPr>
+            <a:endParaRPr lang="pt-PT" dirty="0"/>
+          </a:p>
+          <a:p>
+            <a:pPr marL="342900" indent="-342900" algn="just">
+              <a:buFont typeface="Arial" panose="020B0604020202020204" pitchFamily="34" charset="0"/>
+              <a:buChar char="•"/>
+            </a:pPr>
+            <a:r>
+              <a:rPr lang="pt-PT" dirty="0"/>
+              <a:t>Há cada vez mais abertura do cliente a novas formas de comércio;</a:t>
+            </a:r>
+          </a:p>
+          <a:p>
+            <a:pPr marL="342900" indent="-342900" algn="just">
+              <a:buFont typeface="Arial" panose="020B0604020202020204" pitchFamily="34" charset="0"/>
+              <a:buChar char="•"/>
+            </a:pPr>
+            <a:endParaRPr lang="pt-PT" dirty="0"/>
+          </a:p>
+          <a:p>
+            <a:pPr marL="342900" indent="-342900" algn="just">
+              <a:buFont typeface="Arial" panose="020B0604020202020204" pitchFamily="34" charset="0"/>
+              <a:buChar char="•"/>
+            </a:pPr>
+            <a:r>
+              <a:rPr lang="pt-PT" dirty="0"/>
+              <a:t>Um serviço de babysitting ao domicílio posiciona-se como uma opção de entrada num mercado estável;</a:t>
+            </a:r>
+          </a:p>
+          <a:p>
+            <a:pPr marL="342900" indent="-342900" algn="just">
+              <a:buFont typeface="Arial" panose="020B0604020202020204" pitchFamily="34" charset="0"/>
+              <a:buChar char="•"/>
+            </a:pPr>
+            <a:endParaRPr lang="pt-PT" dirty="0"/>
+          </a:p>
+          <a:p>
+            <a:pPr marL="342900" indent="-342900" algn="just">
+              <a:buFont typeface="Arial" panose="020B0604020202020204" pitchFamily="34" charset="0"/>
+              <a:buChar char="•"/>
+            </a:pPr>
+            <a:r>
+              <a:rPr lang="pt-PT" dirty="0"/>
+              <a:t>O estudo de mercado revelou grande recetividade à possibilidade de agendar um(a) </a:t>
+            </a:r>
+            <a:r>
+              <a:rPr lang="pt-PT" dirty="0" err="1"/>
+              <a:t>babysitter</a:t>
+            </a:r>
+            <a:r>
+              <a:rPr lang="pt-PT" dirty="0"/>
+              <a:t> a qualquer altura do dia;</a:t>
+            </a:r>
+          </a:p>
+          <a:p>
+            <a:pPr marL="342900" indent="-342900" algn="just">
+              <a:buFont typeface="Arial" panose="020B0604020202020204" pitchFamily="34" charset="0"/>
+              <a:buChar char="•"/>
+            </a:pPr>
+            <a:endParaRPr lang="pt-PT" dirty="0"/>
+          </a:p>
+          <a:p>
+            <a:pPr marL="342900" indent="-342900" algn="just">
+              <a:buFont typeface="Arial" panose="020B0604020202020204" pitchFamily="34" charset="0"/>
+              <a:buChar char="•"/>
+            </a:pPr>
+            <a:r>
+              <a:rPr lang="pt-PT" dirty="0"/>
+              <a:t>O serviço está associado a um lugar físico onde se podem conhecer os profissionais, o que aumenta a confiança por parte dos pais;</a:t>
+            </a:r>
+          </a:p>
+          <a:p>
+            <a:pPr marL="342900" indent="-342900" algn="just">
+              <a:buFont typeface="Arial" panose="020B0604020202020204" pitchFamily="34" charset="0"/>
+              <a:buChar char="•"/>
+            </a:pPr>
+            <a:endParaRPr lang="pt-PT" dirty="0"/>
+          </a:p>
+          <a:p>
+            <a:pPr marL="342900" indent="-342900" algn="just">
+              <a:buFont typeface="Arial" panose="020B0604020202020204" pitchFamily="34" charset="0"/>
+              <a:buChar char="•"/>
+            </a:pPr>
+            <a:r>
+              <a:rPr lang="pt-PT" dirty="0"/>
+              <a:t>Alguma potencial falta de confiança é compensada pela presença de avaliações pessoais.</a:t>
             </a:r>
           </a:p>
         </p:txBody>
@@ -8362,7 +8671,7 @@
     </p:spTree>
     <p:extLst>
       <p:ext uri="{BB962C8B-B14F-4D97-AF65-F5344CB8AC3E}">
-        <p14:creationId xmlns:p14="http://schemas.microsoft.com/office/powerpoint/2010/main" val="229223528"/>
+        <p14:creationId xmlns:p14="http://schemas.microsoft.com/office/powerpoint/2010/main" val="1126145516"/>
       </p:ext>
     </p:extLst>
   </p:cSld>
@@ -8403,10 +8712,10 @@
       </p:grpSpPr>
       <p:sp>
         <p:nvSpPr>
-          <p:cNvPr id="2" name="Título 1">
+          <p:cNvPr id="8" name="Título 1">
             <a:extLst>
               <a:ext uri="{FF2B5EF4-FFF2-40B4-BE49-F238E27FC236}">
-                <a16:creationId xmlns:a16="http://schemas.microsoft.com/office/drawing/2014/main" id="{910D7B0C-8942-4CE3-AA50-CD602EEF81E3}"/>
+                <a16:creationId xmlns:a16="http://schemas.microsoft.com/office/drawing/2014/main" id="{3147A739-A96D-4A79-8F72-398DA2081ACA}"/>
               </a:ext>
             </a:extLst>
           </p:cNvPr>
@@ -8501,118 +8810,639 @@
           <a:p>
             <a:r>
               <a:rPr lang="pt-PT" dirty="0"/>
-              <a:t>Objetivos</a:t>
-            </a:r>
-          </a:p>
-        </p:txBody>
-      </p:sp>
-      <p:sp>
-        <p:nvSpPr>
-          <p:cNvPr id="3" name="CaixaDeTexto 2">
+              <a:t>Estabelecimento da Entidade do Projeto</a:t>
+            </a:r>
+          </a:p>
+        </p:txBody>
+      </p:sp>
+      <p:graphicFrame>
+        <p:nvGraphicFramePr>
+          <p:cNvPr id="3" name="Tabela 2">
             <a:extLst>
               <a:ext uri="{FF2B5EF4-FFF2-40B4-BE49-F238E27FC236}">
-                <a16:creationId xmlns:a16="http://schemas.microsoft.com/office/drawing/2014/main" id="{9C6BE475-49D3-4B7C-BC87-947E01209ED8}"/>
+                <a16:creationId xmlns:a16="http://schemas.microsoft.com/office/drawing/2014/main" id="{11AA55FD-6ED8-4E50-9CB7-CC4BFDF7AFAA}"/>
               </a:ext>
             </a:extLst>
           </p:cNvPr>
-          <p:cNvSpPr txBox="1"/>
+          <p:cNvGraphicFramePr>
+            <a:graphicFrameLocks noGrp="1"/>
+          </p:cNvGraphicFramePr>
+          <p:nvPr>
+            <p:extLst>
+              <p:ext uri="{D42A27DB-BD31-4B8C-83A1-F6EECF244321}">
+                <p14:modId xmlns:p14="http://schemas.microsoft.com/office/powerpoint/2010/main" val="2470793087"/>
+              </p:ext>
+            </p:extLst>
+          </p:nvPr>
+        </p:nvGraphicFramePr>
+        <p:xfrm>
+          <a:off x="1117490" y="1945259"/>
+          <a:ext cx="7130040" cy="3385112"/>
+        </p:xfrm>
+        <a:graphic>
+          <a:graphicData uri="http://schemas.openxmlformats.org/drawingml/2006/table">
+            <a:tbl>
+              <a:tblPr firstRow="1" firstCol="1" bandRow="1">
+                <a:tableStyleId>{5C22544A-7EE6-4342-B048-85BDC9FD1C3A}</a:tableStyleId>
+              </a:tblPr>
+              <a:tblGrid>
+                <a:gridCol w="2549075">
+                  <a:extLst>
+                    <a:ext uri="{9D8B030D-6E8A-4147-A177-3AD203B41FA5}">
+                      <a16:colId xmlns:a16="http://schemas.microsoft.com/office/drawing/2014/main" val="1803879799"/>
+                    </a:ext>
+                  </a:extLst>
+                </a:gridCol>
+                <a:gridCol w="4580965">
+                  <a:extLst>
+                    <a:ext uri="{9D8B030D-6E8A-4147-A177-3AD203B41FA5}">
+                      <a16:colId xmlns:a16="http://schemas.microsoft.com/office/drawing/2014/main" val="46737013"/>
+                    </a:ext>
+                  </a:extLst>
+                </a:gridCol>
+              </a:tblGrid>
+              <a:tr h="217751">
+                <a:tc>
+                  <a:txBody>
+                    <a:bodyPr/>
+                    <a:lstStyle/>
+                    <a:p>
+                      <a:pPr algn="just">
+                        <a:lnSpc>
+                          <a:spcPct val="150000"/>
+                        </a:lnSpc>
+                        <a:spcAft>
+                          <a:spcPts val="0"/>
+                        </a:spcAft>
+                      </a:pPr>
+                      <a:r>
+                        <a:rPr lang="pt-PT" sz="1000">
+                          <a:effectLst/>
+                        </a:rPr>
+                        <a:t>Nome:</a:t>
+                      </a:r>
+                      <a:endParaRPr lang="pt-PT" sz="1000">
+                        <a:effectLst/>
+                        <a:latin typeface="Arial" panose="020B0604020202020204" pitchFamily="34" charset="0"/>
+                        <a:ea typeface="Times New Roman" panose="02020603050405020304" pitchFamily="18" charset="0"/>
+                        <a:cs typeface="Times New Roman" panose="02020603050405020304" pitchFamily="18" charset="0"/>
+                      </a:endParaRPr>
+                    </a:p>
+                  </a:txBody>
+                  <a:tcPr marL="65325" marR="65325" marT="0" marB="0"/>
+                </a:tc>
+                <a:tc>
+                  <a:txBody>
+                    <a:bodyPr/>
+                    <a:lstStyle/>
+                    <a:p>
+                      <a:pPr algn="just">
+                        <a:lnSpc>
+                          <a:spcPct val="150000"/>
+                        </a:lnSpc>
+                        <a:spcAft>
+                          <a:spcPts val="0"/>
+                        </a:spcAft>
+                      </a:pPr>
+                      <a:r>
+                        <a:rPr lang="pt-PT" sz="1000">
+                          <a:effectLst/>
+                        </a:rPr>
+                        <a:t>GuguDadah</a:t>
+                      </a:r>
+                      <a:endParaRPr lang="pt-PT" sz="1000">
+                        <a:effectLst/>
+                        <a:latin typeface="Arial" panose="020B0604020202020204" pitchFamily="34" charset="0"/>
+                        <a:ea typeface="Times New Roman" panose="02020603050405020304" pitchFamily="18" charset="0"/>
+                        <a:cs typeface="Times New Roman" panose="02020603050405020304" pitchFamily="18" charset="0"/>
+                      </a:endParaRPr>
+                    </a:p>
+                  </a:txBody>
+                  <a:tcPr marL="65325" marR="65325" marT="0" marB="0"/>
+                </a:tc>
+                <a:extLst>
+                  <a:ext uri="{0D108BD9-81ED-4DB2-BD59-A6C34878D82A}">
+                    <a16:rowId xmlns:a16="http://schemas.microsoft.com/office/drawing/2014/main" val="3877655936"/>
+                  </a:ext>
+                </a:extLst>
+              </a:tr>
+              <a:tr h="217751">
+                <a:tc>
+                  <a:txBody>
+                    <a:bodyPr/>
+                    <a:lstStyle/>
+                    <a:p>
+                      <a:pPr algn="just">
+                        <a:lnSpc>
+                          <a:spcPct val="150000"/>
+                        </a:lnSpc>
+                        <a:spcAft>
+                          <a:spcPts val="0"/>
+                        </a:spcAft>
+                      </a:pPr>
+                      <a:r>
+                        <a:rPr lang="pt-PT" sz="1000">
+                          <a:effectLst/>
+                        </a:rPr>
+                        <a:t>Slogan:</a:t>
+                      </a:r>
+                      <a:endParaRPr lang="pt-PT" sz="1000">
+                        <a:effectLst/>
+                        <a:latin typeface="Arial" panose="020B0604020202020204" pitchFamily="34" charset="0"/>
+                        <a:ea typeface="Times New Roman" panose="02020603050405020304" pitchFamily="18" charset="0"/>
+                        <a:cs typeface="Times New Roman" panose="02020603050405020304" pitchFamily="18" charset="0"/>
+                      </a:endParaRPr>
+                    </a:p>
+                  </a:txBody>
+                  <a:tcPr marL="65325" marR="65325" marT="0" marB="0"/>
+                </a:tc>
+                <a:tc>
+                  <a:txBody>
+                    <a:bodyPr/>
+                    <a:lstStyle/>
+                    <a:p>
+                      <a:pPr algn="just">
+                        <a:lnSpc>
+                          <a:spcPct val="150000"/>
+                        </a:lnSpc>
+                        <a:spcAft>
+                          <a:spcPts val="0"/>
+                        </a:spcAft>
+                      </a:pPr>
+                      <a:r>
+                        <a:rPr lang="pt-PT" sz="1000">
+                          <a:effectLst/>
+                        </a:rPr>
+                        <a:t>De Pais, Para pais</a:t>
+                      </a:r>
+                      <a:endParaRPr lang="pt-PT" sz="1000">
+                        <a:effectLst/>
+                        <a:latin typeface="Arial" panose="020B0604020202020204" pitchFamily="34" charset="0"/>
+                        <a:ea typeface="Times New Roman" panose="02020603050405020304" pitchFamily="18" charset="0"/>
+                        <a:cs typeface="Times New Roman" panose="02020603050405020304" pitchFamily="18" charset="0"/>
+                      </a:endParaRPr>
+                    </a:p>
+                  </a:txBody>
+                  <a:tcPr marL="65325" marR="65325" marT="0" marB="0"/>
+                </a:tc>
+                <a:extLst>
+                  <a:ext uri="{0D108BD9-81ED-4DB2-BD59-A6C34878D82A}">
+                    <a16:rowId xmlns:a16="http://schemas.microsoft.com/office/drawing/2014/main" val="676248527"/>
+                  </a:ext>
+                </a:extLst>
+              </a:tr>
+              <a:tr h="217751">
+                <a:tc>
+                  <a:txBody>
+                    <a:bodyPr/>
+                    <a:lstStyle/>
+                    <a:p>
+                      <a:pPr algn="just">
+                        <a:lnSpc>
+                          <a:spcPct val="150000"/>
+                        </a:lnSpc>
+                        <a:spcAft>
+                          <a:spcPts val="0"/>
+                        </a:spcAft>
+                      </a:pPr>
+                      <a:r>
+                        <a:rPr lang="pt-PT" sz="1000">
+                          <a:effectLst/>
+                        </a:rPr>
+                        <a:t>Categoria:</a:t>
+                      </a:r>
+                      <a:endParaRPr lang="pt-PT" sz="1000">
+                        <a:effectLst/>
+                        <a:latin typeface="Arial" panose="020B0604020202020204" pitchFamily="34" charset="0"/>
+                        <a:ea typeface="Times New Roman" panose="02020603050405020304" pitchFamily="18" charset="0"/>
+                        <a:cs typeface="Times New Roman" panose="02020603050405020304" pitchFamily="18" charset="0"/>
+                      </a:endParaRPr>
+                    </a:p>
+                  </a:txBody>
+                  <a:tcPr marL="65325" marR="65325" marT="0" marB="0"/>
+                </a:tc>
+                <a:tc>
+                  <a:txBody>
+                    <a:bodyPr/>
+                    <a:lstStyle/>
+                    <a:p>
+                      <a:pPr algn="just">
+                        <a:lnSpc>
+                          <a:spcPct val="150000"/>
+                        </a:lnSpc>
+                        <a:spcAft>
+                          <a:spcPts val="0"/>
+                        </a:spcAft>
+                      </a:pPr>
+                      <a:r>
+                        <a:rPr lang="pt-PT" sz="1000">
+                          <a:effectLst/>
+                        </a:rPr>
+                        <a:t>Babysitting</a:t>
+                      </a:r>
+                      <a:endParaRPr lang="pt-PT" sz="1000">
+                        <a:effectLst/>
+                        <a:latin typeface="Arial" panose="020B0604020202020204" pitchFamily="34" charset="0"/>
+                        <a:ea typeface="Times New Roman" panose="02020603050405020304" pitchFamily="18" charset="0"/>
+                        <a:cs typeface="Times New Roman" panose="02020603050405020304" pitchFamily="18" charset="0"/>
+                      </a:endParaRPr>
+                    </a:p>
+                  </a:txBody>
+                  <a:tcPr marL="65325" marR="65325" marT="0" marB="0"/>
+                </a:tc>
+                <a:extLst>
+                  <a:ext uri="{0D108BD9-81ED-4DB2-BD59-A6C34878D82A}">
+                    <a16:rowId xmlns:a16="http://schemas.microsoft.com/office/drawing/2014/main" val="2841324028"/>
+                  </a:ext>
+                </a:extLst>
+              </a:tr>
+              <a:tr h="217751">
+                <a:tc rowSpan="4">
+                  <a:txBody>
+                    <a:bodyPr/>
+                    <a:lstStyle/>
+                    <a:p>
+                      <a:pPr algn="just">
+                        <a:lnSpc>
+                          <a:spcPct val="150000"/>
+                        </a:lnSpc>
+                        <a:spcAft>
+                          <a:spcPts val="0"/>
+                        </a:spcAft>
+                      </a:pPr>
+                      <a:r>
+                        <a:rPr lang="pt-PT" sz="1000" dirty="0">
+                          <a:effectLst/>
+                        </a:rPr>
+                        <a:t>Características:</a:t>
+                      </a:r>
+                      <a:endParaRPr lang="pt-PT" sz="1000" dirty="0">
+                        <a:effectLst/>
+                        <a:latin typeface="Arial" panose="020B0604020202020204" pitchFamily="34" charset="0"/>
+                        <a:ea typeface="Times New Roman" panose="02020603050405020304" pitchFamily="18" charset="0"/>
+                        <a:cs typeface="Times New Roman" panose="02020603050405020304" pitchFamily="18" charset="0"/>
+                      </a:endParaRPr>
+                    </a:p>
+                  </a:txBody>
+                  <a:tcPr marL="65325" marR="65325" marT="0" marB="0"/>
+                </a:tc>
+                <a:tc>
+                  <a:txBody>
+                    <a:bodyPr/>
+                    <a:lstStyle/>
+                    <a:p>
+                      <a:pPr algn="just">
+                        <a:lnSpc>
+                          <a:spcPct val="150000"/>
+                        </a:lnSpc>
+                        <a:spcAft>
+                          <a:spcPts val="0"/>
+                        </a:spcAft>
+                      </a:pPr>
+                      <a:r>
+                        <a:rPr lang="pt-PT" sz="1000">
+                          <a:effectLst/>
+                        </a:rPr>
+                        <a:t>Implementação de descontos em serviços</a:t>
+                      </a:r>
+                      <a:endParaRPr lang="pt-PT" sz="1000">
+                        <a:effectLst/>
+                        <a:latin typeface="Arial" panose="020B0604020202020204" pitchFamily="34" charset="0"/>
+                        <a:ea typeface="Times New Roman" panose="02020603050405020304" pitchFamily="18" charset="0"/>
+                        <a:cs typeface="Times New Roman" panose="02020603050405020304" pitchFamily="18" charset="0"/>
+                      </a:endParaRPr>
+                    </a:p>
+                  </a:txBody>
+                  <a:tcPr marL="65325" marR="65325" marT="0" marB="0"/>
+                </a:tc>
+                <a:extLst>
+                  <a:ext uri="{0D108BD9-81ED-4DB2-BD59-A6C34878D82A}">
+                    <a16:rowId xmlns:a16="http://schemas.microsoft.com/office/drawing/2014/main" val="3054180806"/>
+                  </a:ext>
+                </a:extLst>
+              </a:tr>
+              <a:tr h="217751">
+                <a:tc vMerge="1">
+                  <a:txBody>
+                    <a:bodyPr/>
+                    <a:lstStyle/>
+                    <a:p>
+                      <a:endParaRPr lang="pt-PT"/>
+                    </a:p>
+                  </a:txBody>
+                  <a:tcPr/>
+                </a:tc>
+                <a:tc>
+                  <a:txBody>
+                    <a:bodyPr/>
+                    <a:lstStyle/>
+                    <a:p>
+                      <a:pPr algn="just">
+                        <a:lnSpc>
+                          <a:spcPct val="150000"/>
+                        </a:lnSpc>
+                        <a:spcAft>
+                          <a:spcPts val="0"/>
+                        </a:spcAft>
+                      </a:pPr>
+                      <a:r>
+                        <a:rPr lang="pt-PT" sz="1000" dirty="0">
+                          <a:effectLst/>
+                        </a:rPr>
+                        <a:t>Reserva/Requerimento de profissionais para serviço</a:t>
+                      </a:r>
+                      <a:endParaRPr lang="pt-PT" sz="1000" dirty="0">
+                        <a:effectLst/>
+                        <a:latin typeface="Arial" panose="020B0604020202020204" pitchFamily="34" charset="0"/>
+                        <a:ea typeface="Times New Roman" panose="02020603050405020304" pitchFamily="18" charset="0"/>
+                        <a:cs typeface="Times New Roman" panose="02020603050405020304" pitchFamily="18" charset="0"/>
+                      </a:endParaRPr>
+                    </a:p>
+                  </a:txBody>
+                  <a:tcPr marL="65325" marR="65325" marT="0" marB="0"/>
+                </a:tc>
+                <a:extLst>
+                  <a:ext uri="{0D108BD9-81ED-4DB2-BD59-A6C34878D82A}">
+                    <a16:rowId xmlns:a16="http://schemas.microsoft.com/office/drawing/2014/main" val="2463954528"/>
+                  </a:ext>
+                </a:extLst>
+              </a:tr>
+              <a:tr h="217751">
+                <a:tc vMerge="1">
+                  <a:txBody>
+                    <a:bodyPr/>
+                    <a:lstStyle/>
+                    <a:p>
+                      <a:endParaRPr lang="pt-PT"/>
+                    </a:p>
+                  </a:txBody>
+                  <a:tcPr/>
+                </a:tc>
+                <a:tc>
+                  <a:txBody>
+                    <a:bodyPr/>
+                    <a:lstStyle/>
+                    <a:p>
+                      <a:pPr algn="just">
+                        <a:lnSpc>
+                          <a:spcPct val="150000"/>
+                        </a:lnSpc>
+                        <a:spcAft>
+                          <a:spcPts val="0"/>
+                        </a:spcAft>
+                      </a:pPr>
+                      <a:r>
+                        <a:rPr lang="pt-PT" sz="1000">
+                          <a:effectLst/>
+                        </a:rPr>
+                        <a:t>Avaliação dos profissionais</a:t>
+                      </a:r>
+                      <a:endParaRPr lang="pt-PT" sz="1000">
+                        <a:effectLst/>
+                        <a:latin typeface="Arial" panose="020B0604020202020204" pitchFamily="34" charset="0"/>
+                        <a:ea typeface="Times New Roman" panose="02020603050405020304" pitchFamily="18" charset="0"/>
+                        <a:cs typeface="Times New Roman" panose="02020603050405020304" pitchFamily="18" charset="0"/>
+                      </a:endParaRPr>
+                    </a:p>
+                  </a:txBody>
+                  <a:tcPr marL="65325" marR="65325" marT="0" marB="0"/>
+                </a:tc>
+                <a:extLst>
+                  <a:ext uri="{0D108BD9-81ED-4DB2-BD59-A6C34878D82A}">
+                    <a16:rowId xmlns:a16="http://schemas.microsoft.com/office/drawing/2014/main" val="2023427686"/>
+                  </a:ext>
+                </a:extLst>
+              </a:tr>
+              <a:tr h="217751">
+                <a:tc vMerge="1">
+                  <a:txBody>
+                    <a:bodyPr/>
+                    <a:lstStyle/>
+                    <a:p>
+                      <a:endParaRPr lang="pt-PT"/>
+                    </a:p>
+                  </a:txBody>
+                  <a:tcPr/>
+                </a:tc>
+                <a:tc>
+                  <a:txBody>
+                    <a:bodyPr/>
+                    <a:lstStyle/>
+                    <a:p>
+                      <a:pPr algn="just">
+                        <a:lnSpc>
+                          <a:spcPct val="150000"/>
+                        </a:lnSpc>
+                        <a:spcAft>
+                          <a:spcPts val="0"/>
+                        </a:spcAft>
+                      </a:pPr>
+                      <a:r>
+                        <a:rPr lang="pt-PT" sz="1000" dirty="0">
+                          <a:effectLst/>
+                        </a:rPr>
+                        <a:t>Navegação GPS</a:t>
+                      </a:r>
+                      <a:endParaRPr lang="pt-PT" sz="1000" dirty="0">
+                        <a:effectLst/>
+                        <a:latin typeface="Arial" panose="020B0604020202020204" pitchFamily="34" charset="0"/>
+                        <a:ea typeface="Times New Roman" panose="02020603050405020304" pitchFamily="18" charset="0"/>
+                        <a:cs typeface="Times New Roman" panose="02020603050405020304" pitchFamily="18" charset="0"/>
+                      </a:endParaRPr>
+                    </a:p>
+                  </a:txBody>
+                  <a:tcPr marL="65325" marR="65325" marT="0" marB="0"/>
+                </a:tc>
+                <a:extLst>
+                  <a:ext uri="{0D108BD9-81ED-4DB2-BD59-A6C34878D82A}">
+                    <a16:rowId xmlns:a16="http://schemas.microsoft.com/office/drawing/2014/main" val="2550498941"/>
+                  </a:ext>
+                </a:extLst>
+              </a:tr>
+              <a:tr h="217751">
+                <a:tc>
+                  <a:txBody>
+                    <a:bodyPr/>
+                    <a:lstStyle/>
+                    <a:p>
+                      <a:pPr algn="just">
+                        <a:lnSpc>
+                          <a:spcPct val="150000"/>
+                        </a:lnSpc>
+                        <a:spcAft>
+                          <a:spcPts val="0"/>
+                        </a:spcAft>
+                      </a:pPr>
+                      <a:r>
+                        <a:rPr lang="pt-PT" sz="1000">
+                          <a:effectLst/>
+                        </a:rPr>
+                        <a:t>Faixa Etária:</a:t>
+                      </a:r>
+                      <a:endParaRPr lang="pt-PT" sz="1000">
+                        <a:effectLst/>
+                        <a:latin typeface="Arial" panose="020B0604020202020204" pitchFamily="34" charset="0"/>
+                        <a:ea typeface="Times New Roman" panose="02020603050405020304" pitchFamily="18" charset="0"/>
+                        <a:cs typeface="Times New Roman" panose="02020603050405020304" pitchFamily="18" charset="0"/>
+                      </a:endParaRPr>
+                    </a:p>
+                  </a:txBody>
+                  <a:tcPr marL="65325" marR="65325" marT="0" marB="0"/>
+                </a:tc>
+                <a:tc>
+                  <a:txBody>
+                    <a:bodyPr/>
+                    <a:lstStyle/>
+                    <a:p>
+                      <a:pPr algn="just">
+                        <a:lnSpc>
+                          <a:spcPct val="150000"/>
+                        </a:lnSpc>
+                        <a:spcAft>
+                          <a:spcPts val="0"/>
+                        </a:spcAft>
+                      </a:pPr>
+                      <a:r>
+                        <a:rPr lang="pt-PT" sz="1000">
+                          <a:effectLst/>
+                        </a:rPr>
+                        <a:t>20-50</a:t>
+                      </a:r>
+                      <a:endParaRPr lang="pt-PT" sz="1000">
+                        <a:effectLst/>
+                        <a:latin typeface="Arial" panose="020B0604020202020204" pitchFamily="34" charset="0"/>
+                        <a:ea typeface="Times New Roman" panose="02020603050405020304" pitchFamily="18" charset="0"/>
+                        <a:cs typeface="Times New Roman" panose="02020603050405020304" pitchFamily="18" charset="0"/>
+                      </a:endParaRPr>
+                    </a:p>
+                  </a:txBody>
+                  <a:tcPr marL="65325" marR="65325" marT="0" marB="0"/>
+                </a:tc>
+                <a:extLst>
+                  <a:ext uri="{0D108BD9-81ED-4DB2-BD59-A6C34878D82A}">
+                    <a16:rowId xmlns:a16="http://schemas.microsoft.com/office/drawing/2014/main" val="801010959"/>
+                  </a:ext>
+                </a:extLst>
+              </a:tr>
+              <a:tr h="1556312">
+                <a:tc>
+                  <a:txBody>
+                    <a:bodyPr/>
+                    <a:lstStyle/>
+                    <a:p>
+                      <a:pPr algn="just">
+                        <a:lnSpc>
+                          <a:spcPct val="150000"/>
+                        </a:lnSpc>
+                        <a:spcAft>
+                          <a:spcPts val="0"/>
+                        </a:spcAft>
+                      </a:pPr>
+                      <a:r>
+                        <a:rPr lang="pt-PT" sz="1000">
+                          <a:effectLst/>
+                        </a:rPr>
+                        <a:t>Logótipo:</a:t>
+                      </a:r>
+                      <a:endParaRPr lang="pt-PT" sz="1000">
+                        <a:effectLst/>
+                        <a:latin typeface="Arial" panose="020B0604020202020204" pitchFamily="34" charset="0"/>
+                        <a:ea typeface="Times New Roman" panose="02020603050405020304" pitchFamily="18" charset="0"/>
+                        <a:cs typeface="Times New Roman" panose="02020603050405020304" pitchFamily="18" charset="0"/>
+                      </a:endParaRPr>
+                    </a:p>
+                  </a:txBody>
+                  <a:tcPr marL="65325" marR="65325" marT="0" marB="0"/>
+                </a:tc>
+                <a:tc>
+                  <a:txBody>
+                    <a:bodyPr/>
+                    <a:lstStyle/>
+                    <a:p>
+                      <a:pPr algn="just">
+                        <a:lnSpc>
+                          <a:spcPct val="150000"/>
+                        </a:lnSpc>
+                        <a:spcAft>
+                          <a:spcPts val="0"/>
+                        </a:spcAft>
+                      </a:pPr>
+                      <a:endParaRPr lang="pt-PT" sz="1000" dirty="0">
+                        <a:effectLst/>
+                        <a:latin typeface="Arial" panose="020B0604020202020204" pitchFamily="34" charset="0"/>
+                        <a:ea typeface="Times New Roman" panose="02020603050405020304" pitchFamily="18" charset="0"/>
+                        <a:cs typeface="Times New Roman" panose="02020603050405020304" pitchFamily="18" charset="0"/>
+                      </a:endParaRPr>
+                    </a:p>
+                  </a:txBody>
+                  <a:tcPr marL="65325" marR="65325" marT="0" marB="0"/>
+                </a:tc>
+                <a:extLst>
+                  <a:ext uri="{0D108BD9-81ED-4DB2-BD59-A6C34878D82A}">
+                    <a16:rowId xmlns:a16="http://schemas.microsoft.com/office/drawing/2014/main" val="2383090436"/>
+                  </a:ext>
+                </a:extLst>
+              </a:tr>
+            </a:tbl>
+          </a:graphicData>
+        </a:graphic>
+      </p:graphicFrame>
+      <p:pic>
+        <p:nvPicPr>
+          <p:cNvPr id="4098" name="Picture 2" descr="logo">
+            <a:extLst>
+              <a:ext uri="{FF2B5EF4-FFF2-40B4-BE49-F238E27FC236}">
+                <a16:creationId xmlns:a16="http://schemas.microsoft.com/office/drawing/2014/main" id="{B16C096F-DB7F-4139-A49E-E315A5E4BE75}"/>
+              </a:ext>
+            </a:extLst>
+          </p:cNvPr>
+          <p:cNvPicPr>
+            <a:picLocks noChangeAspect="1" noChangeArrowheads="1"/>
+          </p:cNvPicPr>
           <p:nvPr/>
-        </p:nvSpPr>
-        <p:spPr>
+        </p:nvPicPr>
+        <p:blipFill>
+          <a:blip r:embed="rId3">
+            <a:extLst>
+              <a:ext uri="{28A0092B-C50C-407E-A947-70E740481C1C}">
+                <a14:useLocalDpi xmlns:a14="http://schemas.microsoft.com/office/drawing/2010/main" val="0"/>
+              </a:ext>
+            </a:extLst>
+          </a:blip>
+          <a:srcRect/>
+          <a:stretch>
+            <a:fillRect/>
+          </a:stretch>
+        </p:blipFill>
+        <p:spPr bwMode="auto">
           <a:xfrm>
-            <a:off x="404948" y="1555708"/>
-            <a:ext cx="8987246" cy="3170099"/>
+            <a:off x="5036615" y="3896631"/>
+            <a:ext cx="2118770" cy="1357337"/>
           </a:xfrm>
           <a:prstGeom prst="rect">
             <a:avLst/>
           </a:prstGeom>
           <a:noFill/>
+          <a:ln>
+            <a:solidFill>
+              <a:schemeClr val="accent1"/>
+            </a:solidFill>
+          </a:ln>
+          <a:extLst>
+            <a:ext uri="{909E8E84-426E-40DD-AFC4-6F175D3DCCD1}">
+              <a14:hiddenFill xmlns:a14="http://schemas.microsoft.com/office/drawing/2010/main">
+                <a:solidFill>
+                  <a:srgbClr val="FFFFFF"/>
+                </a:solidFill>
+              </a14:hiddenFill>
+            </a:ext>
+          </a:extLst>
         </p:spPr>
-        <p:txBody>
-          <a:bodyPr wrap="square" rtlCol="0">
-            <a:spAutoFit/>
-          </a:bodyPr>
-          <a:lstStyle/>
-          <a:p>
-            <a:pPr marL="285750" indent="-285750">
-              <a:buFont typeface="Arial" panose="020B0604020202020204" pitchFamily="34" charset="0"/>
-              <a:buChar char="•"/>
-            </a:pPr>
-            <a:r>
-              <a:rPr lang="pt-PT" sz="2000" dirty="0"/>
-              <a:t>Vai ser estabelecido o perfil de </a:t>
-            </a:r>
-            <a:r>
-              <a:rPr lang="pt-PT" sz="2000" i="1" u="sng" dirty="0" err="1"/>
-              <a:t>admin</a:t>
-            </a:r>
-            <a:r>
-              <a:rPr lang="pt-PT" sz="2000" dirty="0"/>
-              <a:t>, para o Diretor de Curso, que vai ter acesso a toda a informação e operações sobre a base de dados. Poderá inserir Docentes e </a:t>
-            </a:r>
-            <a:r>
-              <a:rPr lang="pt-PT" sz="2000" dirty="0" err="1"/>
-              <a:t>UCs</a:t>
-            </a:r>
-            <a:r>
-              <a:rPr lang="pt-PT" sz="2000" dirty="0"/>
-              <a:t>, dando a sua informação e fazendo as associações estabelecidas na descrição. </a:t>
-            </a:r>
-          </a:p>
-          <a:p>
-            <a:endParaRPr lang="pt-PT" sz="2000" dirty="0"/>
-          </a:p>
-          <a:p>
-            <a:endParaRPr lang="pt-PT" sz="2000" dirty="0"/>
-          </a:p>
-          <a:p>
-            <a:pPr marL="285750" indent="-285750">
-              <a:buFont typeface="Arial" panose="020B0604020202020204" pitchFamily="34" charset="0"/>
-              <a:buChar char="•"/>
-            </a:pPr>
-            <a:r>
-              <a:rPr lang="pt-PT" sz="2000" dirty="0"/>
-              <a:t>Vai também ser estabelecido o perfil de </a:t>
-            </a:r>
-            <a:r>
-              <a:rPr lang="pt-PT" sz="2000" i="1" u="sng" dirty="0"/>
-              <a:t>aluno</a:t>
-            </a:r>
-            <a:r>
-              <a:rPr lang="pt-PT" sz="2000" i="1" dirty="0"/>
-              <a:t> </a:t>
-            </a:r>
-            <a:r>
-              <a:rPr lang="pt-PT" sz="2000" dirty="0"/>
-              <a:t>que apenas vai poder consultar informações referentes a turnos e </a:t>
-            </a:r>
-            <a:r>
-              <a:rPr lang="pt-PT" sz="2000" dirty="0" err="1"/>
-              <a:t>UCs</a:t>
-            </a:r>
-            <a:r>
-              <a:rPr lang="pt-PT" sz="2000" dirty="0"/>
-              <a:t>, não podendo fazer alterações à base de dados. Já os </a:t>
-            </a:r>
-            <a:r>
-              <a:rPr lang="pt-PT" sz="2000" i="1" u="sng" dirty="0"/>
-              <a:t>docentes</a:t>
-            </a:r>
-            <a:r>
-              <a:rPr lang="pt-PT" sz="2000" i="1" dirty="0"/>
-              <a:t> </a:t>
-            </a:r>
-            <a:r>
-              <a:rPr lang="pt-PT" sz="2000" dirty="0"/>
-              <a:t>poderão aceder a toda a informação, mas apenas manipular a correspondente aos turnos. </a:t>
-            </a:r>
-          </a:p>
-        </p:txBody>
-      </p:sp>
+      </p:pic>
     </p:spTree>
     <p:extLst>
       <p:ext uri="{BB962C8B-B14F-4D97-AF65-F5344CB8AC3E}">
-        <p14:creationId xmlns:p14="http://schemas.microsoft.com/office/powerpoint/2010/main" val="3912113154"/>
+        <p14:creationId xmlns:p14="http://schemas.microsoft.com/office/powerpoint/2010/main" val="302216141"/>
       </p:ext>
     </p:extLst>
   </p:cSld>
@@ -8653,10 +9483,10 @@
       </p:grpSpPr>
       <p:sp>
         <p:nvSpPr>
-          <p:cNvPr id="2" name="Título 1">
+          <p:cNvPr id="3" name="Título 1">
             <a:extLst>
               <a:ext uri="{FF2B5EF4-FFF2-40B4-BE49-F238E27FC236}">
-                <a16:creationId xmlns:a16="http://schemas.microsoft.com/office/drawing/2014/main" id="{85B1917E-131F-4D55-AF63-686A2E3F901C}"/>
+                <a16:creationId xmlns:a16="http://schemas.microsoft.com/office/drawing/2014/main" id="{AAAFBBEC-92A0-4DAA-ACCF-8E81D927D918}"/>
               </a:ext>
             </a:extLst>
           </p:cNvPr>
@@ -8751,17 +9581,17 @@
           <a:p>
             <a:r>
               <a:rPr lang="pt-PT" dirty="0"/>
-              <a:t>Justificação do Sistema</a:t>
-            </a:r>
-          </a:p>
-        </p:txBody>
-      </p:sp>
-      <p:sp>
-        <p:nvSpPr>
-          <p:cNvPr id="3" name="CaixaDeTexto 2">
+              <a:t>Identificação dos Recursos Necessários</a:t>
+            </a:r>
+          </a:p>
+        </p:txBody>
+      </p:sp>
+      <p:sp>
+        <p:nvSpPr>
+          <p:cNvPr id="4" name="CaixaDeTexto 3">
             <a:extLst>
               <a:ext uri="{FF2B5EF4-FFF2-40B4-BE49-F238E27FC236}">
-                <a16:creationId xmlns:a16="http://schemas.microsoft.com/office/drawing/2014/main" id="{F4BC9F0A-7766-42B5-8D80-3BB64EB3E400}"/>
+                <a16:creationId xmlns:a16="http://schemas.microsoft.com/office/drawing/2014/main" id="{0A2A8382-7563-445B-8608-2EDE06FE2956}"/>
               </a:ext>
             </a:extLst>
           </p:cNvPr>
@@ -8771,7 +9601,7 @@
         <p:spPr>
           <a:xfrm>
             <a:off x="404948" y="1555708"/>
-            <a:ext cx="8987246" cy="4093428"/>
+            <a:ext cx="8987246" cy="4401205"/>
           </a:xfrm>
           <a:prstGeom prst="rect">
             <a:avLst/>
@@ -8790,23 +9620,14 @@
             </a:pPr>
             <a:r>
               <a:rPr lang="pt-PT" sz="2000" dirty="0"/>
-              <a:t>O aluno é um dos principais pontos de interesse do sistema sendo que, a partir do momento em que se regista, fica identificado pelo seu número mecanográfico. Ele é associado a diversos turnos (um ou mais por cadeira), de acordo com o resultado providenciado pela plataforma SWAP, após seleção de cadeiras. </a:t>
-            </a:r>
-          </a:p>
-          <a:p>
-            <a:endParaRPr lang="pt-PT" sz="2000" dirty="0"/>
+              <a:t>Alocação de um engenheiro de software e quatro programadores;</a:t>
+            </a:r>
           </a:p>
           <a:p>
             <a:pPr marL="342900" indent="-342900">
               <a:buFont typeface="Arial" panose="020B0604020202020204" pitchFamily="34" charset="0"/>
               <a:buChar char="•"/>
             </a:pPr>
-            <a:r>
-              <a:rPr lang="pt-PT" sz="2000" dirty="0"/>
-              <a:t>As cadeiras são lecionadas por um ou mais docentes, que também podem lecionar uma ou mais cadeiras. </a:t>
-            </a:r>
-          </a:p>
-          <a:p>
             <a:endParaRPr lang="pt-PT" sz="2000" dirty="0"/>
           </a:p>
           <a:p>
@@ -8816,13 +9637,15 @@
             </a:pPr>
             <a:r>
               <a:rPr lang="pt-PT" sz="2000" dirty="0"/>
-              <a:t>Estes docentes podem estar associados a apenas uma escola.</a:t>
-            </a:r>
-          </a:p>
-          <a:p>
+              <a:t>Uso dos computadores disponibilizados pela software </a:t>
+            </a:r>
+            <a:r>
+              <a:rPr lang="pt-PT" sz="2000" dirty="0" err="1"/>
+              <a:t>house</a:t>
+            </a:r>
             <a:r>
               <a:rPr lang="pt-PT" sz="2000" dirty="0"/>
-              <a:t> </a:t>
+              <a:t>;</a:t>
             </a:r>
           </a:p>
           <a:p>
@@ -8830,17 +9653,102 @@
               <a:buFont typeface="Arial" panose="020B0604020202020204" pitchFamily="34" charset="0"/>
               <a:buChar char="•"/>
             </a:pPr>
+            <a:endParaRPr lang="pt-PT" sz="2000" dirty="0"/>
+          </a:p>
+          <a:p>
+            <a:pPr marL="342900" indent="-342900">
+              <a:buFont typeface="Arial" panose="020B0604020202020204" pitchFamily="34" charset="0"/>
+              <a:buChar char="•"/>
+            </a:pPr>
             <a:r>
               <a:rPr lang="pt-PT" sz="2000" dirty="0"/>
-              <a:t>Mais tarde podem acontecer trocas de turno relativamente a determinado aluno. </a:t>
-            </a:r>
+              <a:t>Duas reuniões com o infantário Bebés &amp; Companhia:</a:t>
+            </a:r>
+          </a:p>
+          <a:p>
+            <a:pPr marL="800100" lvl="1" indent="-342900">
+              <a:buFont typeface="Courier New" panose="02070309020205020404" pitchFamily="49" charset="0"/>
+              <a:buChar char="o"/>
+            </a:pPr>
+            <a:r>
+              <a:rPr lang="pt-PT" sz="2000" dirty="0"/>
+              <a:t>Para levantamento de requisitos;</a:t>
+            </a:r>
+          </a:p>
+          <a:p>
+            <a:pPr marL="800100" lvl="1" indent="-342900">
+              <a:buFont typeface="Courier New" panose="02070309020205020404" pitchFamily="49" charset="0"/>
+              <a:buChar char="o"/>
+            </a:pPr>
+            <a:r>
+              <a:rPr lang="pt-PT" sz="2000" dirty="0"/>
+              <a:t>Para confirmação do modelo elaborado;</a:t>
+            </a:r>
+          </a:p>
+          <a:p>
+            <a:pPr marL="800100" lvl="1" indent="-342900">
+              <a:buFont typeface="Arial" panose="020B0604020202020204" pitchFamily="34" charset="0"/>
+              <a:buChar char="•"/>
+            </a:pPr>
+            <a:endParaRPr lang="pt-PT" sz="2000" dirty="0"/>
+          </a:p>
+          <a:p>
+            <a:pPr marL="342900" indent="-342900">
+              <a:buFont typeface="Arial" panose="020B0604020202020204" pitchFamily="34" charset="0"/>
+              <a:buChar char="•"/>
+            </a:pPr>
+            <a:r>
+              <a:rPr lang="pt-PT" sz="2000" dirty="0"/>
+              <a:t>Estudo de mercado para confirmar viabilização do sistema;</a:t>
+            </a:r>
+          </a:p>
+          <a:p>
+            <a:pPr marL="342900" indent="-342900">
+              <a:buFont typeface="Arial" panose="020B0604020202020204" pitchFamily="34" charset="0"/>
+              <a:buChar char="•"/>
+            </a:pPr>
+            <a:endParaRPr lang="pt-PT" sz="2000" dirty="0"/>
+          </a:p>
+          <a:p>
+            <a:pPr marL="342900" indent="-342900">
+              <a:buFont typeface="Arial" panose="020B0604020202020204" pitchFamily="34" charset="0"/>
+              <a:buChar char="•"/>
+            </a:pPr>
+            <a:r>
+              <a:rPr lang="pt-PT" sz="2000" dirty="0"/>
+              <a:t>Alocação de um servidor a funcionar 24/7;</a:t>
+            </a:r>
+          </a:p>
+          <a:p>
+            <a:pPr marL="342900" indent="-342900">
+              <a:buFont typeface="Arial" panose="020B0604020202020204" pitchFamily="34" charset="0"/>
+              <a:buChar char="•"/>
+            </a:pPr>
+            <a:endParaRPr lang="pt-PT" sz="2000" dirty="0"/>
+          </a:p>
+          <a:p>
+            <a:pPr marL="342900" indent="-342900">
+              <a:buFont typeface="Arial" panose="020B0604020202020204" pitchFamily="34" charset="0"/>
+              <a:buChar char="•"/>
+            </a:pPr>
+            <a:r>
+              <a:rPr lang="pt-PT" sz="2000" dirty="0"/>
+              <a:t>Aquisição de tablets para desenvolvimento do sistema;</a:t>
+            </a:r>
+          </a:p>
+          <a:p>
+            <a:pPr marL="342900" indent="-342900">
+              <a:buFont typeface="Arial" panose="020B0604020202020204" pitchFamily="34" charset="0"/>
+              <a:buChar char="•"/>
+            </a:pPr>
+            <a:endParaRPr lang="pt-PT" sz="2000" dirty="0"/>
           </a:p>
         </p:txBody>
       </p:sp>
     </p:spTree>
     <p:extLst>
       <p:ext uri="{BB962C8B-B14F-4D97-AF65-F5344CB8AC3E}">
-        <p14:creationId xmlns:p14="http://schemas.microsoft.com/office/powerpoint/2010/main" val="1126145516"/>
+        <p14:creationId xmlns:p14="http://schemas.microsoft.com/office/powerpoint/2010/main" val="3672002259"/>
       </p:ext>
     </p:extLst>
   </p:cSld>
@@ -8881,10 +9789,10 @@
       </p:grpSpPr>
       <p:sp>
         <p:nvSpPr>
-          <p:cNvPr id="8" name="Título 1">
+          <p:cNvPr id="4" name="Título 1">
             <a:extLst>
               <a:ext uri="{FF2B5EF4-FFF2-40B4-BE49-F238E27FC236}">
-                <a16:creationId xmlns:a16="http://schemas.microsoft.com/office/drawing/2014/main" id="{3147A739-A96D-4A79-8F72-398DA2081ACA}"/>
+                <a16:creationId xmlns:a16="http://schemas.microsoft.com/office/drawing/2014/main" id="{A36E74F4-497C-4839-BC34-672CDDFA7A97}"/>
               </a:ext>
             </a:extLst>
           </p:cNvPr>
@@ -8895,8 +9803,8 @@
         </p:nvSpPr>
         <p:spPr>
           <a:xfrm>
-            <a:off x="283968" y="234908"/>
-            <a:ext cx="8596668" cy="1320800"/>
+            <a:off x="283967" y="234908"/>
+            <a:ext cx="9147416" cy="1320800"/>
           </a:xfrm>
           <a:prstGeom prst="rect">
             <a:avLst/>
@@ -8979,15 +9887,145 @@
           <a:p>
             <a:r>
               <a:rPr lang="pt-PT" dirty="0"/>
-              <a:t>Estabelecimento da Entidade do Projeto</a:t>
-            </a:r>
+              <a:t>Maquete do Sistema</a:t>
+            </a:r>
+          </a:p>
+        </p:txBody>
+      </p:sp>
+      <p:pic>
+        <p:nvPicPr>
+          <p:cNvPr id="1026" name="Picture 2" descr="maquete">
+            <a:extLst>
+              <a:ext uri="{FF2B5EF4-FFF2-40B4-BE49-F238E27FC236}">
+                <a16:creationId xmlns:a16="http://schemas.microsoft.com/office/drawing/2014/main" id="{F7D08C3F-B77C-4207-A5E8-510E6A8BE7FA}"/>
+              </a:ext>
+            </a:extLst>
+          </p:cNvPr>
+          <p:cNvPicPr>
+            <a:picLocks noChangeAspect="1" noChangeArrowheads="1"/>
+          </p:cNvPicPr>
+          <p:nvPr/>
+        </p:nvPicPr>
+        <p:blipFill>
+          <a:blip r:embed="rId2">
+            <a:extLst>
+              <a:ext uri="{28A0092B-C50C-407E-A947-70E740481C1C}">
+                <a14:useLocalDpi xmlns:a14="http://schemas.microsoft.com/office/drawing/2010/main" val="0"/>
+              </a:ext>
+            </a:extLst>
+          </a:blip>
+          <a:srcRect/>
+          <a:stretch>
+            <a:fillRect/>
+          </a:stretch>
+        </p:blipFill>
+        <p:spPr bwMode="auto">
+          <a:xfrm>
+            <a:off x="1981998" y="1136665"/>
+            <a:ext cx="6023485" cy="3006431"/>
+          </a:xfrm>
+          <a:prstGeom prst="rect">
+            <a:avLst/>
+          </a:prstGeom>
+          <a:noFill/>
+          <a:ln>
+            <a:noFill/>
+          </a:ln>
+          <a:extLst>
+            <a:ext uri="{909E8E84-426E-40DD-AFC4-6F175D3DCCD1}">
+              <a14:hiddenFill xmlns:a14="http://schemas.microsoft.com/office/drawing/2010/main">
+                <a:solidFill>
+                  <a:srgbClr val="FFFFFF"/>
+                </a:solidFill>
+              </a14:hiddenFill>
+            </a:ext>
+            <a:ext uri="{91240B29-F687-4F45-9708-019B960494DF}">
+              <a14:hiddenLine xmlns:a14="http://schemas.microsoft.com/office/drawing/2010/main" w="9525">
+                <a:solidFill>
+                  <a:srgbClr val="000000"/>
+                </a:solidFill>
+                <a:miter lim="800000"/>
+                <a:headEnd/>
+                <a:tailEnd/>
+              </a14:hiddenLine>
+            </a:ext>
+          </a:extLst>
+        </p:spPr>
+      </p:pic>
+      <p:sp>
+        <p:nvSpPr>
+          <p:cNvPr id="5" name="CaixaDeTexto 4">
+            <a:extLst>
+              <a:ext uri="{FF2B5EF4-FFF2-40B4-BE49-F238E27FC236}">
+                <a16:creationId xmlns:a16="http://schemas.microsoft.com/office/drawing/2014/main" id="{6B8FEB54-4D34-4B55-99E5-91338174C0FA}"/>
+              </a:ext>
+            </a:extLst>
+          </p:cNvPr>
+          <p:cNvSpPr txBox="1"/>
+          <p:nvPr/>
+        </p:nvSpPr>
+        <p:spPr>
+          <a:xfrm>
+            <a:off x="500117" y="4323851"/>
+            <a:ext cx="8987246" cy="1938992"/>
+          </a:xfrm>
+          <a:prstGeom prst="rect">
+            <a:avLst/>
+          </a:prstGeom>
+          <a:noFill/>
+        </p:spPr>
+        <p:txBody>
+          <a:bodyPr wrap="square" rtlCol="0">
+            <a:spAutoFit/>
+          </a:bodyPr>
+          <a:lstStyle/>
+          <a:p>
+            <a:pPr marL="342900" indent="-342900">
+              <a:buFont typeface="Arial" panose="020B0604020202020204" pitchFamily="34" charset="0"/>
+              <a:buChar char="•"/>
+            </a:pPr>
+            <a:r>
+              <a:rPr lang="pt-PT" sz="2000" dirty="0"/>
+              <a:t>Servidor ASP.NET ligado a uma base de dados SQL Server;</a:t>
+            </a:r>
+          </a:p>
+          <a:p>
+            <a:pPr marL="342900" indent="-342900">
+              <a:buFont typeface="Arial" panose="020B0604020202020204" pitchFamily="34" charset="0"/>
+              <a:buChar char="•"/>
+            </a:pPr>
+            <a:endParaRPr lang="pt-PT" sz="2000" dirty="0"/>
+          </a:p>
+          <a:p>
+            <a:pPr marL="342900" indent="-342900">
+              <a:buFont typeface="Arial" panose="020B0604020202020204" pitchFamily="34" charset="0"/>
+              <a:buChar char="•"/>
+            </a:pPr>
+            <a:r>
+              <a:rPr lang="pt-PT" sz="2000" dirty="0"/>
+              <a:t>Expõe API pública disponibilizada através do site e API privada utilizada pela aplicação móvel.</a:t>
+            </a:r>
+          </a:p>
+          <a:p>
+            <a:pPr marL="342900" indent="-342900">
+              <a:buFont typeface="Arial" panose="020B0604020202020204" pitchFamily="34" charset="0"/>
+              <a:buChar char="•"/>
+            </a:pPr>
+            <a:endParaRPr lang="pt-PT" sz="2000" dirty="0"/>
+          </a:p>
+          <a:p>
+            <a:pPr marL="342900" indent="-342900">
+              <a:buFont typeface="Arial" panose="020B0604020202020204" pitchFamily="34" charset="0"/>
+              <a:buChar char="•"/>
+            </a:pPr>
+            <a:endParaRPr lang="pt-PT" sz="2000" dirty="0"/>
           </a:p>
         </p:txBody>
       </p:sp>
     </p:spTree>
     <p:extLst>
       <p:ext uri="{BB962C8B-B14F-4D97-AF65-F5344CB8AC3E}">
-        <p14:creationId xmlns:p14="http://schemas.microsoft.com/office/powerpoint/2010/main" val="302216141"/>
+        <p14:creationId xmlns:p14="http://schemas.microsoft.com/office/powerpoint/2010/main" val="986252367"/>
       </p:ext>
     </p:extLst>
   </p:cSld>
@@ -9028,10 +10066,10 @@
       </p:grpSpPr>
       <p:sp>
         <p:nvSpPr>
-          <p:cNvPr id="3" name="Título 1">
+          <p:cNvPr id="6" name="Título 1">
             <a:extLst>
               <a:ext uri="{FF2B5EF4-FFF2-40B4-BE49-F238E27FC236}">
-                <a16:creationId xmlns:a16="http://schemas.microsoft.com/office/drawing/2014/main" id="{AAAFBBEC-92A0-4DAA-ACCF-8E81D927D918}"/>
+                <a16:creationId xmlns:a16="http://schemas.microsoft.com/office/drawing/2014/main" id="{6312B0E3-8AB8-4FDB-ABB6-4C51F617C274}"/>
               </a:ext>
             </a:extLst>
           </p:cNvPr>
@@ -9042,8 +10080,8 @@
         </p:nvSpPr>
         <p:spPr>
           <a:xfrm>
-            <a:off x="283968" y="234908"/>
-            <a:ext cx="8596668" cy="1320800"/>
+            <a:off x="283967" y="234908"/>
+            <a:ext cx="9147416" cy="1320800"/>
           </a:xfrm>
           <a:prstGeom prst="rect">
             <a:avLst/>
@@ -9126,17 +10164,17 @@
           <a:p>
             <a:r>
               <a:rPr lang="pt-PT" dirty="0"/>
-              <a:t>Identificação dos Recursos Necessários</a:t>
-            </a:r>
-          </a:p>
-        </p:txBody>
-      </p:sp>
-      <p:sp>
-        <p:nvSpPr>
-          <p:cNvPr id="4" name="CaixaDeTexto 3">
+              <a:t>Medidas de Sucesso</a:t>
+            </a:r>
+          </a:p>
+        </p:txBody>
+      </p:sp>
+      <p:sp>
+        <p:nvSpPr>
+          <p:cNvPr id="3" name="CaixaDeTexto 2">
             <a:extLst>
               <a:ext uri="{FF2B5EF4-FFF2-40B4-BE49-F238E27FC236}">
-                <a16:creationId xmlns:a16="http://schemas.microsoft.com/office/drawing/2014/main" id="{0A2A8382-7563-445B-8608-2EDE06FE2956}"/>
+                <a16:creationId xmlns:a16="http://schemas.microsoft.com/office/drawing/2014/main" id="{5CEAC276-E573-427B-ADBC-CD1A66F0D157}"/>
               </a:ext>
             </a:extLst>
           </p:cNvPr>
@@ -9146,7 +10184,7 @@
         <p:spPr>
           <a:xfrm>
             <a:off x="404948" y="1555708"/>
-            <a:ext cx="8987246" cy="3139321"/>
+            <a:ext cx="8987246" cy="5016758"/>
           </a:xfrm>
           <a:prstGeom prst="rect">
             <a:avLst/>
@@ -9159,85 +10197,149 @@
           </a:bodyPr>
           <a:lstStyle/>
           <a:p>
-            <a:pPr marL="342900" indent="-342900">
+            <a:pPr marL="285750" lvl="0" indent="-285750" algn="just">
               <a:buFont typeface="Arial" panose="020B0604020202020204" pitchFamily="34" charset="0"/>
               <a:buChar char="•"/>
             </a:pPr>
             <a:r>
-              <a:rPr lang="pt-PT" dirty="0"/>
-              <a:t>alocação de um engenheiro de software e quatro programadores</a:t>
-            </a:r>
-          </a:p>
-          <a:p>
-            <a:pPr marL="342900" indent="-342900">
+              <a:rPr lang="pt-PT" sz="1600" dirty="0"/>
+              <a:t>Todas as etapas do processo de desenvolvimento devem cumprir os prazos estabelecidos;</a:t>
+            </a:r>
+          </a:p>
+          <a:p>
+            <a:pPr marL="285750" lvl="0" indent="-285750" algn="just">
               <a:buFont typeface="Arial" panose="020B0604020202020204" pitchFamily="34" charset="0"/>
               <a:buChar char="•"/>
             </a:pPr>
-            <a:r>
-              <a:rPr lang="pt-PT" sz="2000" dirty="0"/>
-              <a:t>Uso dos </a:t>
-            </a:r>
-            <a:r>
-              <a:rPr lang="pt-PT" dirty="0" err="1"/>
-              <a:t>dos</a:t>
-            </a:r>
-            <a:r>
-              <a:rPr lang="pt-PT" dirty="0"/>
-              <a:t> computadores disponibilizados pela software </a:t>
-            </a:r>
-            <a:r>
-              <a:rPr lang="pt-PT" dirty="0" err="1"/>
-              <a:t>house</a:t>
-            </a:r>
-            <a:r>
-              <a:rPr lang="pt-PT" dirty="0"/>
-              <a:t> </a:t>
-            </a:r>
-          </a:p>
-          <a:p>
-            <a:pPr marL="342900" indent="-342900">
+            <a:endParaRPr lang="pt-PT" sz="1600" dirty="0"/>
+          </a:p>
+          <a:p>
+            <a:pPr marL="285750" lvl="0" indent="-285750" algn="just">
               <a:buFont typeface="Arial" panose="020B0604020202020204" pitchFamily="34" charset="0"/>
               <a:buChar char="•"/>
             </a:pPr>
-            <a:endParaRPr lang="pt-PT" sz="2000" dirty="0"/>
-          </a:p>
-          <a:p>
-            <a:pPr marL="342900" indent="-342900">
+            <a:r>
+              <a:rPr lang="pt-PT" sz="1600" dirty="0"/>
+              <a:t>Todos os requisitos identificados devem estar presentes na aplicação final;</a:t>
+            </a:r>
+          </a:p>
+          <a:p>
+            <a:pPr marL="285750" lvl="0" indent="-285750" algn="just">
               <a:buFont typeface="Arial" panose="020B0604020202020204" pitchFamily="34" charset="0"/>
               <a:buChar char="•"/>
             </a:pPr>
-            <a:r>
-              <a:rPr lang="pt-PT" sz="2000" dirty="0"/>
-              <a:t>As cadeiras são lecionadas por um ou mais docentes, que também podem lecionar uma ou mais cadeiras. </a:t>
-            </a:r>
-          </a:p>
-          <a:p>
-            <a:endParaRPr lang="pt-PT" sz="2000" dirty="0"/>
-          </a:p>
-          <a:p>
-            <a:pPr marL="342900" indent="-342900">
+            <a:endParaRPr lang="pt-PT" sz="1600" dirty="0"/>
+          </a:p>
+          <a:p>
+            <a:pPr marL="285750" lvl="0" indent="-285750" algn="just">
               <a:buFont typeface="Arial" panose="020B0604020202020204" pitchFamily="34" charset="0"/>
               <a:buChar char="•"/>
             </a:pPr>
             <a:r>
-              <a:rPr lang="pt-PT" sz="2000" dirty="0"/>
-              <a:t>Estes docentes podem estar associados a apenas uma escola.</a:t>
-            </a:r>
-          </a:p>
-          <a:p>
-            <a:r>
-              <a:rPr lang="pt-PT" sz="2000" dirty="0"/>
-              <a:t> </a:t>
-            </a:r>
-          </a:p>
-          <a:p>
-            <a:pPr marL="342900" indent="-342900">
+              <a:rPr lang="pt-PT" sz="1600" dirty="0"/>
+              <a:t>Verificar escalabilidade do sistema para outros infantários;</a:t>
+            </a:r>
+          </a:p>
+          <a:p>
+            <a:pPr marL="285750" lvl="0" indent="-285750" algn="just">
               <a:buFont typeface="Arial" panose="020B0604020202020204" pitchFamily="34" charset="0"/>
               <a:buChar char="•"/>
             </a:pPr>
-            <a:r>
-              <a:rPr lang="pt-PT" sz="2000" dirty="0"/>
-              <a:t>Mais tarde podem acontecer trocas de turno relativamente a determinado aluno. </a:t>
+            <a:endParaRPr lang="pt-PT" sz="1600" dirty="0"/>
+          </a:p>
+          <a:p>
+            <a:pPr marL="285750" lvl="0" indent="-285750" algn="just">
+              <a:buFont typeface="Arial" panose="020B0604020202020204" pitchFamily="34" charset="0"/>
+              <a:buChar char="•"/>
+            </a:pPr>
+            <a:r>
+              <a:rPr lang="pt-PT" sz="1600" dirty="0"/>
+              <a:t>Utilização fácil e frequente da aplicação pelos utilizadores alvo, com um crescimento consecutivo no número de usos da plataforma durante o primeiro ano;</a:t>
+            </a:r>
+          </a:p>
+          <a:p>
+            <a:pPr marL="285750" lvl="0" indent="-285750" algn="just">
+              <a:buFont typeface="Arial" panose="020B0604020202020204" pitchFamily="34" charset="0"/>
+              <a:buChar char="•"/>
+            </a:pPr>
+            <a:endParaRPr lang="pt-PT" sz="1600" dirty="0"/>
+          </a:p>
+          <a:p>
+            <a:pPr marL="285750" lvl="0" indent="-285750" algn="just">
+              <a:buFont typeface="Arial" panose="020B0604020202020204" pitchFamily="34" charset="0"/>
+              <a:buChar char="•"/>
+            </a:pPr>
+            <a:r>
+              <a:rPr lang="pt-PT" sz="1600" dirty="0"/>
+              <a:t>Permitir aos utilizadores o agendamento do serviço por um intervalo de tempo variável;</a:t>
+            </a:r>
+          </a:p>
+          <a:p>
+            <a:pPr marL="285750" lvl="0" indent="-285750" algn="just">
+              <a:buFont typeface="Arial" panose="020B0604020202020204" pitchFamily="34" charset="0"/>
+              <a:buChar char="•"/>
+            </a:pPr>
+            <a:endParaRPr lang="pt-PT" sz="1600" dirty="0"/>
+          </a:p>
+          <a:p>
+            <a:pPr marL="285750" lvl="0" indent="-285750" algn="just">
+              <a:buFont typeface="Arial" panose="020B0604020202020204" pitchFamily="34" charset="0"/>
+              <a:buChar char="•"/>
+            </a:pPr>
+            <a:r>
+              <a:rPr lang="pt-PT" sz="1600" dirty="0"/>
+              <a:t>Este agendamento também é extensível, oferecendo a possibilidade da prestação da atividade em horários em que os serviços convencionais não estão ativos;</a:t>
+            </a:r>
+          </a:p>
+          <a:p>
+            <a:pPr marL="285750" lvl="0" indent="-285750" algn="just">
+              <a:buFont typeface="Arial" panose="020B0604020202020204" pitchFamily="34" charset="0"/>
+              <a:buChar char="•"/>
+            </a:pPr>
+            <a:endParaRPr lang="pt-PT" sz="1600" dirty="0"/>
+          </a:p>
+          <a:p>
+            <a:pPr marL="285750" lvl="0" indent="-285750" algn="just">
+              <a:buFont typeface="Arial" panose="020B0604020202020204" pitchFamily="34" charset="0"/>
+              <a:buChar char="•"/>
+            </a:pPr>
+            <a:r>
+              <a:rPr lang="pt-PT" sz="1600" dirty="0"/>
+              <a:t>Liberar os usuários do transtorno da deslocação aos infantários, para trazer os filhos de volta a casa;</a:t>
+            </a:r>
+          </a:p>
+          <a:p>
+            <a:pPr marL="285750" lvl="0" indent="-285750" algn="just">
+              <a:buFont typeface="Arial" panose="020B0604020202020204" pitchFamily="34" charset="0"/>
+              <a:buChar char="•"/>
+            </a:pPr>
+            <a:endParaRPr lang="pt-PT" sz="1600" dirty="0"/>
+          </a:p>
+          <a:p>
+            <a:pPr marL="285750" lvl="0" indent="-285750" algn="just">
+              <a:buFont typeface="Arial" panose="020B0604020202020204" pitchFamily="34" charset="0"/>
+              <a:buChar char="•"/>
+            </a:pPr>
+            <a:r>
+              <a:rPr lang="pt-PT" sz="1600" dirty="0"/>
+              <a:t>Oferecer um método de pagamento homogéneo;</a:t>
+            </a:r>
+          </a:p>
+          <a:p>
+            <a:pPr marL="285750" lvl="0" indent="-285750" algn="just">
+              <a:buFont typeface="Arial" panose="020B0604020202020204" pitchFamily="34" charset="0"/>
+              <a:buChar char="•"/>
+            </a:pPr>
+            <a:endParaRPr lang="pt-PT" sz="1600" dirty="0"/>
+          </a:p>
+          <a:p>
+            <a:pPr marL="285750" lvl="0" indent="-285750" algn="just">
+              <a:buFont typeface="Arial" panose="020B0604020202020204" pitchFamily="34" charset="0"/>
+              <a:buChar char="•"/>
+            </a:pPr>
+            <a:r>
+              <a:rPr lang="pt-PT" sz="1600" dirty="0"/>
+              <a:t>Garantir uma maior viabilidade do projeto através de um sistema de avaliação.</a:t>
             </a:r>
           </a:p>
         </p:txBody>
@@ -9245,7 +10347,7 @@
     </p:spTree>
     <p:extLst>
       <p:ext uri="{BB962C8B-B14F-4D97-AF65-F5344CB8AC3E}">
-        <p14:creationId xmlns:p14="http://schemas.microsoft.com/office/powerpoint/2010/main" val="3672002259"/>
+        <p14:creationId xmlns:p14="http://schemas.microsoft.com/office/powerpoint/2010/main" val="2693624878"/>
       </p:ext>
     </p:extLst>
   </p:cSld>

--- a/relatorio/LI4.pptx
+++ b/relatorio/LI4.pptx
@@ -20,7 +20,7 @@
     <p:sldId id="276" r:id="rId11"/>
     <p:sldId id="301" r:id="rId12"/>
     <p:sldId id="302" r:id="rId13"/>
-    <p:sldId id="300" r:id="rId14"/>
+    <p:sldId id="303" r:id="rId14"/>
   </p:sldIdLst>
   <p:sldSz cx="12192000" cy="6858000"/>
   <p:notesSz cx="6858000" cy="9144000"/>
@@ -6420,8 +6420,8 @@
         </p:nvSpPr>
         <p:spPr>
           <a:xfrm>
-            <a:off x="2916316" y="2589957"/>
-            <a:ext cx="6260638" cy="830997"/>
+            <a:off x="2847703" y="2302349"/>
+            <a:ext cx="4821926" cy="1200329"/>
           </a:xfrm>
           <a:prstGeom prst="rect">
             <a:avLst/>
@@ -6434,12 +6434,21 @@
           </a:bodyPr>
           <a:lstStyle/>
           <a:p>
-            <a:r>
-              <a:rPr lang="pt-PT" dirty="0"/>
+            <a:pPr algn="ctr"/>
+            <a:r>
+              <a:rPr lang="pt-PT" dirty="0">
+                <a:effectLst>
+                  <a:outerShdw blurRad="38100" dist="38100" dir="2700000" algn="tl">
+                    <a:srgbClr val="000000">
+                      <a:alpha val="43137"/>
+                    </a:srgbClr>
+                  </a:outerShdw>
+                </a:effectLst>
+              </a:rPr>
               <a:t>			        </a:t>
             </a:r>
             <a:r>
-              <a:rPr lang="pt-PT" sz="4800" b="1" dirty="0">
+              <a:rPr lang="pt-PT" sz="5400" b="1" dirty="0">
                 <a:solidFill>
                   <a:schemeClr val="bg1">
                     <a:lumMod val="50000"/>
@@ -6456,7 +6465,7 @@
               <a:t>”</a:t>
             </a:r>
             <a:r>
-              <a:rPr lang="pt-PT" sz="4800" b="1" dirty="0" err="1">
+              <a:rPr lang="pt-PT" sz="5400" b="1" dirty="0" err="1">
                 <a:solidFill>
                   <a:schemeClr val="bg1">
                     <a:lumMod val="50000"/>
@@ -6473,7 +6482,7 @@
               <a:t>GuguDadah</a:t>
             </a:r>
             <a:r>
-              <a:rPr lang="pt-PT" sz="4800" b="1" dirty="0">
+              <a:rPr lang="pt-PT" sz="5400" b="1" dirty="0">
                 <a:solidFill>
                   <a:schemeClr val="bg1">
                     <a:lumMod val="50000"/>
@@ -6549,7 +6558,7 @@
         </p:nvSpPr>
         <p:spPr>
           <a:xfrm>
-            <a:off x="4310116" y="3322223"/>
+            <a:off x="2847703" y="3509649"/>
             <a:ext cx="4266090" cy="1169551"/>
           </a:xfrm>
           <a:prstGeom prst="rect">
@@ -6629,6 +6638,63 @@
           </a:p>
         </p:txBody>
       </p:sp>
+      <p:pic>
+        <p:nvPicPr>
+          <p:cNvPr id="9" name="Picture 1" descr="logo">
+            <a:extLst>
+              <a:ext uri="{FF2B5EF4-FFF2-40B4-BE49-F238E27FC236}">
+                <a16:creationId xmlns:a16="http://schemas.microsoft.com/office/drawing/2014/main" id="{6A4C25DF-6080-4353-8A32-211555DA08D1}"/>
+              </a:ext>
+            </a:extLst>
+          </p:cNvPr>
+          <p:cNvPicPr>
+            <a:picLocks noChangeAspect="1" noChangeArrowheads="1"/>
+          </p:cNvPicPr>
+          <p:nvPr/>
+        </p:nvPicPr>
+        <p:blipFill>
+          <a:blip r:embed="rId3">
+            <a:clrChange>
+              <a:clrFrom>
+                <a:srgbClr val="FFFFFF"/>
+              </a:clrFrom>
+              <a:clrTo>
+                <a:srgbClr val="FFFFFF">
+                  <a:alpha val="0"/>
+                </a:srgbClr>
+              </a:clrTo>
+            </a:clrChange>
+            <a:extLst>
+              <a:ext uri="{28A0092B-C50C-407E-A947-70E740481C1C}">
+                <a14:useLocalDpi xmlns:a14="http://schemas.microsoft.com/office/drawing/2010/main" val="0"/>
+              </a:ext>
+            </a:extLst>
+          </a:blip>
+          <a:srcRect/>
+          <a:stretch>
+            <a:fillRect/>
+          </a:stretch>
+        </p:blipFill>
+        <p:spPr bwMode="auto">
+          <a:xfrm>
+            <a:off x="-606743" y="5116263"/>
+            <a:ext cx="3080293" cy="1973313"/>
+          </a:xfrm>
+          <a:prstGeom prst="rect">
+            <a:avLst/>
+          </a:prstGeom>
+          <a:noFill/>
+          <a:extLst>
+            <a:ext uri="{909E8E84-426E-40DD-AFC4-6F175D3DCCD1}">
+              <a14:hiddenFill xmlns:a14="http://schemas.microsoft.com/office/drawing/2010/main">
+                <a:solidFill>
+                  <a:srgbClr val="FFFFFF"/>
+                </a:solidFill>
+              </a14:hiddenFill>
+            </a:ext>
+          </a:extLst>
+        </p:spPr>
+      </p:pic>
     </p:spTree>
     <p:extLst>
       <p:ext uri="{BB962C8B-B14F-4D97-AF65-F5344CB8AC3E}">
@@ -7501,8 +7567,8 @@
         </p:nvSpPr>
         <p:spPr>
           <a:xfrm>
-            <a:off x="2916316" y="2589957"/>
-            <a:ext cx="6260638" cy="830997"/>
+            <a:off x="2847703" y="2302349"/>
+            <a:ext cx="4821926" cy="1200329"/>
           </a:xfrm>
           <a:prstGeom prst="rect">
             <a:avLst/>
@@ -7515,17 +7581,9 @@
           </a:bodyPr>
           <a:lstStyle/>
           <a:p>
-            <a:r>
-              <a:rPr lang="pt-PT" dirty="0"/>
-              <a:t>			        </a:t>
-            </a:r>
-            <a:r>
-              <a:rPr lang="pt-PT" sz="4800" b="1" dirty="0">
-                <a:solidFill>
-                  <a:schemeClr val="bg1">
-                    <a:lumMod val="50000"/>
-                  </a:schemeClr>
-                </a:solidFill>
+            <a:pPr algn="ctr"/>
+            <a:r>
+              <a:rPr lang="pt-PT" dirty="0">
                 <a:effectLst>
                   <a:outerShdw blurRad="38100" dist="38100" dir="2700000" algn="tl">
                     <a:srgbClr val="000000">
@@ -7534,7 +7592,58 @@
                   </a:outerShdw>
                 </a:effectLst>
               </a:rPr>
-              <a:t>”GuguDadah”</a:t>
+              <a:t>			        </a:t>
+            </a:r>
+            <a:r>
+              <a:rPr lang="pt-PT" sz="5400" b="1" dirty="0">
+                <a:solidFill>
+                  <a:schemeClr val="bg1">
+                    <a:lumMod val="50000"/>
+                  </a:schemeClr>
+                </a:solidFill>
+                <a:effectLst>
+                  <a:outerShdw blurRad="38100" dist="38100" dir="2700000" algn="tl">
+                    <a:srgbClr val="000000">
+                      <a:alpha val="43137"/>
+                    </a:srgbClr>
+                  </a:outerShdw>
+                </a:effectLst>
+              </a:rPr>
+              <a:t>”</a:t>
+            </a:r>
+            <a:r>
+              <a:rPr lang="pt-PT" sz="5400" b="1" dirty="0" err="1">
+                <a:solidFill>
+                  <a:schemeClr val="bg1">
+                    <a:lumMod val="50000"/>
+                  </a:schemeClr>
+                </a:solidFill>
+                <a:effectLst>
+                  <a:outerShdw blurRad="38100" dist="38100" dir="2700000" algn="tl">
+                    <a:srgbClr val="000000">
+                      <a:alpha val="43137"/>
+                    </a:srgbClr>
+                  </a:outerShdw>
+                </a:effectLst>
+              </a:rPr>
+              <a:t>GuguDadah</a:t>
+            </a:r>
+            <a:r>
+              <a:rPr lang="pt-PT" sz="5400" b="1" dirty="0">
+                <a:solidFill>
+                  <a:schemeClr val="bg1">
+                    <a:lumMod val="50000"/>
+                  </a:schemeClr>
+                </a:solidFill>
+                <a:effectLst>
+                  <a:outerShdw blurRad="38100" dist="38100" dir="2700000" algn="tl">
+                    <a:srgbClr val="000000">
+                      <a:alpha val="43137"/>
+                    </a:srgbClr>
+                  </a:outerShdw>
+                </a:effectLst>
+              </a:rPr>
+              <a:t>”</a:t>
             </a:r>
           </a:p>
         </p:txBody>
@@ -7596,7 +7705,7 @@
         </p:nvSpPr>
         <p:spPr>
           <a:xfrm>
-            <a:off x="4310116" y="3322223"/>
+            <a:off x="2847703" y="3509649"/>
             <a:ext cx="4266090" cy="1169551"/>
           </a:xfrm>
           <a:prstGeom prst="rect">
@@ -7676,10 +7785,67 @@
           </a:p>
         </p:txBody>
       </p:sp>
+      <p:pic>
+        <p:nvPicPr>
+          <p:cNvPr id="9" name="Picture 1" descr="logo">
+            <a:extLst>
+              <a:ext uri="{FF2B5EF4-FFF2-40B4-BE49-F238E27FC236}">
+                <a16:creationId xmlns:a16="http://schemas.microsoft.com/office/drawing/2014/main" id="{6A4C25DF-6080-4353-8A32-211555DA08D1}"/>
+              </a:ext>
+            </a:extLst>
+          </p:cNvPr>
+          <p:cNvPicPr>
+            <a:picLocks noChangeAspect="1" noChangeArrowheads="1"/>
+          </p:cNvPicPr>
+          <p:nvPr/>
+        </p:nvPicPr>
+        <p:blipFill>
+          <a:blip r:embed="rId3">
+            <a:clrChange>
+              <a:clrFrom>
+                <a:srgbClr val="FFFFFF"/>
+              </a:clrFrom>
+              <a:clrTo>
+                <a:srgbClr val="FFFFFF">
+                  <a:alpha val="0"/>
+                </a:srgbClr>
+              </a:clrTo>
+            </a:clrChange>
+            <a:extLst>
+              <a:ext uri="{28A0092B-C50C-407E-A947-70E740481C1C}">
+                <a14:useLocalDpi xmlns:a14="http://schemas.microsoft.com/office/drawing/2010/main" val="0"/>
+              </a:ext>
+            </a:extLst>
+          </a:blip>
+          <a:srcRect/>
+          <a:stretch>
+            <a:fillRect/>
+          </a:stretch>
+        </p:blipFill>
+        <p:spPr bwMode="auto">
+          <a:xfrm>
+            <a:off x="-606743" y="5116263"/>
+            <a:ext cx="3080293" cy="1973313"/>
+          </a:xfrm>
+          <a:prstGeom prst="rect">
+            <a:avLst/>
+          </a:prstGeom>
+          <a:noFill/>
+          <a:extLst>
+            <a:ext uri="{909E8E84-426E-40DD-AFC4-6F175D3DCCD1}">
+              <a14:hiddenFill xmlns:a14="http://schemas.microsoft.com/office/drawing/2010/main">
+                <a:solidFill>
+                  <a:srgbClr val="FFFFFF"/>
+                </a:solidFill>
+              </a14:hiddenFill>
+            </a:ext>
+          </a:extLst>
+        </p:spPr>
+      </p:pic>
     </p:spTree>
     <p:extLst>
       <p:ext uri="{BB962C8B-B14F-4D97-AF65-F5344CB8AC3E}">
-        <p14:creationId xmlns:p14="http://schemas.microsoft.com/office/powerpoint/2010/main" val="2644619552"/>
+        <p14:creationId xmlns:p14="http://schemas.microsoft.com/office/powerpoint/2010/main" val="3114277076"/>
       </p:ext>
     </p:extLst>
   </p:cSld>
@@ -7837,8 +8003,8 @@
         </p:nvSpPr>
         <p:spPr>
           <a:xfrm>
-            <a:off x="404948" y="1555708"/>
-            <a:ext cx="8987246" cy="3170099"/>
+            <a:off x="404948" y="1400499"/>
+            <a:ext cx="8987246" cy="5447645"/>
           </a:xfrm>
           <a:prstGeom prst="rect">
             <a:avLst/>
@@ -7891,14 +8057,40 @@
             </a:pPr>
             <a:r>
               <a:rPr lang="pt-PT" sz="2000" dirty="0"/>
-              <a:t>Surge a ideia de criar um serviço de babysitting ao domicílio;</a:t>
-            </a:r>
+              <a:t>“Bebés &amp; Com</a:t>
+            </a:r>
+            <a:r>
+              <a:rPr lang="pt-PT" dirty="0"/>
+              <a:t>panhia” possui uma cadeia de infantários espalhados pela grande Lisboa, com o reparo que a maioria dos seus funcionários estão na faixa etária dos vinte e dispõem de tempo livre para horário extra, e estes viram aqui uma ótima oportunidade. Surge, assim, a ideia de fazer um serviço ao domicilio de </a:t>
+            </a:r>
+            <a:r>
+              <a:rPr lang="pt-PT" dirty="0" err="1"/>
+              <a:t>babysitting</a:t>
+            </a:r>
+            <a:r>
+              <a:rPr lang="pt-PT" dirty="0"/>
+              <a:t>; </a:t>
+            </a:r>
+          </a:p>
+          <a:p>
+            <a:endParaRPr lang="pt-PT" sz="2000" dirty="0"/>
           </a:p>
           <a:p>
             <a:pPr marL="342900" indent="-342900">
               <a:buFont typeface="Arial" panose="020B0604020202020204" pitchFamily="34" charset="0"/>
               <a:buChar char="•"/>
             </a:pPr>
+            <a:r>
+              <a:rPr lang="pt-PT" sz="2000" dirty="0"/>
+              <a:t>Realização de inquéritos: </a:t>
+            </a:r>
+            <a:r>
+              <a:rPr lang="pt-PT" dirty="0"/>
+              <a:t>disposição para trabalhar horas extra, disponibilidade para horas tardias e para deslocações ao domicílio -&gt; Sem necessidade de contratação de agentes externos ao infantário;</a:t>
+            </a:r>
+            <a:endParaRPr lang="pt-PT" sz="2000" dirty="0"/>
+          </a:p>
+          <a:p>
             <a:endParaRPr lang="pt-PT" sz="2000" dirty="0"/>
           </a:p>
           <a:p>
@@ -7970,7 +8162,7 @@
         <p:spPr>
           <a:xfrm>
             <a:off x="382920" y="1555708"/>
-            <a:ext cx="8987246" cy="3170099"/>
+            <a:ext cx="8987246" cy="3477875"/>
           </a:xfrm>
           <a:prstGeom prst="rect">
             <a:avLst/>
@@ -7989,7 +8181,7 @@
             </a:pPr>
             <a:r>
               <a:rPr lang="pt-PT" sz="2000" dirty="0"/>
-              <a:t>Dificuldade de encontrar alguém que seja responsável para tomar conta dos nossos filhos;</a:t>
+              <a:t>Dificuldade de encontrar alguém que seja responsável para tomar conta dos nossos filhos a horas tardias, ou a falta de disponibilidade dos infantários de tomar conta de crianças adoentadas;</a:t>
             </a:r>
           </a:p>
           <a:p>
@@ -8551,7 +8743,7 @@
         <p:spPr>
           <a:xfrm>
             <a:off x="382920" y="1555708"/>
-            <a:ext cx="8987246" cy="4247317"/>
+            <a:ext cx="8987246" cy="4524315"/>
           </a:xfrm>
           <a:prstGeom prst="rect">
             <a:avLst/>
@@ -8570,7 +8762,15 @@
             </a:pPr>
             <a:r>
               <a:rPr lang="pt-PT" dirty="0"/>
-              <a:t>Um sistema ao domicílio 24/365 é um modelo de negócio cada vez mais comum;</a:t>
+              <a:t>Um sistema ao domicílio 24/365 é um modelo de negócio cada vez mais comum (Amazon, KFC, </a:t>
+            </a:r>
+            <a:r>
+              <a:rPr lang="pt-PT" dirty="0" err="1"/>
+              <a:t>Burguer</a:t>
+            </a:r>
+            <a:r>
+              <a:rPr lang="pt-PT" dirty="0"/>
+              <a:t> King,…);</a:t>
             </a:r>
           </a:p>
           <a:p>
@@ -8837,7 +9037,7 @@
         </p:nvGraphicFramePr>
         <p:xfrm>
           <a:off x="1117490" y="1945259"/>
-          <a:ext cx="7130040" cy="3385112"/>
+          <a:ext cx="7130040" cy="3298320"/>
         </p:xfrm>
         <a:graphic>
           <a:graphicData uri="http://schemas.openxmlformats.org/drawingml/2006/table">
@@ -9402,7 +9602,7 @@
           <p:nvPr/>
         </p:nvPicPr>
         <p:blipFill>
-          <a:blip r:embed="rId3">
+          <a:blip r:embed="rId2">
             <a:extLst>
               <a:ext uri="{28A0092B-C50C-407E-A947-70E740481C1C}">
                 <a14:useLocalDpi xmlns:a14="http://schemas.microsoft.com/office/drawing/2010/main" val="0"/>
@@ -9601,7 +9801,7 @@
         <p:spPr>
           <a:xfrm>
             <a:off x="404948" y="1555708"/>
-            <a:ext cx="8987246" cy="4401205"/>
+            <a:ext cx="8987246" cy="4708981"/>
           </a:xfrm>
           <a:prstGeom prst="rect">
             <a:avLst/>
@@ -9620,7 +9820,7 @@
             </a:pPr>
             <a:r>
               <a:rPr lang="pt-PT" sz="2000" dirty="0"/>
-              <a:t>Alocação de um engenheiro de software e quatro programadores;</a:t>
+              <a:t>Alocação de um engenheiro de software e quatro programadores (a trabalhar 2h/dia -&gt; 1 homem/mês);</a:t>
             </a:r>
           </a:p>
           <a:p>
@@ -10183,8 +10383,8 @@
         </p:nvSpPr>
         <p:spPr>
           <a:xfrm>
-            <a:off x="404948" y="1555708"/>
-            <a:ext cx="8987246" cy="5016758"/>
+            <a:off x="444137" y="1348800"/>
+            <a:ext cx="8987246" cy="5509200"/>
           </a:xfrm>
           <a:prstGeom prst="rect">
             <a:avLst/>
@@ -10340,6 +10540,23 @@
             <a:r>
               <a:rPr lang="pt-PT" sz="1600" dirty="0"/>
               <a:t>Garantir uma maior viabilidade do projeto através de um sistema de avaliação.</a:t>
+            </a:r>
+          </a:p>
+          <a:p>
+            <a:pPr marL="285750" lvl="0" indent="-285750" algn="just">
+              <a:buFont typeface="Arial" panose="020B0604020202020204" pitchFamily="34" charset="0"/>
+              <a:buChar char="•"/>
+            </a:pPr>
+            <a:endParaRPr lang="pt-PT" sz="1600" dirty="0"/>
+          </a:p>
+          <a:p>
+            <a:pPr marL="285750" lvl="0" indent="-285750" algn="just">
+              <a:buFont typeface="Arial" panose="020B0604020202020204" pitchFamily="34" charset="0"/>
+              <a:buChar char="•"/>
+            </a:pPr>
+            <a:r>
+              <a:rPr lang="pt-PT" sz="1600" dirty="0"/>
+              <a:t>Funcionar 24h, 365 dias por ano!</a:t>
             </a:r>
           </a:p>
         </p:txBody>

--- a/relatorio/LI4.pptx
+++ b/relatorio/LI4.pptx
@@ -209,7 +209,7 @@
           <a:p>
             <a:fld id="{FC77EE40-E473-4F3B-ABB7-4026700F0D66}" type="datetimeFigureOut">
               <a:rPr lang="pt-PT" smtClean="0"/>
-              <a:t>12/03/2018</a:t>
+              <a:t>12-03-2018</a:t>
             </a:fld>
             <a:endParaRPr lang="pt-PT"/>
           </a:p>
@@ -367,7 +367,7 @@
           <a:p>
             <a:fld id="{F2D13AFA-C489-4F08-BBC3-E69A09335FB4}" type="slidenum">
               <a:rPr lang="pt-PT" smtClean="0"/>
-              <a:t>‹nº›</a:t>
+              <a:t>‹#›</a:t>
             </a:fld>
             <a:endParaRPr lang="pt-PT"/>
           </a:p>
@@ -1326,7 +1326,7 @@
             <a:fld id="{D57F1E4F-1CFF-5643-939E-217C01CDF565}" type="slidenum">
               <a:rPr lang="en-US" dirty="0"/>
               <a:pPr/>
-              <a:t>‹nº›</a:t>
+              <a:t>‹#›</a:t>
             </a:fld>
             <a:endParaRPr lang="en-US" dirty="0"/>
           </a:p>
@@ -1574,7 +1574,7 @@
             <a:fld id="{D57F1E4F-1CFF-5643-939E-217C01CDF565}" type="slidenum">
               <a:rPr lang="en-US" dirty="0"/>
               <a:pPr/>
-              <a:t>‹nº›</a:t>
+              <a:t>‹#›</a:t>
             </a:fld>
             <a:endParaRPr lang="en-US" dirty="0"/>
           </a:p>
@@ -1885,7 +1885,7 @@
             <a:fld id="{D57F1E4F-1CFF-5643-939E-217C01CDF565}" type="slidenum">
               <a:rPr lang="en-US" dirty="0"/>
               <a:pPr/>
-              <a:t>‹nº›</a:t>
+              <a:t>‹#›</a:t>
             </a:fld>
             <a:endParaRPr lang="en-US" dirty="0"/>
           </a:p>
@@ -2223,7 +2223,7 @@
             <a:fld id="{D57F1E4F-1CFF-5643-939E-217C01CDF565}" type="slidenum">
               <a:rPr lang="en-US" dirty="0"/>
               <a:pPr/>
-              <a:t>‹nº›</a:t>
+              <a:t>‹#›</a:t>
             </a:fld>
             <a:endParaRPr lang="en-US" dirty="0"/>
           </a:p>
@@ -2534,7 +2534,7 @@
             <a:fld id="{D57F1E4F-1CFF-5643-939E-217C01CDF565}" type="slidenum">
               <a:rPr lang="en-US" dirty="0"/>
               <a:pPr/>
-              <a:t>‹nº›</a:t>
+              <a:t>‹#›</a:t>
             </a:fld>
             <a:endParaRPr lang="en-US" dirty="0"/>
           </a:p>
@@ -2924,7 +2924,7 @@
             <a:fld id="{D57F1E4F-1CFF-5643-939E-217C01CDF565}" type="slidenum">
               <a:rPr lang="en-US" dirty="0"/>
               <a:pPr/>
-              <a:t>‹nº›</a:t>
+              <a:t>‹#›</a:t>
             </a:fld>
             <a:endParaRPr lang="en-US" dirty="0"/>
           </a:p>
@@ -3089,7 +3089,7 @@
           <a:p>
             <a:fld id="{89333C77-0158-454C-844F-B7AB9BD7DAD4}" type="slidenum">
               <a:rPr lang="en-US" dirty="0"/>
-              <a:t>‹nº›</a:t>
+              <a:t>‹#›</a:t>
             </a:fld>
             <a:endParaRPr lang="en-US" dirty="0"/>
           </a:p>
@@ -3266,7 +3266,7 @@
             <a:fld id="{D57F1E4F-1CFF-5643-939E-217C01CDF565}" type="slidenum">
               <a:rPr lang="en-US" dirty="0"/>
               <a:pPr/>
-              <a:t>‹nº›</a:t>
+              <a:t>‹#›</a:t>
             </a:fld>
             <a:endParaRPr lang="en-US" dirty="0"/>
           </a:p>
@@ -3439,7 +3439,7 @@
             <a:fld id="{D57F1E4F-1CFF-5643-939E-217C01CDF565}" type="slidenum">
               <a:rPr lang="en-US" dirty="0"/>
               <a:pPr/>
-              <a:t>‹nº›</a:t>
+              <a:t>‹#›</a:t>
             </a:fld>
             <a:endParaRPr lang="en-US" dirty="0"/>
           </a:p>
@@ -3683,7 +3683,7 @@
             <a:fld id="{D57F1E4F-1CFF-5643-939E-217C01CDF565}" type="slidenum">
               <a:rPr lang="en-US" dirty="0"/>
               <a:pPr/>
-              <a:t>‹nº›</a:t>
+              <a:t>‹#›</a:t>
             </a:fld>
             <a:endParaRPr lang="en-US" dirty="0"/>
           </a:p>
@@ -3910,7 +3910,7 @@
           <a:p>
             <a:fld id="{6FF9F0C5-380F-41C2-899A-BAC0F0927E16}" type="slidenum">
               <a:rPr lang="en-US" dirty="0"/>
-              <a:t>‹nº›</a:t>
+              <a:t>‹#›</a:t>
             </a:fld>
             <a:endParaRPr lang="en-US" dirty="0"/>
           </a:p>
@@ -4281,7 +4281,7 @@
             <a:fld id="{D57F1E4F-1CFF-5643-939E-217C01CDF565}" type="slidenum">
               <a:rPr lang="en-US" dirty="0"/>
               <a:pPr/>
-              <a:t>‹nº›</a:t>
+              <a:t>‹#›</a:t>
             </a:fld>
             <a:endParaRPr lang="en-US" dirty="0"/>
           </a:p>
@@ -4401,7 +4401,7 @@
             <a:fld id="{D57F1E4F-1CFF-5643-939E-217C01CDF565}" type="slidenum">
               <a:rPr lang="en-US" dirty="0"/>
               <a:pPr/>
-              <a:t>‹nº›</a:t>
+              <a:t>‹#›</a:t>
             </a:fld>
             <a:endParaRPr lang="en-US" dirty="0"/>
           </a:p>
@@ -4493,7 +4493,7 @@
             <a:fld id="{D57F1E4F-1CFF-5643-939E-217C01CDF565}" type="slidenum">
               <a:rPr lang="en-US" dirty="0"/>
               <a:pPr/>
-              <a:t>‹nº›</a:t>
+              <a:t>‹#›</a:t>
             </a:fld>
             <a:endParaRPr lang="en-US" dirty="0"/>
           </a:p>
@@ -4743,7 +4743,7 @@
           <a:p>
             <a:fld id="{519954A3-9DFD-4C44-94BA-B95130A3BA1C}" type="slidenum">
               <a:rPr lang="en-US" dirty="0"/>
-              <a:t>‹nº›</a:t>
+              <a:t>‹#›</a:t>
             </a:fld>
             <a:endParaRPr lang="en-US" dirty="0"/>
           </a:p>
@@ -5003,7 +5003,7 @@
             <a:fld id="{D57F1E4F-1CFF-5643-939E-217C01CDF565}" type="slidenum">
               <a:rPr lang="en-US" dirty="0"/>
               <a:pPr/>
-              <a:t>‹nº›</a:t>
+              <a:t>‹#›</a:t>
             </a:fld>
             <a:endParaRPr lang="en-US" dirty="0"/>
           </a:p>
@@ -5777,7 +5777,7 @@
             <a:fld id="{D57F1E4F-1CFF-5643-939E-217C01CDF565}" type="slidenum">
               <a:rPr lang="en-US" dirty="0"/>
               <a:pPr/>
-              <a:t>‹nº›</a:t>
+              <a:t>‹#›</a:t>
             </a:fld>
             <a:endParaRPr lang="en-US" dirty="0"/>
           </a:p>
@@ -9037,7 +9037,7 @@
         </p:nvGraphicFramePr>
         <p:xfrm>
           <a:off x="1117490" y="1945259"/>
-          <a:ext cx="7130040" cy="3298320"/>
+          <a:ext cx="7130040" cy="3385112"/>
         </p:xfrm>
         <a:graphic>
           <a:graphicData uri="http://schemas.openxmlformats.org/drawingml/2006/table">
@@ -10504,8 +10504,12 @@
               <a:buChar char="•"/>
             </a:pPr>
             <a:r>
+              <a:rPr lang="pt-PT" sz="1600" smtClean="0"/>
+              <a:t>Libertar </a:t>
+            </a:r>
+            <a:r>
               <a:rPr lang="pt-PT" sz="1600" dirty="0"/>
-              <a:t>Liberar os usuários do transtorno da deslocação aos infantários, para trazer os filhos de volta a casa;</a:t>
+              <a:t>os usuários do transtorno da deslocação aos infantários, para trazer os filhos de volta a casa;</a:t>
             </a:r>
           </a:p>
           <a:p>

--- a/relatorio/LI4.pptx
+++ b/relatorio/LI4.pptx
@@ -5,22 +5,24 @@
     <p:sldMasterId id="2147483648" r:id="rId1"/>
   </p:sldMasterIdLst>
   <p:notesMasterIdLst>
-    <p:notesMasterId r:id="rId15"/>
+    <p:notesMasterId r:id="rId17"/>
   </p:notesMasterIdLst>
   <p:sldIdLst>
     <p:sldId id="256" r:id="rId2"/>
-    <p:sldId id="274" r:id="rId3"/>
-    <p:sldId id="297" r:id="rId4"/>
-    <p:sldId id="298" r:id="rId5"/>
-    <p:sldId id="299" r:id="rId6"/>
-    <p:sldId id="264" r:id="rId7"/>
-    <p:sldId id="259" r:id="rId8"/>
-    <p:sldId id="275" r:id="rId9"/>
-    <p:sldId id="260" r:id="rId10"/>
-    <p:sldId id="276" r:id="rId11"/>
-    <p:sldId id="301" r:id="rId12"/>
-    <p:sldId id="302" r:id="rId13"/>
-    <p:sldId id="303" r:id="rId14"/>
+    <p:sldId id="304" r:id="rId3"/>
+    <p:sldId id="274" r:id="rId4"/>
+    <p:sldId id="297" r:id="rId5"/>
+    <p:sldId id="298" r:id="rId6"/>
+    <p:sldId id="299" r:id="rId7"/>
+    <p:sldId id="264" r:id="rId8"/>
+    <p:sldId id="259" r:id="rId9"/>
+    <p:sldId id="275" r:id="rId10"/>
+    <p:sldId id="260" r:id="rId11"/>
+    <p:sldId id="276" r:id="rId12"/>
+    <p:sldId id="301" r:id="rId13"/>
+    <p:sldId id="302" r:id="rId14"/>
+    <p:sldId id="305" r:id="rId15"/>
+    <p:sldId id="303" r:id="rId16"/>
   </p:sldIdLst>
   <p:sldSz cx="12192000" cy="6858000"/>
   <p:notesSz cx="6858000" cy="9144000"/>
@@ -209,7 +211,7 @@
           <a:p>
             <a:fld id="{FC77EE40-E473-4F3B-ABB7-4026700F0D66}" type="datetimeFigureOut">
               <a:rPr lang="pt-PT" smtClean="0"/>
-              <a:t>12/03/2018</a:t>
+              <a:t>13/03/2018</a:t>
             </a:fld>
             <a:endParaRPr lang="pt-PT"/>
           </a:p>
@@ -541,7 +543,7 @@
           <a:p>
             <a:fld id="{F2D13AFA-C489-4F08-BBC3-E69A09335FB4}" type="slidenum">
               <a:rPr lang="pt-PT" smtClean="0"/>
-              <a:t>4</a:t>
+              <a:t>5</a:t>
             </a:fld>
             <a:endParaRPr lang="pt-PT"/>
           </a:p>
@@ -1283,7 +1285,7 @@
             <a:fld id="{B61BEF0D-F0BB-DE4B-95CE-6DB70DBA9567}" type="datetimeFigureOut">
               <a:rPr lang="en-US" dirty="0"/>
               <a:pPr/>
-              <a:t>3/12/2018</a:t>
+              <a:t>3/13/2018</a:t>
             </a:fld>
             <a:endParaRPr lang="en-US" dirty="0"/>
           </a:p>
@@ -1531,7 +1533,7 @@
             <a:fld id="{B61BEF0D-F0BB-DE4B-95CE-6DB70DBA9567}" type="datetimeFigureOut">
               <a:rPr lang="en-US" dirty="0"/>
               <a:pPr/>
-              <a:t>3/12/2018</a:t>
+              <a:t>3/13/2018</a:t>
             </a:fld>
             <a:endParaRPr lang="en-US" dirty="0"/>
           </a:p>
@@ -1842,7 +1844,7 @@
             <a:fld id="{B61BEF0D-F0BB-DE4B-95CE-6DB70DBA9567}" type="datetimeFigureOut">
               <a:rPr lang="en-US" dirty="0"/>
               <a:pPr/>
-              <a:t>3/12/2018</a:t>
+              <a:t>3/13/2018</a:t>
             </a:fld>
             <a:endParaRPr lang="en-US" dirty="0"/>
           </a:p>
@@ -2180,7 +2182,7 @@
             <a:fld id="{B61BEF0D-F0BB-DE4B-95CE-6DB70DBA9567}" type="datetimeFigureOut">
               <a:rPr lang="en-US" dirty="0"/>
               <a:pPr/>
-              <a:t>3/12/2018</a:t>
+              <a:t>3/13/2018</a:t>
             </a:fld>
             <a:endParaRPr lang="en-US" dirty="0"/>
           </a:p>
@@ -2491,7 +2493,7 @@
             <a:fld id="{B61BEF0D-F0BB-DE4B-95CE-6DB70DBA9567}" type="datetimeFigureOut">
               <a:rPr lang="en-US" dirty="0"/>
               <a:pPr/>
-              <a:t>3/12/2018</a:t>
+              <a:t>3/13/2018</a:t>
             </a:fld>
             <a:endParaRPr lang="en-US" dirty="0"/>
           </a:p>
@@ -2881,7 +2883,7 @@
             <a:fld id="{B61BEF0D-F0BB-DE4B-95CE-6DB70DBA9567}" type="datetimeFigureOut">
               <a:rPr lang="en-US" dirty="0"/>
               <a:pPr/>
-              <a:t>3/12/2018</a:t>
+              <a:t>3/13/2018</a:t>
             </a:fld>
             <a:endParaRPr lang="en-US" dirty="0"/>
           </a:p>
@@ -3047,7 +3049,7 @@
           <a:p>
             <a:fld id="{55C6B4A9-1611-4792-9094-5F34BCA07E0B}" type="datetimeFigureOut">
               <a:rPr lang="en-US" dirty="0"/>
-              <a:t>3/12/2018</a:t>
+              <a:t>3/13/2018</a:t>
             </a:fld>
             <a:endParaRPr lang="en-US" dirty="0"/>
           </a:p>
@@ -3223,7 +3225,7 @@
             <a:fld id="{B61BEF0D-F0BB-DE4B-95CE-6DB70DBA9567}" type="datetimeFigureOut">
               <a:rPr lang="en-US" dirty="0"/>
               <a:pPr/>
-              <a:t>3/12/2018</a:t>
+              <a:t>3/13/2018</a:t>
             </a:fld>
             <a:endParaRPr lang="en-US" dirty="0"/>
           </a:p>
@@ -3396,7 +3398,7 @@
             <a:fld id="{B61BEF0D-F0BB-DE4B-95CE-6DB70DBA9567}" type="datetimeFigureOut">
               <a:rPr lang="en-US" dirty="0"/>
               <a:pPr/>
-              <a:t>3/12/2018</a:t>
+              <a:t>3/13/2018</a:t>
             </a:fld>
             <a:endParaRPr lang="en-US" dirty="0"/>
           </a:p>
@@ -3640,7 +3642,7 @@
             <a:fld id="{B61BEF0D-F0BB-DE4B-95CE-6DB70DBA9567}" type="datetimeFigureOut">
               <a:rPr lang="en-US" dirty="0"/>
               <a:pPr/>
-              <a:t>3/12/2018</a:t>
+              <a:t>3/13/2018</a:t>
             </a:fld>
             <a:endParaRPr lang="en-US" dirty="0"/>
           </a:p>
@@ -3868,7 +3870,7 @@
           <a:p>
             <a:fld id="{EB712588-04B1-427B-82EE-E8DB90309F08}" type="datetimeFigureOut">
               <a:rPr lang="en-US" dirty="0"/>
-              <a:t>3/12/2018</a:t>
+              <a:t>3/13/2018</a:t>
             </a:fld>
             <a:endParaRPr lang="en-US" dirty="0"/>
           </a:p>
@@ -4238,7 +4240,7 @@
             <a:fld id="{B61BEF0D-F0BB-DE4B-95CE-6DB70DBA9567}" type="datetimeFigureOut">
               <a:rPr lang="en-US" dirty="0"/>
               <a:pPr/>
-              <a:t>3/12/2018</a:t>
+              <a:t>3/13/2018</a:t>
             </a:fld>
             <a:endParaRPr lang="en-US" dirty="0"/>
           </a:p>
@@ -4358,7 +4360,7 @@
             <a:fld id="{B61BEF0D-F0BB-DE4B-95CE-6DB70DBA9567}" type="datetimeFigureOut">
               <a:rPr lang="en-US" dirty="0"/>
               <a:pPr/>
-              <a:t>3/12/2018</a:t>
+              <a:t>3/13/2018</a:t>
             </a:fld>
             <a:endParaRPr lang="en-US" dirty="0"/>
           </a:p>
@@ -4450,7 +4452,7 @@
             <a:fld id="{B61BEF0D-F0BB-DE4B-95CE-6DB70DBA9567}" type="datetimeFigureOut">
               <a:rPr lang="en-US" dirty="0"/>
               <a:pPr/>
-              <a:t>3/12/2018</a:t>
+              <a:t>3/13/2018</a:t>
             </a:fld>
             <a:endParaRPr lang="en-US" dirty="0"/>
           </a:p>
@@ -4701,7 +4703,7 @@
           <a:p>
             <a:fld id="{42A54C80-263E-416B-A8E0-580EDEADCBDC}" type="datetimeFigureOut">
               <a:rPr lang="en-US" dirty="0"/>
-              <a:t>3/12/2018</a:t>
+              <a:t>3/13/2018</a:t>
             </a:fld>
             <a:endParaRPr lang="en-US" dirty="0"/>
           </a:p>
@@ -4960,7 +4962,7 @@
             <a:fld id="{B61BEF0D-F0BB-DE4B-95CE-6DB70DBA9567}" type="datetimeFigureOut">
               <a:rPr lang="en-US" dirty="0"/>
               <a:pPr/>
-              <a:t>3/12/2018</a:t>
+              <a:t>3/13/2018</a:t>
             </a:fld>
             <a:endParaRPr lang="en-US" dirty="0"/>
           </a:p>
@@ -5700,7 +5702,7 @@
             <a:fld id="{B61BEF0D-F0BB-DE4B-95CE-6DB70DBA9567}" type="datetimeFigureOut">
               <a:rPr lang="en-US" dirty="0"/>
               <a:pPr/>
-              <a:t>3/12/2018</a:t>
+              <a:t>3/13/2018</a:t>
             </a:fld>
             <a:endParaRPr lang="en-US" dirty="0"/>
           </a:p>
@@ -6581,7 +6583,7 @@
                   </a:schemeClr>
                 </a:solidFill>
               </a:rPr>
-              <a:t>Carlos Campos A74745</a:t>
+              <a:t>Carlos Campos</a:t>
             </a:r>
           </a:p>
           <a:p>
@@ -6594,7 +6596,7 @@
                   </a:schemeClr>
                 </a:solidFill>
               </a:rPr>
-              <a:t>Diana Costa A78985</a:t>
+              <a:t>Diana Costa</a:t>
             </a:r>
           </a:p>
           <a:p>
@@ -6607,7 +6609,7 @@
                   </a:schemeClr>
                 </a:solidFill>
               </a:rPr>
-              <a:t>Marcos Pereira A79116</a:t>
+              <a:t>Marcos Pereira</a:t>
             </a:r>
           </a:p>
           <a:p>
@@ -6620,7 +6622,7 @@
                   </a:schemeClr>
                 </a:solidFill>
               </a:rPr>
-              <a:t>Sérgio Oliveira A77730</a:t>
+              <a:t>Sérgio Oliveira</a:t>
             </a:r>
           </a:p>
           <a:p>
@@ -6633,7 +6635,7 @@
                   </a:schemeClr>
                 </a:solidFill>
               </a:rPr>
-              <a:t>Vítor Castro A77870</a:t>
+              <a:t>Vítor Castro</a:t>
             </a:r>
           </a:p>
         </p:txBody>
@@ -6837,6 +6839,345 @@
           <a:p>
             <a:r>
               <a:rPr lang="pt-PT" dirty="0"/>
+              <a:t>Medidas de Sucesso</a:t>
+            </a:r>
+          </a:p>
+        </p:txBody>
+      </p:sp>
+      <p:sp>
+        <p:nvSpPr>
+          <p:cNvPr id="3" name="CaixaDeTexto 2">
+            <a:extLst>
+              <a:ext uri="{FF2B5EF4-FFF2-40B4-BE49-F238E27FC236}">
+                <a16:creationId xmlns:a16="http://schemas.microsoft.com/office/drawing/2014/main" id="{5CEAC276-E573-427B-ADBC-CD1A66F0D157}"/>
+              </a:ext>
+            </a:extLst>
+          </p:cNvPr>
+          <p:cNvSpPr txBox="1"/>
+          <p:nvPr/>
+        </p:nvSpPr>
+        <p:spPr>
+          <a:xfrm>
+            <a:off x="444137" y="1348800"/>
+            <a:ext cx="8987246" cy="5509200"/>
+          </a:xfrm>
+          <a:prstGeom prst="rect">
+            <a:avLst/>
+          </a:prstGeom>
+          <a:noFill/>
+        </p:spPr>
+        <p:txBody>
+          <a:bodyPr wrap="square" rtlCol="0">
+            <a:spAutoFit/>
+          </a:bodyPr>
+          <a:lstStyle/>
+          <a:p>
+            <a:pPr marL="285750" lvl="0" indent="-285750" algn="just">
+              <a:buFont typeface="Arial" panose="020B0604020202020204" pitchFamily="34" charset="0"/>
+              <a:buChar char="•"/>
+            </a:pPr>
+            <a:r>
+              <a:rPr lang="pt-PT" sz="1600" dirty="0"/>
+              <a:t>Todas as etapas do processo de desenvolvimento devem cumprir os prazos estabelecidos;</a:t>
+            </a:r>
+          </a:p>
+          <a:p>
+            <a:pPr marL="285750" lvl="0" indent="-285750" algn="just">
+              <a:buFont typeface="Arial" panose="020B0604020202020204" pitchFamily="34" charset="0"/>
+              <a:buChar char="•"/>
+            </a:pPr>
+            <a:endParaRPr lang="pt-PT" sz="1600" dirty="0"/>
+          </a:p>
+          <a:p>
+            <a:pPr marL="285750" lvl="0" indent="-285750" algn="just">
+              <a:buFont typeface="Arial" panose="020B0604020202020204" pitchFamily="34" charset="0"/>
+              <a:buChar char="•"/>
+            </a:pPr>
+            <a:r>
+              <a:rPr lang="pt-PT" sz="1600" dirty="0"/>
+              <a:t>Todos os requisitos identificados devem estar presentes na aplicação final;</a:t>
+            </a:r>
+          </a:p>
+          <a:p>
+            <a:pPr marL="285750" lvl="0" indent="-285750" algn="just">
+              <a:buFont typeface="Arial" panose="020B0604020202020204" pitchFamily="34" charset="0"/>
+              <a:buChar char="•"/>
+            </a:pPr>
+            <a:endParaRPr lang="pt-PT" sz="1600" dirty="0"/>
+          </a:p>
+          <a:p>
+            <a:pPr marL="285750" lvl="0" indent="-285750" algn="just">
+              <a:buFont typeface="Arial" panose="020B0604020202020204" pitchFamily="34" charset="0"/>
+              <a:buChar char="•"/>
+            </a:pPr>
+            <a:r>
+              <a:rPr lang="pt-PT" sz="1600" dirty="0"/>
+              <a:t>Verificar escalabilidade do sistema para outros infantários;</a:t>
+            </a:r>
+          </a:p>
+          <a:p>
+            <a:pPr marL="285750" lvl="0" indent="-285750" algn="just">
+              <a:buFont typeface="Arial" panose="020B0604020202020204" pitchFamily="34" charset="0"/>
+              <a:buChar char="•"/>
+            </a:pPr>
+            <a:endParaRPr lang="pt-PT" sz="1600" dirty="0"/>
+          </a:p>
+          <a:p>
+            <a:pPr marL="285750" lvl="0" indent="-285750" algn="just">
+              <a:buFont typeface="Arial" panose="020B0604020202020204" pitchFamily="34" charset="0"/>
+              <a:buChar char="•"/>
+            </a:pPr>
+            <a:r>
+              <a:rPr lang="pt-PT" sz="1600" dirty="0"/>
+              <a:t>Utilização fácil e frequente da aplicação pelos utilizadores alvo, com um crescimento consecutivo no número de usos da plataforma durante o primeiro ano;</a:t>
+            </a:r>
+          </a:p>
+          <a:p>
+            <a:pPr marL="285750" lvl="0" indent="-285750" algn="just">
+              <a:buFont typeface="Arial" panose="020B0604020202020204" pitchFamily="34" charset="0"/>
+              <a:buChar char="•"/>
+            </a:pPr>
+            <a:endParaRPr lang="pt-PT" sz="1600" dirty="0"/>
+          </a:p>
+          <a:p>
+            <a:pPr marL="285750" lvl="0" indent="-285750" algn="just">
+              <a:buFont typeface="Arial" panose="020B0604020202020204" pitchFamily="34" charset="0"/>
+              <a:buChar char="•"/>
+            </a:pPr>
+            <a:r>
+              <a:rPr lang="pt-PT" sz="1600" dirty="0"/>
+              <a:t>Permitir aos utilizadores o agendamento do serviço por um intervalo de tempo variável;</a:t>
+            </a:r>
+          </a:p>
+          <a:p>
+            <a:pPr marL="285750" lvl="0" indent="-285750" algn="just">
+              <a:buFont typeface="Arial" panose="020B0604020202020204" pitchFamily="34" charset="0"/>
+              <a:buChar char="•"/>
+            </a:pPr>
+            <a:endParaRPr lang="pt-PT" sz="1600" dirty="0"/>
+          </a:p>
+          <a:p>
+            <a:pPr marL="285750" lvl="0" indent="-285750" algn="just">
+              <a:buFont typeface="Arial" panose="020B0604020202020204" pitchFamily="34" charset="0"/>
+              <a:buChar char="•"/>
+            </a:pPr>
+            <a:r>
+              <a:rPr lang="pt-PT" sz="1600" dirty="0"/>
+              <a:t>Este agendamento também é extensível, oferecendo a possibilidade da prestação da atividade em horários em que os serviços convencionais não estão ativos;</a:t>
+            </a:r>
+          </a:p>
+          <a:p>
+            <a:pPr marL="285750" lvl="0" indent="-285750" algn="just">
+              <a:buFont typeface="Arial" panose="020B0604020202020204" pitchFamily="34" charset="0"/>
+              <a:buChar char="•"/>
+            </a:pPr>
+            <a:endParaRPr lang="pt-PT" sz="1600" dirty="0"/>
+          </a:p>
+          <a:p>
+            <a:pPr marL="285750" lvl="0" indent="-285750" algn="just">
+              <a:buFont typeface="Arial" panose="020B0604020202020204" pitchFamily="34" charset="0"/>
+              <a:buChar char="•"/>
+            </a:pPr>
+            <a:r>
+              <a:rPr lang="pt-PT" sz="1600" dirty="0"/>
+              <a:t>Liberar os usuários do transtorno da deslocação aos infantários, para trazer os filhos de volta a casa;</a:t>
+            </a:r>
+          </a:p>
+          <a:p>
+            <a:pPr marL="285750" lvl="0" indent="-285750" algn="just">
+              <a:buFont typeface="Arial" panose="020B0604020202020204" pitchFamily="34" charset="0"/>
+              <a:buChar char="•"/>
+            </a:pPr>
+            <a:endParaRPr lang="pt-PT" sz="1600" dirty="0"/>
+          </a:p>
+          <a:p>
+            <a:pPr marL="285750" lvl="0" indent="-285750" algn="just">
+              <a:buFont typeface="Arial" panose="020B0604020202020204" pitchFamily="34" charset="0"/>
+              <a:buChar char="•"/>
+            </a:pPr>
+            <a:r>
+              <a:rPr lang="pt-PT" sz="1600" dirty="0"/>
+              <a:t>Oferecer um método de pagamento homogéneo;</a:t>
+            </a:r>
+          </a:p>
+          <a:p>
+            <a:pPr marL="285750" lvl="0" indent="-285750" algn="just">
+              <a:buFont typeface="Arial" panose="020B0604020202020204" pitchFamily="34" charset="0"/>
+              <a:buChar char="•"/>
+            </a:pPr>
+            <a:endParaRPr lang="pt-PT" sz="1600" dirty="0"/>
+          </a:p>
+          <a:p>
+            <a:pPr marL="285750" lvl="0" indent="-285750" algn="just">
+              <a:buFont typeface="Arial" panose="020B0604020202020204" pitchFamily="34" charset="0"/>
+              <a:buChar char="•"/>
+            </a:pPr>
+            <a:r>
+              <a:rPr lang="pt-PT" sz="1600" dirty="0"/>
+              <a:t>Garantir uma maior viabilidade do projeto através de um sistema de avaliação.</a:t>
+            </a:r>
+          </a:p>
+          <a:p>
+            <a:pPr marL="285750" lvl="0" indent="-285750" algn="just">
+              <a:buFont typeface="Arial" panose="020B0604020202020204" pitchFamily="34" charset="0"/>
+              <a:buChar char="•"/>
+            </a:pPr>
+            <a:endParaRPr lang="pt-PT" sz="1600" dirty="0"/>
+          </a:p>
+          <a:p>
+            <a:pPr marL="285750" lvl="0" indent="-285750" algn="just">
+              <a:buFont typeface="Arial" panose="020B0604020202020204" pitchFamily="34" charset="0"/>
+              <a:buChar char="•"/>
+            </a:pPr>
+            <a:r>
+              <a:rPr lang="pt-PT" sz="1600" dirty="0"/>
+              <a:t>Funcionar 24h, 365 dias por ano!</a:t>
+            </a:r>
+          </a:p>
+        </p:txBody>
+      </p:sp>
+    </p:spTree>
+    <p:extLst>
+      <p:ext uri="{BB962C8B-B14F-4D97-AF65-F5344CB8AC3E}">
+        <p14:creationId xmlns:p14="http://schemas.microsoft.com/office/powerpoint/2010/main" val="2693624878"/>
+      </p:ext>
+    </p:extLst>
+  </p:cSld>
+  <p:clrMapOvr>
+    <a:masterClrMapping/>
+  </p:clrMapOvr>
+  <mc:AlternateContent xmlns:mc="http://schemas.openxmlformats.org/markup-compatibility/2006" xmlns:p14="http://schemas.microsoft.com/office/powerpoint/2010/main">
+    <mc:Choice Requires="p14">
+      <p:transition spd="med" p14:dur="700">
+        <p:fade/>
+      </p:transition>
+    </mc:Choice>
+    <mc:Fallback xmlns="">
+      <p:transition spd="med">
+        <p:fade/>
+      </p:transition>
+    </mc:Fallback>
+  </mc:AlternateContent>
+</p:sld>
+</file>
+
+<file path=ppt/slides/slide11.xml><?xml version="1.0" encoding="utf-8"?>
+<p:sld xmlns:a="http://schemas.openxmlformats.org/drawingml/2006/main" xmlns:r="http://schemas.openxmlformats.org/officeDocument/2006/relationships" xmlns:p="http://schemas.openxmlformats.org/presentationml/2006/main">
+  <p:cSld>
+    <p:spTree>
+      <p:nvGrpSpPr>
+        <p:cNvPr id="1" name=""/>
+        <p:cNvGrpSpPr/>
+        <p:nvPr/>
+      </p:nvGrpSpPr>
+      <p:grpSpPr>
+        <a:xfrm>
+          <a:off x="0" y="0"/>
+          <a:ext cx="0" cy="0"/>
+          <a:chOff x="0" y="0"/>
+          <a:chExt cx="0" cy="0"/>
+        </a:xfrm>
+      </p:grpSpPr>
+      <p:sp>
+        <p:nvSpPr>
+          <p:cNvPr id="6" name="Título 1">
+            <a:extLst>
+              <a:ext uri="{FF2B5EF4-FFF2-40B4-BE49-F238E27FC236}">
+                <a16:creationId xmlns:a16="http://schemas.microsoft.com/office/drawing/2014/main" id="{6312B0E3-8AB8-4FDB-ABB6-4C51F617C274}"/>
+              </a:ext>
+            </a:extLst>
+          </p:cNvPr>
+          <p:cNvSpPr txBox="1">
+            <a:spLocks/>
+          </p:cNvSpPr>
+          <p:nvPr/>
+        </p:nvSpPr>
+        <p:spPr>
+          <a:xfrm>
+            <a:off x="283967" y="234908"/>
+            <a:ext cx="9147416" cy="1320800"/>
+          </a:xfrm>
+          <a:prstGeom prst="rect">
+            <a:avLst/>
+          </a:prstGeom>
+        </p:spPr>
+        <p:txBody>
+          <a:bodyPr/>
+          <a:lstStyle>
+            <a:lvl1pPr algn="l" defTabSz="457200" rtl="0" eaLnBrk="1" latinLnBrk="0" hangingPunct="1">
+              <a:spcBef>
+                <a:spcPct val="0"/>
+              </a:spcBef>
+              <a:buNone/>
+              <a:defRPr sz="3600" kern="1200">
+                <a:solidFill>
+                  <a:schemeClr val="accent1"/>
+                </a:solidFill>
+                <a:latin typeface="+mj-lt"/>
+                <a:ea typeface="+mj-ea"/>
+                <a:cs typeface="+mj-cs"/>
+              </a:defRPr>
+            </a:lvl1pPr>
+            <a:lvl2pPr eaLnBrk="1" hangingPunct="1">
+              <a:defRPr>
+                <a:solidFill>
+                  <a:schemeClr val="tx2"/>
+                </a:solidFill>
+              </a:defRPr>
+            </a:lvl2pPr>
+            <a:lvl3pPr eaLnBrk="1" hangingPunct="1">
+              <a:defRPr>
+                <a:solidFill>
+                  <a:schemeClr val="tx2"/>
+                </a:solidFill>
+              </a:defRPr>
+            </a:lvl3pPr>
+            <a:lvl4pPr eaLnBrk="1" hangingPunct="1">
+              <a:defRPr>
+                <a:solidFill>
+                  <a:schemeClr val="tx2"/>
+                </a:solidFill>
+              </a:defRPr>
+            </a:lvl4pPr>
+            <a:lvl5pPr eaLnBrk="1" hangingPunct="1">
+              <a:defRPr>
+                <a:solidFill>
+                  <a:schemeClr val="tx2"/>
+                </a:solidFill>
+              </a:defRPr>
+            </a:lvl5pPr>
+            <a:lvl6pPr eaLnBrk="1" hangingPunct="1">
+              <a:defRPr>
+                <a:solidFill>
+                  <a:schemeClr val="tx2"/>
+                </a:solidFill>
+              </a:defRPr>
+            </a:lvl6pPr>
+            <a:lvl7pPr eaLnBrk="1" hangingPunct="1">
+              <a:defRPr>
+                <a:solidFill>
+                  <a:schemeClr val="tx2"/>
+                </a:solidFill>
+              </a:defRPr>
+            </a:lvl7pPr>
+            <a:lvl8pPr eaLnBrk="1" hangingPunct="1">
+              <a:defRPr>
+                <a:solidFill>
+                  <a:schemeClr val="tx2"/>
+                </a:solidFill>
+              </a:defRPr>
+            </a:lvl8pPr>
+            <a:lvl9pPr eaLnBrk="1" hangingPunct="1">
+              <a:defRPr>
+                <a:solidFill>
+                  <a:schemeClr val="tx2"/>
+                </a:solidFill>
+              </a:defRPr>
+            </a:lvl9pPr>
+          </a:lstStyle>
+          <a:p>
+            <a:r>
+              <a:rPr lang="pt-PT" dirty="0"/>
               <a:t>Plano de Desenvolvimento</a:t>
             </a:r>
           </a:p>
@@ -6938,7 +7279,7 @@
 </p:sld>
 </file>
 
-<file path=ppt/slides/slide11.xml><?xml version="1.0" encoding="utf-8"?>
+<file path=ppt/slides/slide12.xml><?xml version="1.0" encoding="utf-8"?>
 <p:sld xmlns:a="http://schemas.openxmlformats.org/drawingml/2006/main" xmlns:r="http://schemas.openxmlformats.org/officeDocument/2006/relationships" xmlns:p="http://schemas.openxmlformats.org/presentationml/2006/main">
   <p:cSld>
     <p:spTree>
@@ -7144,7 +7485,7 @@
 </p:sld>
 </file>
 
-<file path=ppt/slides/slide12.xml><?xml version="1.0" encoding="utf-8"?>
+<file path=ppt/slides/slide13.xml><?xml version="1.0" encoding="utf-8"?>
 <p:sld xmlns:a="http://schemas.openxmlformats.org/drawingml/2006/main" xmlns:r="http://schemas.openxmlformats.org/officeDocument/2006/relationships" xmlns:p="http://schemas.openxmlformats.org/presentationml/2006/main">
   <p:cSld>
     <p:spTree>
@@ -7350,7 +7691,362 @@
 </p:sld>
 </file>
 
-<file path=ppt/slides/slide13.xml><?xml version="1.0" encoding="utf-8"?>
+<file path=ppt/slides/slide14.xml><?xml version="1.0" encoding="utf-8"?>
+<p:sld xmlns:a="http://schemas.openxmlformats.org/drawingml/2006/main" xmlns:r="http://schemas.openxmlformats.org/officeDocument/2006/relationships" xmlns:p="http://schemas.openxmlformats.org/presentationml/2006/main">
+  <p:cSld>
+    <p:spTree>
+      <p:nvGrpSpPr>
+        <p:cNvPr id="1" name=""/>
+        <p:cNvGrpSpPr/>
+        <p:nvPr/>
+      </p:nvGrpSpPr>
+      <p:grpSpPr>
+        <a:xfrm>
+          <a:off x="0" y="0"/>
+          <a:ext cx="0" cy="0"/>
+          <a:chOff x="0" y="0"/>
+          <a:chExt cx="0" cy="0"/>
+        </a:xfrm>
+      </p:grpSpPr>
+      <p:sp>
+        <p:nvSpPr>
+          <p:cNvPr id="6" name="Título 1">
+            <a:extLst>
+              <a:ext uri="{FF2B5EF4-FFF2-40B4-BE49-F238E27FC236}">
+                <a16:creationId xmlns:a16="http://schemas.microsoft.com/office/drawing/2014/main" id="{6312B0E3-8AB8-4FDB-ABB6-4C51F617C274}"/>
+              </a:ext>
+            </a:extLst>
+          </p:cNvPr>
+          <p:cNvSpPr txBox="1">
+            <a:spLocks/>
+          </p:cNvSpPr>
+          <p:nvPr/>
+        </p:nvSpPr>
+        <p:spPr>
+          <a:xfrm>
+            <a:off x="283967" y="234908"/>
+            <a:ext cx="9147416" cy="1320800"/>
+          </a:xfrm>
+          <a:prstGeom prst="rect">
+            <a:avLst/>
+          </a:prstGeom>
+        </p:spPr>
+        <p:txBody>
+          <a:bodyPr/>
+          <a:lstStyle>
+            <a:lvl1pPr algn="l" defTabSz="457200" rtl="0" eaLnBrk="1" latinLnBrk="0" hangingPunct="1">
+              <a:spcBef>
+                <a:spcPct val="0"/>
+              </a:spcBef>
+              <a:buNone/>
+              <a:defRPr sz="3600" kern="1200">
+                <a:solidFill>
+                  <a:schemeClr val="accent1"/>
+                </a:solidFill>
+                <a:latin typeface="+mj-lt"/>
+                <a:ea typeface="+mj-ea"/>
+                <a:cs typeface="+mj-cs"/>
+              </a:defRPr>
+            </a:lvl1pPr>
+            <a:lvl2pPr eaLnBrk="1" hangingPunct="1">
+              <a:defRPr>
+                <a:solidFill>
+                  <a:schemeClr val="tx2"/>
+                </a:solidFill>
+              </a:defRPr>
+            </a:lvl2pPr>
+            <a:lvl3pPr eaLnBrk="1" hangingPunct="1">
+              <a:defRPr>
+                <a:solidFill>
+                  <a:schemeClr val="tx2"/>
+                </a:solidFill>
+              </a:defRPr>
+            </a:lvl3pPr>
+            <a:lvl4pPr eaLnBrk="1" hangingPunct="1">
+              <a:defRPr>
+                <a:solidFill>
+                  <a:schemeClr val="tx2"/>
+                </a:solidFill>
+              </a:defRPr>
+            </a:lvl4pPr>
+            <a:lvl5pPr eaLnBrk="1" hangingPunct="1">
+              <a:defRPr>
+                <a:solidFill>
+                  <a:schemeClr val="tx2"/>
+                </a:solidFill>
+              </a:defRPr>
+            </a:lvl5pPr>
+            <a:lvl6pPr eaLnBrk="1" hangingPunct="1">
+              <a:defRPr>
+                <a:solidFill>
+                  <a:schemeClr val="tx2"/>
+                </a:solidFill>
+              </a:defRPr>
+            </a:lvl6pPr>
+            <a:lvl7pPr eaLnBrk="1" hangingPunct="1">
+              <a:defRPr>
+                <a:solidFill>
+                  <a:schemeClr val="tx2"/>
+                </a:solidFill>
+              </a:defRPr>
+            </a:lvl7pPr>
+            <a:lvl8pPr eaLnBrk="1" hangingPunct="1">
+              <a:defRPr>
+                <a:solidFill>
+                  <a:schemeClr val="tx2"/>
+                </a:solidFill>
+              </a:defRPr>
+            </a:lvl8pPr>
+            <a:lvl9pPr eaLnBrk="1" hangingPunct="1">
+              <a:defRPr>
+                <a:solidFill>
+                  <a:schemeClr val="tx2"/>
+                </a:solidFill>
+              </a:defRPr>
+            </a:lvl9pPr>
+          </a:lstStyle>
+          <a:p>
+            <a:r>
+              <a:rPr lang="pt-PT" dirty="0"/>
+              <a:t>Conclusão, análise crítica e trabalho futuro</a:t>
+            </a:r>
+          </a:p>
+        </p:txBody>
+      </p:sp>
+      <p:sp>
+        <p:nvSpPr>
+          <p:cNvPr id="3" name="CaixaDeTexto 2">
+            <a:extLst>
+              <a:ext uri="{FF2B5EF4-FFF2-40B4-BE49-F238E27FC236}">
+                <a16:creationId xmlns:a16="http://schemas.microsoft.com/office/drawing/2014/main" id="{5CEAC276-E573-427B-ADBC-CD1A66F0D157}"/>
+              </a:ext>
+            </a:extLst>
+          </p:cNvPr>
+          <p:cNvSpPr txBox="1"/>
+          <p:nvPr/>
+        </p:nvSpPr>
+        <p:spPr>
+          <a:xfrm>
+            <a:off x="444137" y="1085564"/>
+            <a:ext cx="8987246" cy="5509200"/>
+          </a:xfrm>
+          <a:prstGeom prst="rect">
+            <a:avLst/>
+          </a:prstGeom>
+          <a:noFill/>
+        </p:spPr>
+        <p:txBody>
+          <a:bodyPr wrap="square" rtlCol="0">
+            <a:spAutoFit/>
+          </a:bodyPr>
+          <a:lstStyle/>
+          <a:p>
+            <a:pPr marL="285750" lvl="0" indent="-285750" algn="just">
+              <a:buFont typeface="Arial" panose="020B0604020202020204" pitchFamily="34" charset="0"/>
+              <a:buChar char="•"/>
+            </a:pPr>
+            <a:r>
+              <a:rPr lang="pt-PT" sz="1600" dirty="0"/>
+              <a:t>Grande desafio – deixar ao critério do grupo a </a:t>
+            </a:r>
+            <a:r>
+              <a:rPr lang="pt-PT" sz="1600" b="1" dirty="0">
+                <a:solidFill>
+                  <a:schemeClr val="accent1"/>
+                </a:solidFill>
+              </a:rPr>
+              <a:t>escolha do tema </a:t>
+            </a:r>
+            <a:r>
+              <a:rPr lang="pt-PT" sz="1600" dirty="0"/>
+              <a:t>e todo o trabalho envolvido na criação e fundamentação do projeto (liberdade/criatividade);</a:t>
+            </a:r>
+          </a:p>
+          <a:p>
+            <a:pPr lvl="0" algn="just"/>
+            <a:endParaRPr lang="pt-PT" sz="1600" dirty="0"/>
+          </a:p>
+          <a:p>
+            <a:pPr marL="285750" lvl="0" indent="-285750" algn="just">
+              <a:buFont typeface="Arial" panose="020B0604020202020204" pitchFamily="34" charset="0"/>
+              <a:buChar char="•"/>
+            </a:pPr>
+            <a:r>
+              <a:rPr lang="pt-PT" sz="1600" dirty="0"/>
+              <a:t>Nesta fase: -elaborar um modelo geral da ideia a desenvolver </a:t>
+            </a:r>
+          </a:p>
+          <a:p>
+            <a:pPr lvl="0" algn="just"/>
+            <a:r>
+              <a:rPr lang="pt-PT" sz="1600" dirty="0"/>
+              <a:t>			  -esclarecer alguns pontos</a:t>
+            </a:r>
+          </a:p>
+          <a:p>
+            <a:pPr lvl="0" algn="just"/>
+            <a:r>
+              <a:rPr lang="pt-PT" sz="1600" dirty="0"/>
+              <a:t>			  -medidas de sucesso e viabilidade</a:t>
+            </a:r>
+          </a:p>
+          <a:p>
+            <a:pPr lvl="0" algn="just"/>
+            <a:r>
+              <a:rPr lang="pt-PT" sz="1600" dirty="0"/>
+              <a:t>			  -analisar os recursos necessários associados ao serviço. </a:t>
+            </a:r>
+          </a:p>
+          <a:p>
+            <a:pPr marL="285750" lvl="0" indent="-285750" algn="just">
+              <a:buFont typeface="Arial" panose="020B0604020202020204" pitchFamily="34" charset="0"/>
+              <a:buChar char="•"/>
+            </a:pPr>
+            <a:endParaRPr lang="pt-PT" sz="1600" dirty="0"/>
+          </a:p>
+          <a:p>
+            <a:pPr marL="285750" lvl="0" indent="-285750" algn="just">
+              <a:buFont typeface="Arial" panose="020B0604020202020204" pitchFamily="34" charset="0"/>
+              <a:buChar char="•"/>
+            </a:pPr>
+            <a:r>
+              <a:rPr lang="pt-PT" sz="1600" dirty="0"/>
+              <a:t>Ainda assim, sem uma boa fundamentação e sem o estabelecimento de metas, todos os passos futuros acabariam por</a:t>
+            </a:r>
+            <a:r>
+              <a:rPr lang="pt-PT" sz="1600" dirty="0">
+                <a:solidFill>
+                  <a:schemeClr val="accent1"/>
+                </a:solidFill>
+              </a:rPr>
+              <a:t> </a:t>
+            </a:r>
+            <a:r>
+              <a:rPr lang="pt-PT" sz="1600" b="1" dirty="0">
+                <a:solidFill>
+                  <a:schemeClr val="accent1"/>
+                </a:solidFill>
+              </a:rPr>
+              <a:t>levantar demasiadas dúvidas </a:t>
+            </a:r>
+            <a:r>
+              <a:rPr lang="pt-PT" sz="1600" dirty="0"/>
+              <a:t>e poderiam </a:t>
+            </a:r>
+            <a:r>
+              <a:rPr lang="pt-PT" sz="1600" b="1" dirty="0">
+                <a:solidFill>
+                  <a:schemeClr val="accent1"/>
+                </a:solidFill>
+              </a:rPr>
+              <a:t>acabar por divergir</a:t>
+            </a:r>
+            <a:r>
+              <a:rPr lang="pt-PT" sz="1600" dirty="0"/>
+              <a:t>, tanto da ideia inicial, como entre os elementos do grupo. </a:t>
+            </a:r>
+          </a:p>
+          <a:p>
+            <a:pPr lvl="0" algn="just"/>
+            <a:endParaRPr lang="pt-PT" sz="1600" dirty="0"/>
+          </a:p>
+          <a:p>
+            <a:pPr marL="285750" lvl="0" indent="-285750" algn="just">
+              <a:buFont typeface="Arial" panose="020B0604020202020204" pitchFamily="34" charset="0"/>
+              <a:buChar char="•"/>
+            </a:pPr>
+            <a:r>
+              <a:rPr lang="pt-PT" sz="1600" dirty="0"/>
+              <a:t>Trabalho futuro: -definir os requisitos do sistema </a:t>
+            </a:r>
+          </a:p>
+          <a:p>
+            <a:pPr lvl="1" algn="just"/>
+            <a:r>
+              <a:rPr lang="pt-PT" sz="1600" dirty="0"/>
+              <a:t>			   -avançar com a arquitetura UML </a:t>
+            </a:r>
+          </a:p>
+          <a:p>
+            <a:pPr lvl="1" algn="just"/>
+            <a:r>
+              <a:rPr lang="pt-PT" sz="1600" dirty="0"/>
+              <a:t>		          -desenvolvimento da base de dados</a:t>
+            </a:r>
+          </a:p>
+          <a:p>
+            <a:pPr lvl="1" algn="just"/>
+            <a:r>
+              <a:rPr lang="pt-PT" sz="1600" dirty="0"/>
+              <a:t>		          - implementação da plataforma(site e aplicação móvel) </a:t>
+            </a:r>
+          </a:p>
+          <a:p>
+            <a:pPr marL="285750" lvl="0" indent="-285750" algn="just">
+              <a:buFont typeface="Arial" panose="020B0604020202020204" pitchFamily="34" charset="0"/>
+              <a:buChar char="•"/>
+            </a:pPr>
+            <a:endParaRPr lang="pt-PT" sz="1600" dirty="0"/>
+          </a:p>
+          <a:p>
+            <a:pPr marL="285750" lvl="0" indent="-285750" algn="just">
+              <a:buFont typeface="Arial" panose="020B0604020202020204" pitchFamily="34" charset="0"/>
+              <a:buChar char="•"/>
+            </a:pPr>
+            <a:endParaRPr lang="pt-PT" sz="1600" dirty="0"/>
+          </a:p>
+          <a:p>
+            <a:pPr marL="285750" lvl="0" indent="-285750" algn="just">
+              <a:buFont typeface="Arial" panose="020B0604020202020204" pitchFamily="34" charset="0"/>
+              <a:buChar char="•"/>
+            </a:pPr>
+            <a:r>
+              <a:rPr lang="pt-PT" sz="1600" dirty="0"/>
+              <a:t>Acima de tudo, O grupo espera conseguir finalizar as próximas etapas e tirar proveito das mesmas, levando consigo conhecimentos úteis para a vida profissional futura. </a:t>
+            </a:r>
+          </a:p>
+          <a:p>
+            <a:pPr marL="285750" lvl="0" indent="-285750" algn="just">
+              <a:buFont typeface="Arial" panose="020B0604020202020204" pitchFamily="34" charset="0"/>
+              <a:buChar char="•"/>
+            </a:pPr>
+            <a:endParaRPr lang="pt-PT" sz="1600" dirty="0"/>
+          </a:p>
+          <a:p>
+            <a:pPr marL="285750" lvl="0" indent="-285750" algn="just">
+              <a:buFont typeface="Arial" panose="020B0604020202020204" pitchFamily="34" charset="0"/>
+              <a:buChar char="•"/>
+            </a:pPr>
+            <a:endParaRPr lang="pt-PT" sz="1600" dirty="0"/>
+          </a:p>
+        </p:txBody>
+      </p:sp>
+    </p:spTree>
+    <p:extLst>
+      <p:ext uri="{BB962C8B-B14F-4D97-AF65-F5344CB8AC3E}">
+        <p14:creationId xmlns:p14="http://schemas.microsoft.com/office/powerpoint/2010/main" val="1850561068"/>
+      </p:ext>
+    </p:extLst>
+  </p:cSld>
+  <p:clrMapOvr>
+    <a:masterClrMapping/>
+  </p:clrMapOvr>
+  <mc:AlternateContent xmlns:mc="http://schemas.openxmlformats.org/markup-compatibility/2006" xmlns:p14="http://schemas.microsoft.com/office/powerpoint/2010/main">
+    <mc:Choice Requires="p14">
+      <p:transition spd="med" p14:dur="700">
+        <p:fade/>
+      </p:transition>
+    </mc:Choice>
+    <mc:Fallback xmlns="">
+      <p:transition spd="med">
+        <p:fade/>
+      </p:transition>
+    </mc:Fallback>
+  </mc:AlternateContent>
+</p:sld>
+</file>
+
+<file path=ppt/slides/slide15.xml><?xml version="1.0" encoding="utf-8"?>
 <p:sld xmlns:a="http://schemas.openxmlformats.org/drawingml/2006/main" xmlns:r="http://schemas.openxmlformats.org/officeDocument/2006/relationships" xmlns:p="http://schemas.openxmlformats.org/presentationml/2006/main">
   <p:cSld>
     <p:spTree>
@@ -7886,221 +8582,109 @@
       </p:grpSpPr>
       <p:sp>
         <p:nvSpPr>
-          <p:cNvPr id="6" name="Título 1">
+          <p:cNvPr id="3" name="Marcador de Posição de Conteúdo 2">
             <a:extLst>
               <a:ext uri="{FF2B5EF4-FFF2-40B4-BE49-F238E27FC236}">
-                <a16:creationId xmlns:a16="http://schemas.microsoft.com/office/drawing/2014/main" id="{76E33AE5-F7BC-4721-8718-71AB3D730002}"/>
+                <a16:creationId xmlns:a16="http://schemas.microsoft.com/office/drawing/2014/main" id="{78155F68-0F43-4FE9-A743-20F9DAFEFA50}"/>
               </a:ext>
             </a:extLst>
           </p:cNvPr>
-          <p:cNvSpPr txBox="1">
-            <a:spLocks/>
+          <p:cNvSpPr>
+            <a:spLocks noGrp="1"/>
           </p:cNvSpPr>
-          <p:nvPr/>
+          <p:nvPr>
+            <p:ph idx="1"/>
+          </p:nvPr>
         </p:nvSpPr>
         <p:spPr>
           <a:xfrm>
-            <a:off x="283968" y="234908"/>
-            <a:ext cx="8596668" cy="1320800"/>
+            <a:off x="677334" y="706583"/>
+            <a:ext cx="8596668" cy="5334780"/>
           </a:xfrm>
-          <a:prstGeom prst="rect">
-            <a:avLst/>
-          </a:prstGeom>
         </p:spPr>
         <p:txBody>
-          <a:bodyPr/>
-          <a:lstStyle>
-            <a:lvl1pPr algn="l" defTabSz="457200" rtl="0" eaLnBrk="1" latinLnBrk="0" hangingPunct="1">
-              <a:spcBef>
-                <a:spcPct val="0"/>
-              </a:spcBef>
-              <a:buNone/>
-              <a:defRPr sz="3600" kern="1200">
-                <a:solidFill>
-                  <a:schemeClr val="accent1"/>
-                </a:solidFill>
-                <a:latin typeface="+mj-lt"/>
-                <a:ea typeface="+mj-ea"/>
-                <a:cs typeface="+mj-cs"/>
-              </a:defRPr>
-            </a:lvl1pPr>
-            <a:lvl2pPr eaLnBrk="1" hangingPunct="1">
-              <a:defRPr>
-                <a:solidFill>
-                  <a:schemeClr val="tx2"/>
-                </a:solidFill>
-              </a:defRPr>
-            </a:lvl2pPr>
-            <a:lvl3pPr eaLnBrk="1" hangingPunct="1">
-              <a:defRPr>
-                <a:solidFill>
-                  <a:schemeClr val="tx2"/>
-                </a:solidFill>
-              </a:defRPr>
-            </a:lvl3pPr>
-            <a:lvl4pPr eaLnBrk="1" hangingPunct="1">
-              <a:defRPr>
-                <a:solidFill>
-                  <a:schemeClr val="tx2"/>
-                </a:solidFill>
-              </a:defRPr>
-            </a:lvl4pPr>
-            <a:lvl5pPr eaLnBrk="1" hangingPunct="1">
-              <a:defRPr>
-                <a:solidFill>
-                  <a:schemeClr val="tx2"/>
-                </a:solidFill>
-              </a:defRPr>
-            </a:lvl5pPr>
-            <a:lvl6pPr eaLnBrk="1" hangingPunct="1">
-              <a:defRPr>
-                <a:solidFill>
-                  <a:schemeClr val="tx2"/>
-                </a:solidFill>
-              </a:defRPr>
-            </a:lvl6pPr>
-            <a:lvl7pPr eaLnBrk="1" hangingPunct="1">
-              <a:defRPr>
-                <a:solidFill>
-                  <a:schemeClr val="tx2"/>
-                </a:solidFill>
-              </a:defRPr>
-            </a:lvl7pPr>
-            <a:lvl8pPr eaLnBrk="1" hangingPunct="1">
-              <a:defRPr>
-                <a:solidFill>
-                  <a:schemeClr val="tx2"/>
-                </a:solidFill>
-              </a:defRPr>
-            </a:lvl8pPr>
-            <a:lvl9pPr eaLnBrk="1" hangingPunct="1">
-              <a:defRPr>
-                <a:solidFill>
-                  <a:schemeClr val="tx2"/>
-                </a:solidFill>
-              </a:defRPr>
-            </a:lvl9pPr>
-          </a:lstStyle>
-          <a:p>
-            <a:r>
-              <a:rPr lang="pt-PT" dirty="0"/>
-              <a:t>Contextualização</a:t>
-            </a:r>
-          </a:p>
-        </p:txBody>
-      </p:sp>
-      <p:sp>
-        <p:nvSpPr>
-          <p:cNvPr id="4" name="CaixaDeTexto 3">
-            <a:extLst>
-              <a:ext uri="{FF2B5EF4-FFF2-40B4-BE49-F238E27FC236}">
-                <a16:creationId xmlns:a16="http://schemas.microsoft.com/office/drawing/2014/main" id="{037B5F4B-DA41-45A6-98B2-0FFDF0BF4409}"/>
-              </a:ext>
-            </a:extLst>
-          </p:cNvPr>
-          <p:cNvSpPr txBox="1"/>
-          <p:nvPr/>
-        </p:nvSpPr>
-        <p:spPr>
-          <a:xfrm>
-            <a:off x="404948" y="1400499"/>
-            <a:ext cx="8987246" cy="5447645"/>
-          </a:xfrm>
-          <a:prstGeom prst="rect">
-            <a:avLst/>
-          </a:prstGeom>
-          <a:noFill/>
-        </p:spPr>
-        <p:txBody>
-          <a:bodyPr wrap="square" rtlCol="0">
-            <a:spAutoFit/>
+          <a:bodyPr>
+            <a:normAutofit/>
           </a:bodyPr>
           <a:lstStyle/>
           <a:p>
-            <a:pPr marL="342900" indent="-342900">
-              <a:buFont typeface="Arial" panose="020B0604020202020204" pitchFamily="34" charset="0"/>
-              <a:buChar char="•"/>
-            </a:pPr>
-            <a:r>
-              <a:rPr lang="pt-PT" sz="2000" dirty="0"/>
-              <a:t>Necessidade de produção contínua e rápida por parte das empresas, para singrar nos mercados económicos;</a:t>
-            </a:r>
-          </a:p>
-          <a:p>
-            <a:pPr marL="342900" indent="-342900">
-              <a:buFont typeface="Arial" panose="020B0604020202020204" pitchFamily="34" charset="0"/>
-              <a:buChar char="•"/>
-            </a:pPr>
-            <a:endParaRPr lang="pt-PT" sz="2000" dirty="0"/>
-          </a:p>
-          <a:p>
-            <a:pPr marL="342900" indent="-342900">
-              <a:buFont typeface="Arial" panose="020B0604020202020204" pitchFamily="34" charset="0"/>
-              <a:buChar char="•"/>
-            </a:pPr>
-            <a:r>
-              <a:rPr lang="pt-PT" sz="2000" dirty="0"/>
-              <a:t>Aumenta a carga horária dos trabalhadores e isto gera um problema sério para quem tem filhos torna-se difícil arranjar alguém para tomar conta dos filho;</a:t>
-            </a:r>
-          </a:p>
-          <a:p>
-            <a:pPr marL="342900" indent="-342900">
-              <a:buFont typeface="Arial" panose="020B0604020202020204" pitchFamily="34" charset="0"/>
-              <a:buChar char="•"/>
-            </a:pPr>
-            <a:endParaRPr lang="pt-PT" sz="2000" dirty="0"/>
-          </a:p>
-          <a:p>
-            <a:pPr marL="342900" indent="-342900">
-              <a:buFont typeface="Arial" panose="020B0604020202020204" pitchFamily="34" charset="0"/>
-              <a:buChar char="•"/>
-            </a:pPr>
-            <a:r>
-              <a:rPr lang="pt-PT" sz="2000" dirty="0"/>
-              <a:t>“Bebés &amp; Com</a:t>
-            </a:r>
-            <a:r>
-              <a:rPr lang="pt-PT" dirty="0"/>
-              <a:t>panhia” possui uma cadeia de infantários espalhados pela grande Lisboa, com o reparo que a maioria dos seus funcionários estão na faixa etária dos vinte e dispõem de tempo livre para horário extra, e estes viram aqui uma ótima oportunidade. Surge, assim, a ideia de fazer um serviço ao domicilio de </a:t>
-            </a:r>
-            <a:r>
-              <a:rPr lang="pt-PT" dirty="0" err="1"/>
-              <a:t>babysitting</a:t>
-            </a:r>
-            <a:r>
-              <a:rPr lang="pt-PT" dirty="0"/>
-              <a:t>; </a:t>
-            </a:r>
-          </a:p>
-          <a:p>
-            <a:endParaRPr lang="pt-PT" sz="2000" dirty="0"/>
-          </a:p>
-          <a:p>
-            <a:pPr marL="342900" indent="-342900">
-              <a:buFont typeface="Arial" panose="020B0604020202020204" pitchFamily="34" charset="0"/>
-              <a:buChar char="•"/>
-            </a:pPr>
-            <a:r>
-              <a:rPr lang="pt-PT" sz="2000" dirty="0"/>
-              <a:t>Realização de inquéritos: </a:t>
-            </a:r>
-            <a:r>
-              <a:rPr lang="pt-PT" dirty="0"/>
-              <a:t>disposição para trabalhar horas extra, disponibilidade para horas tardias e para deslocações ao domicílio -&gt; Sem necessidade de contratação de agentes externos ao infantário;</a:t>
-            </a:r>
-            <a:endParaRPr lang="pt-PT" sz="2000" dirty="0"/>
-          </a:p>
-          <a:p>
-            <a:endParaRPr lang="pt-PT" sz="2000" dirty="0"/>
-          </a:p>
-          <a:p>
-            <a:pPr marL="342900" indent="-342900">
-              <a:buFont typeface="Arial" panose="020B0604020202020204" pitchFamily="34" charset="0"/>
-              <a:buChar char="•"/>
-            </a:pPr>
-            <a:r>
-              <a:rPr lang="pt-PT" sz="2000" dirty="0"/>
-              <a:t>É criada a plataforma “GuguDadah”.</a:t>
+            <a:r>
+              <a:rPr lang="pt-PT" sz="2000" dirty="0">
+                <a:solidFill>
+                  <a:schemeClr val="tx1"/>
+                </a:solidFill>
+              </a:rPr>
+              <a:t>Contextualização </a:t>
+            </a:r>
+          </a:p>
+          <a:p>
+            <a:r>
+              <a:rPr lang="pt-PT" sz="2000" b="1" dirty="0">
+                <a:solidFill>
+                  <a:schemeClr val="tx1"/>
+                </a:solidFill>
+              </a:rPr>
+              <a:t>Motivação e Objetivos </a:t>
+            </a:r>
+          </a:p>
+          <a:p>
+            <a:r>
+              <a:rPr lang="pt-PT" sz="2000" dirty="0">
+                <a:solidFill>
+                  <a:schemeClr val="tx1"/>
+                </a:solidFill>
+              </a:rPr>
+              <a:t>Definição da Identidade do Sistema a Desenvolver </a:t>
+            </a:r>
+          </a:p>
+          <a:p>
+            <a:r>
+              <a:rPr lang="pt-PT" sz="2000" dirty="0">
+                <a:solidFill>
+                  <a:schemeClr val="tx1"/>
+                </a:solidFill>
+              </a:rPr>
+              <a:t>Análise de Viabilidade </a:t>
+            </a:r>
+          </a:p>
+          <a:p>
+            <a:r>
+              <a:rPr lang="pt-PT" sz="2000" dirty="0">
+                <a:solidFill>
+                  <a:schemeClr val="tx1"/>
+                </a:solidFill>
+              </a:rPr>
+              <a:t>Identificação dos Recursos Necessários </a:t>
+            </a:r>
+          </a:p>
+          <a:p>
+            <a:r>
+              <a:rPr lang="pt-PT" sz="2000" dirty="0">
+                <a:solidFill>
+                  <a:schemeClr val="tx1"/>
+                </a:solidFill>
+              </a:rPr>
+              <a:t>Modelo de Sistema </a:t>
+            </a:r>
+          </a:p>
+          <a:p>
+            <a:r>
+              <a:rPr lang="pt-PT" sz="2000" dirty="0">
+                <a:solidFill>
+                  <a:schemeClr val="tx1"/>
+                </a:solidFill>
+              </a:rPr>
+              <a:t>Definição de Medidas de Sucesso </a:t>
+            </a:r>
+          </a:p>
+          <a:p>
+            <a:r>
+              <a:rPr lang="pt-PT" sz="2000" dirty="0">
+                <a:solidFill>
+                  <a:schemeClr val="tx1"/>
+                </a:solidFill>
+              </a:rPr>
+              <a:t>Plano de Desenvolvimento </a:t>
             </a:r>
           </a:p>
         </p:txBody>
@@ -8108,25 +8692,13 @@
     </p:spTree>
     <p:extLst>
       <p:ext uri="{BB962C8B-B14F-4D97-AF65-F5344CB8AC3E}">
-        <p14:creationId xmlns:p14="http://schemas.microsoft.com/office/powerpoint/2010/main" val="1370001760"/>
+        <p14:creationId xmlns:p14="http://schemas.microsoft.com/office/powerpoint/2010/main" val="482868652"/>
       </p:ext>
     </p:extLst>
   </p:cSld>
   <p:clrMapOvr>
     <a:masterClrMapping/>
   </p:clrMapOvr>
-  <mc:AlternateContent xmlns:mc="http://schemas.openxmlformats.org/markup-compatibility/2006" xmlns:p14="http://schemas.microsoft.com/office/powerpoint/2010/main">
-    <mc:Choice Requires="p14">
-      <p:transition spd="med" p14:dur="700">
-        <p:fade/>
-      </p:transition>
-    </mc:Choice>
-    <mc:Fallback xmlns="">
-      <p:transition spd="med">
-        <p:fade/>
-      </p:transition>
-    </mc:Fallback>
-  </mc:AlternateContent>
 </p:sld>
 </file>
 
@@ -8149,90 +8721,10 @@
       </p:grpSpPr>
       <p:sp>
         <p:nvSpPr>
-          <p:cNvPr id="2" name="CaixaDeTexto 1">
+          <p:cNvPr id="6" name="Título 1">
             <a:extLst>
               <a:ext uri="{FF2B5EF4-FFF2-40B4-BE49-F238E27FC236}">
-                <a16:creationId xmlns:a16="http://schemas.microsoft.com/office/drawing/2014/main" id="{5F7693A0-786B-4B06-A6F3-C9B34444D8BA}"/>
-              </a:ext>
-            </a:extLst>
-          </p:cNvPr>
-          <p:cNvSpPr txBox="1"/>
-          <p:nvPr/>
-        </p:nvSpPr>
-        <p:spPr>
-          <a:xfrm>
-            <a:off x="382920" y="1555708"/>
-            <a:ext cx="8987246" cy="3477875"/>
-          </a:xfrm>
-          <a:prstGeom prst="rect">
-            <a:avLst/>
-          </a:prstGeom>
-          <a:noFill/>
-        </p:spPr>
-        <p:txBody>
-          <a:bodyPr wrap="square" rtlCol="0">
-            <a:spAutoFit/>
-          </a:bodyPr>
-          <a:lstStyle/>
-          <a:p>
-            <a:pPr marL="342900" indent="-342900" algn="just">
-              <a:buFont typeface="Arial" panose="020B0604020202020204" pitchFamily="34" charset="0"/>
-              <a:buChar char="•"/>
-            </a:pPr>
-            <a:r>
-              <a:rPr lang="pt-PT" sz="2000" dirty="0"/>
-              <a:t>Dificuldade de encontrar alguém que seja responsável para tomar conta dos nossos filhos a horas tardias, ou a falta de disponibilidade dos infantários de tomar conta de crianças adoentadas;</a:t>
-            </a:r>
-          </a:p>
-          <a:p>
-            <a:pPr marL="342900" indent="-342900" algn="just">
-              <a:buFont typeface="Arial" panose="020B0604020202020204" pitchFamily="34" charset="0"/>
-              <a:buChar char="•"/>
-            </a:pPr>
-            <a:endParaRPr lang="pt-PT" sz="2000" dirty="0"/>
-          </a:p>
-          <a:p>
-            <a:pPr marL="342900" indent="-342900" algn="just">
-              <a:buFont typeface="Arial" panose="020B0604020202020204" pitchFamily="34" charset="0"/>
-              <a:buChar char="•"/>
-            </a:pPr>
-            <a:r>
-              <a:rPr lang="pt-PT" sz="2000" dirty="0"/>
-              <a:t>A inexistência de um sistema que permita a requisição de serviços de babysitting online, em Portugal;</a:t>
-            </a:r>
-          </a:p>
-          <a:p>
-            <a:pPr marL="342900" indent="-342900" algn="just">
-              <a:buFont typeface="Arial" panose="020B0604020202020204" pitchFamily="34" charset="0"/>
-              <a:buChar char="•"/>
-            </a:pPr>
-            <a:endParaRPr lang="pt-PT" sz="2000" dirty="0"/>
-          </a:p>
-          <a:p>
-            <a:pPr marL="342900" indent="-342900" algn="just">
-              <a:buFont typeface="Arial" panose="020B0604020202020204" pitchFamily="34" charset="0"/>
-              <a:buChar char="•"/>
-            </a:pPr>
-            <a:r>
-              <a:rPr lang="pt-PT" sz="2000" dirty="0"/>
-              <a:t>A maioria dos trabalhadores dos infantários Bebés &amp; Companhia possuem idade no intervalo dos vinte aos trinta. Têm mais facilidade e disponibilidade para trabalharem em horas não tão comuns;</a:t>
-            </a:r>
-          </a:p>
-          <a:p>
-            <a:pPr marL="342900" indent="-342900" algn="just">
-              <a:buFont typeface="Arial" panose="020B0604020202020204" pitchFamily="34" charset="0"/>
-              <a:buChar char="•"/>
-            </a:pPr>
-            <a:endParaRPr lang="pt-PT" sz="2000" dirty="0"/>
-          </a:p>
-        </p:txBody>
-      </p:sp>
-      <p:sp>
-        <p:nvSpPr>
-          <p:cNvPr id="3" name="Título 1">
-            <a:extLst>
-              <a:ext uri="{FF2B5EF4-FFF2-40B4-BE49-F238E27FC236}">
-                <a16:creationId xmlns:a16="http://schemas.microsoft.com/office/drawing/2014/main" id="{BA983806-5ACF-436A-BC02-C3E78778BFFE}"/>
+                <a16:creationId xmlns:a16="http://schemas.microsoft.com/office/drawing/2014/main" id="{76E33AE5-F7BC-4721-8718-71AB3D730002}"/>
               </a:ext>
             </a:extLst>
           </p:cNvPr>
@@ -8327,7 +8819,114 @@
           <a:p>
             <a:r>
               <a:rPr lang="pt-PT" dirty="0"/>
-              <a:t>Motivação</a:t>
+              <a:t>Contextualização</a:t>
+            </a:r>
+          </a:p>
+        </p:txBody>
+      </p:sp>
+      <p:sp>
+        <p:nvSpPr>
+          <p:cNvPr id="4" name="CaixaDeTexto 3">
+            <a:extLst>
+              <a:ext uri="{FF2B5EF4-FFF2-40B4-BE49-F238E27FC236}">
+                <a16:creationId xmlns:a16="http://schemas.microsoft.com/office/drawing/2014/main" id="{037B5F4B-DA41-45A6-98B2-0FFDF0BF4409}"/>
+              </a:ext>
+            </a:extLst>
+          </p:cNvPr>
+          <p:cNvSpPr txBox="1"/>
+          <p:nvPr/>
+        </p:nvSpPr>
+        <p:spPr>
+          <a:xfrm>
+            <a:off x="404948" y="1400499"/>
+            <a:ext cx="8987246" cy="4031873"/>
+          </a:xfrm>
+          <a:prstGeom prst="rect">
+            <a:avLst/>
+          </a:prstGeom>
+          <a:noFill/>
+        </p:spPr>
+        <p:txBody>
+          <a:bodyPr wrap="square" rtlCol="0">
+            <a:spAutoFit/>
+          </a:bodyPr>
+          <a:lstStyle/>
+          <a:p>
+            <a:pPr marL="342900" indent="-342900">
+              <a:buFont typeface="Arial" panose="020B0604020202020204" pitchFamily="34" charset="0"/>
+              <a:buChar char="•"/>
+            </a:pPr>
+            <a:r>
+              <a:rPr lang="pt-PT" sz="1600" dirty="0"/>
+              <a:t>Necessidade de produção contínua e rápida por parte das empresas, para singrar nos mercados económicos;</a:t>
+            </a:r>
+          </a:p>
+          <a:p>
+            <a:pPr marL="342900" indent="-342900">
+              <a:buFont typeface="Arial" panose="020B0604020202020204" pitchFamily="34" charset="0"/>
+              <a:buChar char="•"/>
+            </a:pPr>
+            <a:endParaRPr lang="pt-PT" sz="1600" dirty="0"/>
+          </a:p>
+          <a:p>
+            <a:pPr marL="342900" indent="-342900">
+              <a:buFont typeface="Arial" panose="020B0604020202020204" pitchFamily="34" charset="0"/>
+              <a:buChar char="•"/>
+            </a:pPr>
+            <a:r>
+              <a:rPr lang="pt-PT" sz="1600" dirty="0"/>
+              <a:t>Aumenta a carga horária dos trabalhadores e isto gera um problema sério para quem tem filhos torna-se difícil arranjar alguém para tomar conta dos filho;</a:t>
+            </a:r>
+          </a:p>
+          <a:p>
+            <a:pPr marL="342900" indent="-342900">
+              <a:buFont typeface="Arial" panose="020B0604020202020204" pitchFamily="34" charset="0"/>
+              <a:buChar char="•"/>
+            </a:pPr>
+            <a:endParaRPr lang="pt-PT" sz="1600" dirty="0"/>
+          </a:p>
+          <a:p>
+            <a:pPr marL="342900" indent="-342900">
+              <a:buFont typeface="Arial" panose="020B0604020202020204" pitchFamily="34" charset="0"/>
+              <a:buChar char="•"/>
+            </a:pPr>
+            <a:r>
+              <a:rPr lang="pt-PT" sz="1600" dirty="0"/>
+              <a:t>“Bebés &amp; Companhia” possui uma cadeia de infantários espalhados pela grande Lisboa, com o reparo que a maioria dos seus funcionários estão na faixa etária dos vinte e dispõem de tempo livre para horário extra, e estes viram aqui uma ótima oportunidade. Surge, assim, a ideia de fazer um serviço ao domicilio de </a:t>
+            </a:r>
+            <a:r>
+              <a:rPr lang="pt-PT" sz="1600" dirty="0" err="1"/>
+              <a:t>babysitting</a:t>
+            </a:r>
+            <a:r>
+              <a:rPr lang="pt-PT" sz="1600" dirty="0"/>
+              <a:t>; </a:t>
+            </a:r>
+          </a:p>
+          <a:p>
+            <a:endParaRPr lang="pt-PT" sz="1600" dirty="0"/>
+          </a:p>
+          <a:p>
+            <a:pPr marL="342900" indent="-342900">
+              <a:buFont typeface="Arial" panose="020B0604020202020204" pitchFamily="34" charset="0"/>
+              <a:buChar char="•"/>
+            </a:pPr>
+            <a:r>
+              <a:rPr lang="pt-PT" sz="1600" dirty="0"/>
+              <a:t>Realização de inquéritos: disposição para trabalhar horas extra, disponibilidade para horas tardias e para deslocações ao domicílio -&gt; Sem necessidade de contratação de agentes externos ao infantário;</a:t>
+            </a:r>
+          </a:p>
+          <a:p>
+            <a:endParaRPr lang="pt-PT" sz="1600" dirty="0"/>
+          </a:p>
+          <a:p>
+            <a:pPr marL="342900" indent="-342900">
+              <a:buFont typeface="Arial" panose="020B0604020202020204" pitchFamily="34" charset="0"/>
+              <a:buChar char="•"/>
+            </a:pPr>
+            <a:r>
+              <a:rPr lang="pt-PT" sz="1600" dirty="0"/>
+              <a:t>É criada a plataforma “GuguDadah”.</a:t>
             </a:r>
           </a:p>
         </p:txBody>
@@ -8335,7 +8934,7 @@
     </p:spTree>
     <p:extLst>
       <p:ext uri="{BB962C8B-B14F-4D97-AF65-F5344CB8AC3E}">
-        <p14:creationId xmlns:p14="http://schemas.microsoft.com/office/powerpoint/2010/main" val="229223528"/>
+        <p14:creationId xmlns:p14="http://schemas.microsoft.com/office/powerpoint/2010/main" val="1370001760"/>
       </p:ext>
     </p:extLst>
   </p:cSld>
@@ -8376,10 +8975,90 @@
       </p:grpSpPr>
       <p:sp>
         <p:nvSpPr>
-          <p:cNvPr id="2" name="Título 1">
+          <p:cNvPr id="2" name="CaixaDeTexto 1">
             <a:extLst>
               <a:ext uri="{FF2B5EF4-FFF2-40B4-BE49-F238E27FC236}">
-                <a16:creationId xmlns:a16="http://schemas.microsoft.com/office/drawing/2014/main" id="{910D7B0C-8942-4CE3-AA50-CD602EEF81E3}"/>
+                <a16:creationId xmlns:a16="http://schemas.microsoft.com/office/drawing/2014/main" id="{5F7693A0-786B-4B06-A6F3-C9B34444D8BA}"/>
+              </a:ext>
+            </a:extLst>
+          </p:cNvPr>
+          <p:cNvSpPr txBox="1"/>
+          <p:nvPr/>
+        </p:nvSpPr>
+        <p:spPr>
+          <a:xfrm>
+            <a:off x="382920" y="1555708"/>
+            <a:ext cx="8987246" cy="3170099"/>
+          </a:xfrm>
+          <a:prstGeom prst="rect">
+            <a:avLst/>
+          </a:prstGeom>
+          <a:noFill/>
+        </p:spPr>
+        <p:txBody>
+          <a:bodyPr wrap="square" rtlCol="0">
+            <a:spAutoFit/>
+          </a:bodyPr>
+          <a:lstStyle/>
+          <a:p>
+            <a:pPr marL="342900" indent="-342900" algn="just">
+              <a:buFont typeface="Arial" panose="020B0604020202020204" pitchFamily="34" charset="0"/>
+              <a:buChar char="•"/>
+            </a:pPr>
+            <a:r>
+              <a:rPr lang="pt-PT" dirty="0"/>
+              <a:t>Dificuldade de encontrar alguém que seja responsável para tomar conta dos nossos filhos a horas tardias, ou a falta de disponibilidade dos infantários de tomar conta de crianças adoentadas;</a:t>
+            </a:r>
+          </a:p>
+          <a:p>
+            <a:pPr marL="342900" indent="-342900" algn="just">
+              <a:buFont typeface="Arial" panose="020B0604020202020204" pitchFamily="34" charset="0"/>
+              <a:buChar char="•"/>
+            </a:pPr>
+            <a:endParaRPr lang="pt-PT" dirty="0"/>
+          </a:p>
+          <a:p>
+            <a:pPr marL="342900" indent="-342900" algn="just">
+              <a:buFont typeface="Arial" panose="020B0604020202020204" pitchFamily="34" charset="0"/>
+              <a:buChar char="•"/>
+            </a:pPr>
+            <a:r>
+              <a:rPr lang="pt-PT" dirty="0"/>
+              <a:t>A inexistência de um sistema que permita a requisição de serviços de babysitting online, em Portugal;</a:t>
+            </a:r>
+          </a:p>
+          <a:p>
+            <a:pPr marL="342900" indent="-342900" algn="just">
+              <a:buFont typeface="Arial" panose="020B0604020202020204" pitchFamily="34" charset="0"/>
+              <a:buChar char="•"/>
+            </a:pPr>
+            <a:endParaRPr lang="pt-PT" dirty="0"/>
+          </a:p>
+          <a:p>
+            <a:pPr marL="342900" indent="-342900" algn="just">
+              <a:buFont typeface="Arial" panose="020B0604020202020204" pitchFamily="34" charset="0"/>
+              <a:buChar char="•"/>
+            </a:pPr>
+            <a:r>
+              <a:rPr lang="pt-PT" dirty="0"/>
+              <a:t>A maioria dos trabalhadores dos infantários Bebés &amp; Companhia possuem idade no intervalo dos vinte aos trinta. Têm mais facilidade e disponibilidade para trabalharem em horas não tão comuns;</a:t>
+            </a:r>
+          </a:p>
+          <a:p>
+            <a:pPr marL="342900" indent="-342900" algn="just">
+              <a:buFont typeface="Arial" panose="020B0604020202020204" pitchFamily="34" charset="0"/>
+              <a:buChar char="•"/>
+            </a:pPr>
+            <a:endParaRPr lang="pt-PT" sz="2000" dirty="0"/>
+          </a:p>
+        </p:txBody>
+      </p:sp>
+      <p:sp>
+        <p:nvSpPr>
+          <p:cNvPr id="3" name="Título 1">
+            <a:extLst>
+              <a:ext uri="{FF2B5EF4-FFF2-40B4-BE49-F238E27FC236}">
+                <a16:creationId xmlns:a16="http://schemas.microsoft.com/office/drawing/2014/main" id="{BA983806-5ACF-436A-BC02-C3E78778BFFE}"/>
               </a:ext>
             </a:extLst>
           </p:cNvPr>
@@ -8474,117 +9153,15 @@
           <a:p>
             <a:r>
               <a:rPr lang="pt-PT" dirty="0"/>
-              <a:t>Objetivos</a:t>
-            </a:r>
-          </a:p>
-        </p:txBody>
-      </p:sp>
-      <p:sp>
-        <p:nvSpPr>
-          <p:cNvPr id="4" name="CaixaDeTexto 3">
-            <a:extLst>
-              <a:ext uri="{FF2B5EF4-FFF2-40B4-BE49-F238E27FC236}">
-                <a16:creationId xmlns:a16="http://schemas.microsoft.com/office/drawing/2014/main" id="{A4574B50-E5E4-4456-97F2-7E2227DFA573}"/>
-              </a:ext>
-            </a:extLst>
-          </p:cNvPr>
-          <p:cNvSpPr txBox="1"/>
-          <p:nvPr/>
-        </p:nvSpPr>
-        <p:spPr>
-          <a:xfrm>
-            <a:off x="391885" y="1555708"/>
-            <a:ext cx="8987246" cy="2862322"/>
-          </a:xfrm>
-          <a:prstGeom prst="rect">
-            <a:avLst/>
-          </a:prstGeom>
-          <a:noFill/>
-        </p:spPr>
-        <p:txBody>
-          <a:bodyPr wrap="square" rtlCol="0">
-            <a:spAutoFit/>
-          </a:bodyPr>
-          <a:lstStyle/>
-          <a:p>
-            <a:pPr marL="342900" indent="-342900" algn="just">
-              <a:buFont typeface="Arial" panose="020B0604020202020204" pitchFamily="34" charset="0"/>
-              <a:buChar char="•"/>
-            </a:pPr>
-            <a:r>
-              <a:rPr lang="pt-PT" sz="2000" dirty="0"/>
-              <a:t>Disponibilizar uma interface intuitiva que facilite a requisição de serviços de babysitting;</a:t>
-            </a:r>
-          </a:p>
-          <a:p>
-            <a:pPr marL="342900" indent="-342900" algn="just">
-              <a:buFont typeface="Arial" panose="020B0604020202020204" pitchFamily="34" charset="0"/>
-              <a:buChar char="•"/>
-            </a:pPr>
-            <a:endParaRPr lang="pt-PT" sz="2000" dirty="0"/>
-          </a:p>
-          <a:p>
-            <a:pPr marL="342900" indent="-342900" algn="just">
-              <a:buFont typeface="Arial" panose="020B0604020202020204" pitchFamily="34" charset="0"/>
-              <a:buChar char="•"/>
-            </a:pPr>
-            <a:r>
-              <a:rPr lang="pt-PT" sz="2000" dirty="0"/>
-              <a:t>Localização geográfica;</a:t>
-            </a:r>
-          </a:p>
-          <a:p>
-            <a:pPr marL="342900" indent="-342900" algn="just">
-              <a:buFont typeface="Arial" panose="020B0604020202020204" pitchFamily="34" charset="0"/>
-              <a:buChar char="•"/>
-            </a:pPr>
-            <a:endParaRPr lang="pt-PT" sz="2000" dirty="0"/>
-          </a:p>
-          <a:p>
-            <a:pPr marL="342900" indent="-342900" algn="just">
-              <a:buFont typeface="Arial" panose="020B0604020202020204" pitchFamily="34" charset="0"/>
-              <a:buChar char="•"/>
-            </a:pPr>
-            <a:r>
-              <a:rPr lang="pt-PT" sz="2000" dirty="0"/>
-              <a:t>Possibilidade do cliente avaliar determinado </a:t>
-            </a:r>
-            <a:r>
-              <a:rPr lang="pt-PT" sz="2000" dirty="0" err="1"/>
-              <a:t>babysitter</a:t>
-            </a:r>
-            <a:r>
-              <a:rPr lang="pt-PT" sz="2000" dirty="0"/>
-              <a:t>;</a:t>
-            </a:r>
-          </a:p>
-          <a:p>
-            <a:pPr marL="342900" indent="-342900" algn="just">
-              <a:buFont typeface="Arial" panose="020B0604020202020204" pitchFamily="34" charset="0"/>
-              <a:buChar char="•"/>
-            </a:pPr>
-            <a:endParaRPr lang="pt-PT" sz="2000" dirty="0"/>
-          </a:p>
-          <a:p>
-            <a:pPr marL="342900" indent="-342900" algn="just">
-              <a:buFont typeface="Arial" panose="020B0604020202020204" pitchFamily="34" charset="0"/>
-              <a:buChar char="•"/>
-            </a:pPr>
-            <a:r>
-              <a:rPr lang="pt-PT" sz="2000" dirty="0"/>
-              <a:t>Simplificar a deslocação dos funcionários da empresa;</a:t>
-            </a:r>
-          </a:p>
-          <a:p>
-            <a:pPr algn="just"/>
-            <a:endParaRPr lang="pt-PT" sz="2000" dirty="0"/>
+              <a:t>Motivação</a:t>
+            </a:r>
           </a:p>
         </p:txBody>
       </p:sp>
     </p:spTree>
     <p:extLst>
       <p:ext uri="{BB962C8B-B14F-4D97-AF65-F5344CB8AC3E}">
-        <p14:creationId xmlns:p14="http://schemas.microsoft.com/office/powerpoint/2010/main" val="3912113154"/>
+        <p14:creationId xmlns:p14="http://schemas.microsoft.com/office/powerpoint/2010/main" val="229223528"/>
       </p:ext>
     </p:extLst>
   </p:cSld>
@@ -8628,7 +9205,7 @@
           <p:cNvPr id="2" name="Título 1">
             <a:extLst>
               <a:ext uri="{FF2B5EF4-FFF2-40B4-BE49-F238E27FC236}">
-                <a16:creationId xmlns:a16="http://schemas.microsoft.com/office/drawing/2014/main" id="{85B1917E-131F-4D55-AF63-686A2E3F901C}"/>
+                <a16:creationId xmlns:a16="http://schemas.microsoft.com/office/drawing/2014/main" id="{910D7B0C-8942-4CE3-AA50-CD602EEF81E3}"/>
               </a:ext>
             </a:extLst>
           </p:cNvPr>
@@ -8723,7 +9300,7 @@
           <a:p>
             <a:r>
               <a:rPr lang="pt-PT" dirty="0"/>
-              <a:t>Viabilidade do Sistema</a:t>
+              <a:t>Objetivos</a:t>
             </a:r>
           </a:p>
         </p:txBody>
@@ -8733,7 +9310,7 @@
           <p:cNvPr id="4" name="CaixaDeTexto 3">
             <a:extLst>
               <a:ext uri="{FF2B5EF4-FFF2-40B4-BE49-F238E27FC236}">
-                <a16:creationId xmlns:a16="http://schemas.microsoft.com/office/drawing/2014/main" id="{94C4A52A-7267-416A-BBD5-F6C606723737}"/>
+                <a16:creationId xmlns:a16="http://schemas.microsoft.com/office/drawing/2014/main" id="{A4574B50-E5E4-4456-97F2-7E2227DFA573}"/>
               </a:ext>
             </a:extLst>
           </p:cNvPr>
@@ -8742,8 +9319,8 @@
         </p:nvSpPr>
         <p:spPr>
           <a:xfrm>
-            <a:off x="382920" y="1555708"/>
-            <a:ext cx="8987246" cy="4524315"/>
+            <a:off x="391885" y="1555708"/>
+            <a:ext cx="8987246" cy="2862322"/>
           </a:xfrm>
           <a:prstGeom prst="rect">
             <a:avLst/>
@@ -8761,16 +9338,8 @@
               <a:buChar char="•"/>
             </a:pPr>
             <a:r>
-              <a:rPr lang="pt-PT" dirty="0"/>
-              <a:t>Um sistema ao domicílio 24/365 é um modelo de negócio cada vez mais comum (Amazon, KFC, </a:t>
-            </a:r>
-            <a:r>
-              <a:rPr lang="pt-PT" dirty="0" err="1"/>
-              <a:t>Burguer</a:t>
-            </a:r>
-            <a:r>
-              <a:rPr lang="pt-PT" dirty="0"/>
-              <a:t> King,…);</a:t>
+              <a:rPr lang="pt-PT" sz="2000" dirty="0"/>
+              <a:t>Disponibilizar uma interface intuitiva que facilite a requisição de serviços de babysitting;</a:t>
             </a:r>
           </a:p>
           <a:p>
@@ -8778,7 +9347,7 @@
               <a:buFont typeface="Arial" panose="020B0604020202020204" pitchFamily="34" charset="0"/>
               <a:buChar char="•"/>
             </a:pPr>
-            <a:endParaRPr lang="pt-PT" dirty="0"/>
+            <a:endParaRPr lang="pt-PT" sz="2000" dirty="0"/>
           </a:p>
           <a:p>
             <a:pPr marL="342900" indent="-342900" algn="just">
@@ -8786,8 +9355,8 @@
               <a:buChar char="•"/>
             </a:pPr>
             <a:r>
-              <a:rPr lang="pt-PT" dirty="0"/>
-              <a:t>Há cada vez mais abertura do cliente a novas formas de comércio;</a:t>
+              <a:rPr lang="pt-PT" sz="2000" dirty="0"/>
+              <a:t>Localização geográfica;</a:t>
             </a:r>
           </a:p>
           <a:p>
@@ -8795,7 +9364,7 @@
               <a:buFont typeface="Arial" panose="020B0604020202020204" pitchFamily="34" charset="0"/>
               <a:buChar char="•"/>
             </a:pPr>
-            <a:endParaRPr lang="pt-PT" dirty="0"/>
+            <a:endParaRPr lang="pt-PT" sz="2000" dirty="0"/>
           </a:p>
           <a:p>
             <a:pPr marL="342900" indent="-342900" algn="just">
@@ -8803,8 +9372,16 @@
               <a:buChar char="•"/>
             </a:pPr>
             <a:r>
-              <a:rPr lang="pt-PT" dirty="0"/>
-              <a:t>Um serviço de babysitting ao domicílio posiciona-se como uma opção de entrada num mercado estável;</a:t>
+              <a:rPr lang="pt-PT" sz="2000" dirty="0"/>
+              <a:t>Possibilidade do cliente avaliar determinado </a:t>
+            </a:r>
+            <a:r>
+              <a:rPr lang="pt-PT" sz="2000" dirty="0" err="1"/>
+              <a:t>babysitter</a:t>
+            </a:r>
+            <a:r>
+              <a:rPr lang="pt-PT" sz="2000" dirty="0"/>
+              <a:t>;</a:t>
             </a:r>
           </a:p>
           <a:p>
@@ -8812,7 +9389,7 @@
               <a:buFont typeface="Arial" panose="020B0604020202020204" pitchFamily="34" charset="0"/>
               <a:buChar char="•"/>
             </a:pPr>
-            <a:endParaRPr lang="pt-PT" dirty="0"/>
+            <a:endParaRPr lang="pt-PT" sz="2000" dirty="0"/>
           </a:p>
           <a:p>
             <a:pPr marL="342900" indent="-342900" algn="just">
@@ -8820,58 +9397,20 @@
               <a:buChar char="•"/>
             </a:pPr>
             <a:r>
-              <a:rPr lang="pt-PT" dirty="0"/>
-              <a:t>O estudo de mercado revelou grande recetividade à possibilidade de agendar um(a) </a:t>
-            </a:r>
-            <a:r>
-              <a:rPr lang="pt-PT" dirty="0" err="1"/>
-              <a:t>babysitter</a:t>
-            </a:r>
-            <a:r>
-              <a:rPr lang="pt-PT" dirty="0"/>
-              <a:t> a qualquer altura do dia;</a:t>
-            </a:r>
-          </a:p>
-          <a:p>
-            <a:pPr marL="342900" indent="-342900" algn="just">
-              <a:buFont typeface="Arial" panose="020B0604020202020204" pitchFamily="34" charset="0"/>
-              <a:buChar char="•"/>
-            </a:pPr>
-            <a:endParaRPr lang="pt-PT" dirty="0"/>
-          </a:p>
-          <a:p>
-            <a:pPr marL="342900" indent="-342900" algn="just">
-              <a:buFont typeface="Arial" panose="020B0604020202020204" pitchFamily="34" charset="0"/>
-              <a:buChar char="•"/>
-            </a:pPr>
-            <a:r>
-              <a:rPr lang="pt-PT" dirty="0"/>
-              <a:t>O serviço está associado a um lugar físico onde se podem conhecer os profissionais, o que aumenta a confiança por parte dos pais;</a:t>
-            </a:r>
-          </a:p>
-          <a:p>
-            <a:pPr marL="342900" indent="-342900" algn="just">
-              <a:buFont typeface="Arial" panose="020B0604020202020204" pitchFamily="34" charset="0"/>
-              <a:buChar char="•"/>
-            </a:pPr>
-            <a:endParaRPr lang="pt-PT" dirty="0"/>
-          </a:p>
-          <a:p>
-            <a:pPr marL="342900" indent="-342900" algn="just">
-              <a:buFont typeface="Arial" panose="020B0604020202020204" pitchFamily="34" charset="0"/>
-              <a:buChar char="•"/>
-            </a:pPr>
-            <a:r>
-              <a:rPr lang="pt-PT" dirty="0"/>
-              <a:t>Alguma potencial falta de confiança é compensada pela presença de avaliações pessoais.</a:t>
-            </a:r>
+              <a:rPr lang="pt-PT" sz="2000" dirty="0"/>
+              <a:t>Simplificar a deslocação dos funcionários da empresa;</a:t>
+            </a:r>
+          </a:p>
+          <a:p>
+            <a:pPr algn="just"/>
+            <a:endParaRPr lang="pt-PT" sz="2000" dirty="0"/>
           </a:p>
         </p:txBody>
       </p:sp>
     </p:spTree>
     <p:extLst>
       <p:ext uri="{BB962C8B-B14F-4D97-AF65-F5344CB8AC3E}">
-        <p14:creationId xmlns:p14="http://schemas.microsoft.com/office/powerpoint/2010/main" val="1126145516"/>
+        <p14:creationId xmlns:p14="http://schemas.microsoft.com/office/powerpoint/2010/main" val="3912113154"/>
       </p:ext>
     </p:extLst>
   </p:cSld>
@@ -8912,6 +9451,293 @@
       </p:grpSpPr>
       <p:sp>
         <p:nvSpPr>
+          <p:cNvPr id="2" name="Título 1">
+            <a:extLst>
+              <a:ext uri="{FF2B5EF4-FFF2-40B4-BE49-F238E27FC236}">
+                <a16:creationId xmlns:a16="http://schemas.microsoft.com/office/drawing/2014/main" id="{85B1917E-131F-4D55-AF63-686A2E3F901C}"/>
+              </a:ext>
+            </a:extLst>
+          </p:cNvPr>
+          <p:cNvSpPr txBox="1">
+            <a:spLocks/>
+          </p:cNvSpPr>
+          <p:nvPr/>
+        </p:nvSpPr>
+        <p:spPr>
+          <a:xfrm>
+            <a:off x="283968" y="234908"/>
+            <a:ext cx="8596668" cy="1320800"/>
+          </a:xfrm>
+          <a:prstGeom prst="rect">
+            <a:avLst/>
+          </a:prstGeom>
+        </p:spPr>
+        <p:txBody>
+          <a:bodyPr/>
+          <a:lstStyle>
+            <a:lvl1pPr algn="l" defTabSz="457200" rtl="0" eaLnBrk="1" latinLnBrk="0" hangingPunct="1">
+              <a:spcBef>
+                <a:spcPct val="0"/>
+              </a:spcBef>
+              <a:buNone/>
+              <a:defRPr sz="3600" kern="1200">
+                <a:solidFill>
+                  <a:schemeClr val="accent1"/>
+                </a:solidFill>
+                <a:latin typeface="+mj-lt"/>
+                <a:ea typeface="+mj-ea"/>
+                <a:cs typeface="+mj-cs"/>
+              </a:defRPr>
+            </a:lvl1pPr>
+            <a:lvl2pPr eaLnBrk="1" hangingPunct="1">
+              <a:defRPr>
+                <a:solidFill>
+                  <a:schemeClr val="tx2"/>
+                </a:solidFill>
+              </a:defRPr>
+            </a:lvl2pPr>
+            <a:lvl3pPr eaLnBrk="1" hangingPunct="1">
+              <a:defRPr>
+                <a:solidFill>
+                  <a:schemeClr val="tx2"/>
+                </a:solidFill>
+              </a:defRPr>
+            </a:lvl3pPr>
+            <a:lvl4pPr eaLnBrk="1" hangingPunct="1">
+              <a:defRPr>
+                <a:solidFill>
+                  <a:schemeClr val="tx2"/>
+                </a:solidFill>
+              </a:defRPr>
+            </a:lvl4pPr>
+            <a:lvl5pPr eaLnBrk="1" hangingPunct="1">
+              <a:defRPr>
+                <a:solidFill>
+                  <a:schemeClr val="tx2"/>
+                </a:solidFill>
+              </a:defRPr>
+            </a:lvl5pPr>
+            <a:lvl6pPr eaLnBrk="1" hangingPunct="1">
+              <a:defRPr>
+                <a:solidFill>
+                  <a:schemeClr val="tx2"/>
+                </a:solidFill>
+              </a:defRPr>
+            </a:lvl6pPr>
+            <a:lvl7pPr eaLnBrk="1" hangingPunct="1">
+              <a:defRPr>
+                <a:solidFill>
+                  <a:schemeClr val="tx2"/>
+                </a:solidFill>
+              </a:defRPr>
+            </a:lvl7pPr>
+            <a:lvl8pPr eaLnBrk="1" hangingPunct="1">
+              <a:defRPr>
+                <a:solidFill>
+                  <a:schemeClr val="tx2"/>
+                </a:solidFill>
+              </a:defRPr>
+            </a:lvl8pPr>
+            <a:lvl9pPr eaLnBrk="1" hangingPunct="1">
+              <a:defRPr>
+                <a:solidFill>
+                  <a:schemeClr val="tx2"/>
+                </a:solidFill>
+              </a:defRPr>
+            </a:lvl9pPr>
+          </a:lstStyle>
+          <a:p>
+            <a:r>
+              <a:rPr lang="pt-PT" dirty="0"/>
+              <a:t>Viabilidade do Sistema</a:t>
+            </a:r>
+          </a:p>
+        </p:txBody>
+      </p:sp>
+      <p:sp>
+        <p:nvSpPr>
+          <p:cNvPr id="4" name="CaixaDeTexto 3">
+            <a:extLst>
+              <a:ext uri="{FF2B5EF4-FFF2-40B4-BE49-F238E27FC236}">
+                <a16:creationId xmlns:a16="http://schemas.microsoft.com/office/drawing/2014/main" id="{94C4A52A-7267-416A-BBD5-F6C606723737}"/>
+              </a:ext>
+            </a:extLst>
+          </p:cNvPr>
+          <p:cNvSpPr txBox="1"/>
+          <p:nvPr/>
+        </p:nvSpPr>
+        <p:spPr>
+          <a:xfrm>
+            <a:off x="382920" y="1555708"/>
+            <a:ext cx="8987246" cy="4524315"/>
+          </a:xfrm>
+          <a:prstGeom prst="rect">
+            <a:avLst/>
+          </a:prstGeom>
+          <a:noFill/>
+        </p:spPr>
+        <p:txBody>
+          <a:bodyPr wrap="square" rtlCol="0">
+            <a:spAutoFit/>
+          </a:bodyPr>
+          <a:lstStyle/>
+          <a:p>
+            <a:pPr marL="342900" indent="-342900" algn="just">
+              <a:buFont typeface="Arial" panose="020B0604020202020204" pitchFamily="34" charset="0"/>
+              <a:buChar char="•"/>
+            </a:pPr>
+            <a:r>
+              <a:rPr lang="pt-PT" dirty="0"/>
+              <a:t>Um sistema ao domicílio 24/365 é um modelo de negócio cada vez mais comum (Amazon, KFC, </a:t>
+            </a:r>
+            <a:r>
+              <a:rPr lang="pt-PT" dirty="0" err="1"/>
+              <a:t>Burguer</a:t>
+            </a:r>
+            <a:r>
+              <a:rPr lang="pt-PT" dirty="0"/>
+              <a:t> King,…);</a:t>
+            </a:r>
+          </a:p>
+          <a:p>
+            <a:pPr marL="342900" indent="-342900" algn="just">
+              <a:buFont typeface="Arial" panose="020B0604020202020204" pitchFamily="34" charset="0"/>
+              <a:buChar char="•"/>
+            </a:pPr>
+            <a:endParaRPr lang="pt-PT" dirty="0"/>
+          </a:p>
+          <a:p>
+            <a:pPr marL="342900" indent="-342900" algn="just">
+              <a:buFont typeface="Arial" panose="020B0604020202020204" pitchFamily="34" charset="0"/>
+              <a:buChar char="•"/>
+            </a:pPr>
+            <a:r>
+              <a:rPr lang="pt-PT" dirty="0"/>
+              <a:t>Há cada vez mais abertura do cliente a novas formas de comércio;</a:t>
+            </a:r>
+          </a:p>
+          <a:p>
+            <a:pPr marL="342900" indent="-342900" algn="just">
+              <a:buFont typeface="Arial" panose="020B0604020202020204" pitchFamily="34" charset="0"/>
+              <a:buChar char="•"/>
+            </a:pPr>
+            <a:endParaRPr lang="pt-PT" dirty="0"/>
+          </a:p>
+          <a:p>
+            <a:pPr marL="342900" indent="-342900" algn="just">
+              <a:buFont typeface="Arial" panose="020B0604020202020204" pitchFamily="34" charset="0"/>
+              <a:buChar char="•"/>
+            </a:pPr>
+            <a:r>
+              <a:rPr lang="pt-PT" dirty="0"/>
+              <a:t>Um serviço de babysitting ao domicílio posiciona-se como uma opção de entrada num mercado estável;</a:t>
+            </a:r>
+          </a:p>
+          <a:p>
+            <a:pPr marL="342900" indent="-342900" algn="just">
+              <a:buFont typeface="Arial" panose="020B0604020202020204" pitchFamily="34" charset="0"/>
+              <a:buChar char="•"/>
+            </a:pPr>
+            <a:endParaRPr lang="pt-PT" dirty="0"/>
+          </a:p>
+          <a:p>
+            <a:pPr marL="342900" indent="-342900" algn="just">
+              <a:buFont typeface="Arial" panose="020B0604020202020204" pitchFamily="34" charset="0"/>
+              <a:buChar char="•"/>
+            </a:pPr>
+            <a:r>
+              <a:rPr lang="pt-PT" dirty="0"/>
+              <a:t>O estudo de mercado revelou grande recetividade à possibilidade de agendar um(a) </a:t>
+            </a:r>
+            <a:r>
+              <a:rPr lang="pt-PT" dirty="0" err="1"/>
+              <a:t>babysitter</a:t>
+            </a:r>
+            <a:r>
+              <a:rPr lang="pt-PT" dirty="0"/>
+              <a:t> a qualquer altura do dia;</a:t>
+            </a:r>
+          </a:p>
+          <a:p>
+            <a:pPr marL="342900" indent="-342900" algn="just">
+              <a:buFont typeface="Arial" panose="020B0604020202020204" pitchFamily="34" charset="0"/>
+              <a:buChar char="•"/>
+            </a:pPr>
+            <a:endParaRPr lang="pt-PT" dirty="0"/>
+          </a:p>
+          <a:p>
+            <a:pPr marL="342900" indent="-342900" algn="just">
+              <a:buFont typeface="Arial" panose="020B0604020202020204" pitchFamily="34" charset="0"/>
+              <a:buChar char="•"/>
+            </a:pPr>
+            <a:r>
+              <a:rPr lang="pt-PT" dirty="0"/>
+              <a:t>O serviço está associado a um lugar físico onde se podem conhecer os profissionais, o que aumenta a confiança por parte dos pais;</a:t>
+            </a:r>
+          </a:p>
+          <a:p>
+            <a:pPr marL="342900" indent="-342900" algn="just">
+              <a:buFont typeface="Arial" panose="020B0604020202020204" pitchFamily="34" charset="0"/>
+              <a:buChar char="•"/>
+            </a:pPr>
+            <a:endParaRPr lang="pt-PT" dirty="0"/>
+          </a:p>
+          <a:p>
+            <a:pPr marL="342900" indent="-342900" algn="just">
+              <a:buFont typeface="Arial" panose="020B0604020202020204" pitchFamily="34" charset="0"/>
+              <a:buChar char="•"/>
+            </a:pPr>
+            <a:r>
+              <a:rPr lang="pt-PT" dirty="0"/>
+              <a:t>Alguma potencial falta de confiança é compensada pela presença de avaliações pessoais.</a:t>
+            </a:r>
+          </a:p>
+        </p:txBody>
+      </p:sp>
+    </p:spTree>
+    <p:extLst>
+      <p:ext uri="{BB962C8B-B14F-4D97-AF65-F5344CB8AC3E}">
+        <p14:creationId xmlns:p14="http://schemas.microsoft.com/office/powerpoint/2010/main" val="1126145516"/>
+      </p:ext>
+    </p:extLst>
+  </p:cSld>
+  <p:clrMapOvr>
+    <a:masterClrMapping/>
+  </p:clrMapOvr>
+  <mc:AlternateContent xmlns:mc="http://schemas.openxmlformats.org/markup-compatibility/2006" xmlns:p14="http://schemas.microsoft.com/office/powerpoint/2010/main">
+    <mc:Choice Requires="p14">
+      <p:transition spd="med" p14:dur="700">
+        <p:fade/>
+      </p:transition>
+    </mc:Choice>
+    <mc:Fallback xmlns="">
+      <p:transition spd="med">
+        <p:fade/>
+      </p:transition>
+    </mc:Fallback>
+  </mc:AlternateContent>
+</p:sld>
+</file>
+
+<file path=ppt/slides/slide7.xml><?xml version="1.0" encoding="utf-8"?>
+<p:sld xmlns:a="http://schemas.openxmlformats.org/drawingml/2006/main" xmlns:r="http://schemas.openxmlformats.org/officeDocument/2006/relationships" xmlns:p="http://schemas.openxmlformats.org/presentationml/2006/main">
+  <p:cSld>
+    <p:spTree>
+      <p:nvGrpSpPr>
+        <p:cNvPr id="1" name=""/>
+        <p:cNvGrpSpPr/>
+        <p:nvPr/>
+      </p:nvGrpSpPr>
+      <p:grpSpPr>
+        <a:xfrm>
+          <a:off x="0" y="0"/>
+          <a:ext cx="0" cy="0"/>
+          <a:chOff x="0" y="0"/>
+          <a:chExt cx="0" cy="0"/>
+        </a:xfrm>
+      </p:grpSpPr>
+      <p:sp>
+        <p:nvSpPr>
           <p:cNvPr id="8" name="Título 1">
             <a:extLst>
               <a:ext uri="{FF2B5EF4-FFF2-40B4-BE49-F238E27FC236}">
@@ -9037,7 +9863,7 @@
         </p:nvGraphicFramePr>
         <p:xfrm>
           <a:off x="1117490" y="1945259"/>
-          <a:ext cx="7130040" cy="3298320"/>
+          <a:ext cx="7130040" cy="3385112"/>
         </p:xfrm>
         <a:graphic>
           <a:graphicData uri="http://schemas.openxmlformats.org/drawingml/2006/table">
@@ -9664,7 +10490,7 @@
 </p:sld>
 </file>
 
-<file path=ppt/slides/slide7.xml><?xml version="1.0" encoding="utf-8"?>
+<file path=ppt/slides/slide8.xml><?xml version="1.0" encoding="utf-8"?>
 <p:sld xmlns:a="http://schemas.openxmlformats.org/drawingml/2006/main" xmlns:r="http://schemas.openxmlformats.org/officeDocument/2006/relationships" xmlns:p="http://schemas.openxmlformats.org/presentationml/2006/main">
   <p:cSld>
     <p:spTree>
@@ -9970,7 +10796,7 @@
 </p:sld>
 </file>
 
-<file path=ppt/slides/slide8.xml><?xml version="1.0" encoding="utf-8"?>
+<file path=ppt/slides/slide9.xml><?xml version="1.0" encoding="utf-8"?>
 <p:sld xmlns:a="http://schemas.openxmlformats.org/drawingml/2006/main" xmlns:r="http://schemas.openxmlformats.org/officeDocument/2006/relationships" xmlns:p="http://schemas.openxmlformats.org/presentationml/2006/main">
   <p:cSld>
     <p:spTree>
@@ -10226,345 +11052,6 @@
     <p:extLst>
       <p:ext uri="{BB962C8B-B14F-4D97-AF65-F5344CB8AC3E}">
         <p14:creationId xmlns:p14="http://schemas.microsoft.com/office/powerpoint/2010/main" val="986252367"/>
-      </p:ext>
-    </p:extLst>
-  </p:cSld>
-  <p:clrMapOvr>
-    <a:masterClrMapping/>
-  </p:clrMapOvr>
-  <mc:AlternateContent xmlns:mc="http://schemas.openxmlformats.org/markup-compatibility/2006" xmlns:p14="http://schemas.microsoft.com/office/powerpoint/2010/main">
-    <mc:Choice Requires="p14">
-      <p:transition spd="med" p14:dur="700">
-        <p:fade/>
-      </p:transition>
-    </mc:Choice>
-    <mc:Fallback xmlns="">
-      <p:transition spd="med">
-        <p:fade/>
-      </p:transition>
-    </mc:Fallback>
-  </mc:AlternateContent>
-</p:sld>
-</file>
-
-<file path=ppt/slides/slide9.xml><?xml version="1.0" encoding="utf-8"?>
-<p:sld xmlns:a="http://schemas.openxmlformats.org/drawingml/2006/main" xmlns:r="http://schemas.openxmlformats.org/officeDocument/2006/relationships" xmlns:p="http://schemas.openxmlformats.org/presentationml/2006/main">
-  <p:cSld>
-    <p:spTree>
-      <p:nvGrpSpPr>
-        <p:cNvPr id="1" name=""/>
-        <p:cNvGrpSpPr/>
-        <p:nvPr/>
-      </p:nvGrpSpPr>
-      <p:grpSpPr>
-        <a:xfrm>
-          <a:off x="0" y="0"/>
-          <a:ext cx="0" cy="0"/>
-          <a:chOff x="0" y="0"/>
-          <a:chExt cx="0" cy="0"/>
-        </a:xfrm>
-      </p:grpSpPr>
-      <p:sp>
-        <p:nvSpPr>
-          <p:cNvPr id="6" name="Título 1">
-            <a:extLst>
-              <a:ext uri="{FF2B5EF4-FFF2-40B4-BE49-F238E27FC236}">
-                <a16:creationId xmlns:a16="http://schemas.microsoft.com/office/drawing/2014/main" id="{6312B0E3-8AB8-4FDB-ABB6-4C51F617C274}"/>
-              </a:ext>
-            </a:extLst>
-          </p:cNvPr>
-          <p:cNvSpPr txBox="1">
-            <a:spLocks/>
-          </p:cNvSpPr>
-          <p:nvPr/>
-        </p:nvSpPr>
-        <p:spPr>
-          <a:xfrm>
-            <a:off x="283967" y="234908"/>
-            <a:ext cx="9147416" cy="1320800"/>
-          </a:xfrm>
-          <a:prstGeom prst="rect">
-            <a:avLst/>
-          </a:prstGeom>
-        </p:spPr>
-        <p:txBody>
-          <a:bodyPr/>
-          <a:lstStyle>
-            <a:lvl1pPr algn="l" defTabSz="457200" rtl="0" eaLnBrk="1" latinLnBrk="0" hangingPunct="1">
-              <a:spcBef>
-                <a:spcPct val="0"/>
-              </a:spcBef>
-              <a:buNone/>
-              <a:defRPr sz="3600" kern="1200">
-                <a:solidFill>
-                  <a:schemeClr val="accent1"/>
-                </a:solidFill>
-                <a:latin typeface="+mj-lt"/>
-                <a:ea typeface="+mj-ea"/>
-                <a:cs typeface="+mj-cs"/>
-              </a:defRPr>
-            </a:lvl1pPr>
-            <a:lvl2pPr eaLnBrk="1" hangingPunct="1">
-              <a:defRPr>
-                <a:solidFill>
-                  <a:schemeClr val="tx2"/>
-                </a:solidFill>
-              </a:defRPr>
-            </a:lvl2pPr>
-            <a:lvl3pPr eaLnBrk="1" hangingPunct="1">
-              <a:defRPr>
-                <a:solidFill>
-                  <a:schemeClr val="tx2"/>
-                </a:solidFill>
-              </a:defRPr>
-            </a:lvl3pPr>
-            <a:lvl4pPr eaLnBrk="1" hangingPunct="1">
-              <a:defRPr>
-                <a:solidFill>
-                  <a:schemeClr val="tx2"/>
-                </a:solidFill>
-              </a:defRPr>
-            </a:lvl4pPr>
-            <a:lvl5pPr eaLnBrk="1" hangingPunct="1">
-              <a:defRPr>
-                <a:solidFill>
-                  <a:schemeClr val="tx2"/>
-                </a:solidFill>
-              </a:defRPr>
-            </a:lvl5pPr>
-            <a:lvl6pPr eaLnBrk="1" hangingPunct="1">
-              <a:defRPr>
-                <a:solidFill>
-                  <a:schemeClr val="tx2"/>
-                </a:solidFill>
-              </a:defRPr>
-            </a:lvl6pPr>
-            <a:lvl7pPr eaLnBrk="1" hangingPunct="1">
-              <a:defRPr>
-                <a:solidFill>
-                  <a:schemeClr val="tx2"/>
-                </a:solidFill>
-              </a:defRPr>
-            </a:lvl7pPr>
-            <a:lvl8pPr eaLnBrk="1" hangingPunct="1">
-              <a:defRPr>
-                <a:solidFill>
-                  <a:schemeClr val="tx2"/>
-                </a:solidFill>
-              </a:defRPr>
-            </a:lvl8pPr>
-            <a:lvl9pPr eaLnBrk="1" hangingPunct="1">
-              <a:defRPr>
-                <a:solidFill>
-                  <a:schemeClr val="tx2"/>
-                </a:solidFill>
-              </a:defRPr>
-            </a:lvl9pPr>
-          </a:lstStyle>
-          <a:p>
-            <a:r>
-              <a:rPr lang="pt-PT" dirty="0"/>
-              <a:t>Medidas de Sucesso</a:t>
-            </a:r>
-          </a:p>
-        </p:txBody>
-      </p:sp>
-      <p:sp>
-        <p:nvSpPr>
-          <p:cNvPr id="3" name="CaixaDeTexto 2">
-            <a:extLst>
-              <a:ext uri="{FF2B5EF4-FFF2-40B4-BE49-F238E27FC236}">
-                <a16:creationId xmlns:a16="http://schemas.microsoft.com/office/drawing/2014/main" id="{5CEAC276-E573-427B-ADBC-CD1A66F0D157}"/>
-              </a:ext>
-            </a:extLst>
-          </p:cNvPr>
-          <p:cNvSpPr txBox="1"/>
-          <p:nvPr/>
-        </p:nvSpPr>
-        <p:spPr>
-          <a:xfrm>
-            <a:off x="444137" y="1348800"/>
-            <a:ext cx="8987246" cy="5509200"/>
-          </a:xfrm>
-          <a:prstGeom prst="rect">
-            <a:avLst/>
-          </a:prstGeom>
-          <a:noFill/>
-        </p:spPr>
-        <p:txBody>
-          <a:bodyPr wrap="square" rtlCol="0">
-            <a:spAutoFit/>
-          </a:bodyPr>
-          <a:lstStyle/>
-          <a:p>
-            <a:pPr marL="285750" lvl="0" indent="-285750" algn="just">
-              <a:buFont typeface="Arial" panose="020B0604020202020204" pitchFamily="34" charset="0"/>
-              <a:buChar char="•"/>
-            </a:pPr>
-            <a:r>
-              <a:rPr lang="pt-PT" sz="1600" dirty="0"/>
-              <a:t>Todas as etapas do processo de desenvolvimento devem cumprir os prazos estabelecidos;</a:t>
-            </a:r>
-          </a:p>
-          <a:p>
-            <a:pPr marL="285750" lvl="0" indent="-285750" algn="just">
-              <a:buFont typeface="Arial" panose="020B0604020202020204" pitchFamily="34" charset="0"/>
-              <a:buChar char="•"/>
-            </a:pPr>
-            <a:endParaRPr lang="pt-PT" sz="1600" dirty="0"/>
-          </a:p>
-          <a:p>
-            <a:pPr marL="285750" lvl="0" indent="-285750" algn="just">
-              <a:buFont typeface="Arial" panose="020B0604020202020204" pitchFamily="34" charset="0"/>
-              <a:buChar char="•"/>
-            </a:pPr>
-            <a:r>
-              <a:rPr lang="pt-PT" sz="1600" dirty="0"/>
-              <a:t>Todos os requisitos identificados devem estar presentes na aplicação final;</a:t>
-            </a:r>
-          </a:p>
-          <a:p>
-            <a:pPr marL="285750" lvl="0" indent="-285750" algn="just">
-              <a:buFont typeface="Arial" panose="020B0604020202020204" pitchFamily="34" charset="0"/>
-              <a:buChar char="•"/>
-            </a:pPr>
-            <a:endParaRPr lang="pt-PT" sz="1600" dirty="0"/>
-          </a:p>
-          <a:p>
-            <a:pPr marL="285750" lvl="0" indent="-285750" algn="just">
-              <a:buFont typeface="Arial" panose="020B0604020202020204" pitchFamily="34" charset="0"/>
-              <a:buChar char="•"/>
-            </a:pPr>
-            <a:r>
-              <a:rPr lang="pt-PT" sz="1600" dirty="0"/>
-              <a:t>Verificar escalabilidade do sistema para outros infantários;</a:t>
-            </a:r>
-          </a:p>
-          <a:p>
-            <a:pPr marL="285750" lvl="0" indent="-285750" algn="just">
-              <a:buFont typeface="Arial" panose="020B0604020202020204" pitchFamily="34" charset="0"/>
-              <a:buChar char="•"/>
-            </a:pPr>
-            <a:endParaRPr lang="pt-PT" sz="1600" dirty="0"/>
-          </a:p>
-          <a:p>
-            <a:pPr marL="285750" lvl="0" indent="-285750" algn="just">
-              <a:buFont typeface="Arial" panose="020B0604020202020204" pitchFamily="34" charset="0"/>
-              <a:buChar char="•"/>
-            </a:pPr>
-            <a:r>
-              <a:rPr lang="pt-PT" sz="1600" dirty="0"/>
-              <a:t>Utilização fácil e frequente da aplicação pelos utilizadores alvo, com um crescimento consecutivo no número de usos da plataforma durante o primeiro ano;</a:t>
-            </a:r>
-          </a:p>
-          <a:p>
-            <a:pPr marL="285750" lvl="0" indent="-285750" algn="just">
-              <a:buFont typeface="Arial" panose="020B0604020202020204" pitchFamily="34" charset="0"/>
-              <a:buChar char="•"/>
-            </a:pPr>
-            <a:endParaRPr lang="pt-PT" sz="1600" dirty="0"/>
-          </a:p>
-          <a:p>
-            <a:pPr marL="285750" lvl="0" indent="-285750" algn="just">
-              <a:buFont typeface="Arial" panose="020B0604020202020204" pitchFamily="34" charset="0"/>
-              <a:buChar char="•"/>
-            </a:pPr>
-            <a:r>
-              <a:rPr lang="pt-PT" sz="1600" dirty="0"/>
-              <a:t>Permitir aos utilizadores o agendamento do serviço por um intervalo de tempo variável;</a:t>
-            </a:r>
-          </a:p>
-          <a:p>
-            <a:pPr marL="285750" lvl="0" indent="-285750" algn="just">
-              <a:buFont typeface="Arial" panose="020B0604020202020204" pitchFamily="34" charset="0"/>
-              <a:buChar char="•"/>
-            </a:pPr>
-            <a:endParaRPr lang="pt-PT" sz="1600" dirty="0"/>
-          </a:p>
-          <a:p>
-            <a:pPr marL="285750" lvl="0" indent="-285750" algn="just">
-              <a:buFont typeface="Arial" panose="020B0604020202020204" pitchFamily="34" charset="0"/>
-              <a:buChar char="•"/>
-            </a:pPr>
-            <a:r>
-              <a:rPr lang="pt-PT" sz="1600" dirty="0"/>
-              <a:t>Este agendamento também é extensível, oferecendo a possibilidade da prestação da atividade em horários em que os serviços convencionais não estão ativos;</a:t>
-            </a:r>
-          </a:p>
-          <a:p>
-            <a:pPr marL="285750" lvl="0" indent="-285750" algn="just">
-              <a:buFont typeface="Arial" panose="020B0604020202020204" pitchFamily="34" charset="0"/>
-              <a:buChar char="•"/>
-            </a:pPr>
-            <a:endParaRPr lang="pt-PT" sz="1600" dirty="0"/>
-          </a:p>
-          <a:p>
-            <a:pPr marL="285750" lvl="0" indent="-285750" algn="just">
-              <a:buFont typeface="Arial" panose="020B0604020202020204" pitchFamily="34" charset="0"/>
-              <a:buChar char="•"/>
-            </a:pPr>
-            <a:r>
-              <a:rPr lang="pt-PT" sz="1600" dirty="0"/>
-              <a:t>Liberar os usuários do transtorno da deslocação aos infantários, para trazer os filhos de volta a casa;</a:t>
-            </a:r>
-          </a:p>
-          <a:p>
-            <a:pPr marL="285750" lvl="0" indent="-285750" algn="just">
-              <a:buFont typeface="Arial" panose="020B0604020202020204" pitchFamily="34" charset="0"/>
-              <a:buChar char="•"/>
-            </a:pPr>
-            <a:endParaRPr lang="pt-PT" sz="1600" dirty="0"/>
-          </a:p>
-          <a:p>
-            <a:pPr marL="285750" lvl="0" indent="-285750" algn="just">
-              <a:buFont typeface="Arial" panose="020B0604020202020204" pitchFamily="34" charset="0"/>
-              <a:buChar char="•"/>
-            </a:pPr>
-            <a:r>
-              <a:rPr lang="pt-PT" sz="1600" dirty="0"/>
-              <a:t>Oferecer um método de pagamento homogéneo;</a:t>
-            </a:r>
-          </a:p>
-          <a:p>
-            <a:pPr marL="285750" lvl="0" indent="-285750" algn="just">
-              <a:buFont typeface="Arial" panose="020B0604020202020204" pitchFamily="34" charset="0"/>
-              <a:buChar char="•"/>
-            </a:pPr>
-            <a:endParaRPr lang="pt-PT" sz="1600" dirty="0"/>
-          </a:p>
-          <a:p>
-            <a:pPr marL="285750" lvl="0" indent="-285750" algn="just">
-              <a:buFont typeface="Arial" panose="020B0604020202020204" pitchFamily="34" charset="0"/>
-              <a:buChar char="•"/>
-            </a:pPr>
-            <a:r>
-              <a:rPr lang="pt-PT" sz="1600" dirty="0"/>
-              <a:t>Garantir uma maior viabilidade do projeto através de um sistema de avaliação.</a:t>
-            </a:r>
-          </a:p>
-          <a:p>
-            <a:pPr marL="285750" lvl="0" indent="-285750" algn="just">
-              <a:buFont typeface="Arial" panose="020B0604020202020204" pitchFamily="34" charset="0"/>
-              <a:buChar char="•"/>
-            </a:pPr>
-            <a:endParaRPr lang="pt-PT" sz="1600" dirty="0"/>
-          </a:p>
-          <a:p>
-            <a:pPr marL="285750" lvl="0" indent="-285750" algn="just">
-              <a:buFont typeface="Arial" panose="020B0604020202020204" pitchFamily="34" charset="0"/>
-              <a:buChar char="•"/>
-            </a:pPr>
-            <a:r>
-              <a:rPr lang="pt-PT" sz="1600" dirty="0"/>
-              <a:t>Funcionar 24h, 365 dias por ano!</a:t>
-            </a:r>
-          </a:p>
-        </p:txBody>
-      </p:sp>
-    </p:spTree>
-    <p:extLst>
-      <p:ext uri="{BB962C8B-B14F-4D97-AF65-F5344CB8AC3E}">
-        <p14:creationId xmlns:p14="http://schemas.microsoft.com/office/powerpoint/2010/main" val="2693624878"/>
       </p:ext>
     </p:extLst>
   </p:cSld>

--- a/relatorio/LI4.pptx
+++ b/relatorio/LI4.pptx
@@ -6858,7 +6858,7 @@
         </p:nvSpPr>
         <p:spPr>
           <a:xfrm>
-            <a:off x="444137" y="1348800"/>
+            <a:off x="444137" y="1237963"/>
             <a:ext cx="8987246" cy="5509200"/>
           </a:xfrm>
           <a:prstGeom prst="rect">
@@ -8608,6 +8608,11 @@
           </a:bodyPr>
           <a:lstStyle/>
           <a:p>
+            <a:pPr>
+              <a:lnSpc>
+                <a:spcPct val="150000"/>
+              </a:lnSpc>
+            </a:pPr>
             <a:r>
               <a:rPr lang="pt-PT" sz="2000" dirty="0">
                 <a:solidFill>
@@ -8618,6 +8623,11 @@
             </a:r>
           </a:p>
           <a:p>
+            <a:pPr>
+              <a:lnSpc>
+                <a:spcPct val="150000"/>
+              </a:lnSpc>
+            </a:pPr>
             <a:r>
               <a:rPr lang="pt-PT" sz="2000" b="1" dirty="0">
                 <a:solidFill>
@@ -8628,6 +8638,11 @@
             </a:r>
           </a:p>
           <a:p>
+            <a:pPr>
+              <a:lnSpc>
+                <a:spcPct val="150000"/>
+              </a:lnSpc>
+            </a:pPr>
             <a:r>
               <a:rPr lang="pt-PT" sz="2000" dirty="0">
                 <a:solidFill>
@@ -8638,6 +8653,11 @@
             </a:r>
           </a:p>
           <a:p>
+            <a:pPr>
+              <a:lnSpc>
+                <a:spcPct val="150000"/>
+              </a:lnSpc>
+            </a:pPr>
             <a:r>
               <a:rPr lang="pt-PT" sz="2000" dirty="0">
                 <a:solidFill>
@@ -8648,6 +8668,11 @@
             </a:r>
           </a:p>
           <a:p>
+            <a:pPr>
+              <a:lnSpc>
+                <a:spcPct val="150000"/>
+              </a:lnSpc>
+            </a:pPr>
             <a:r>
               <a:rPr lang="pt-PT" sz="2000" dirty="0">
                 <a:solidFill>
@@ -8658,6 +8683,11 @@
             </a:r>
           </a:p>
           <a:p>
+            <a:pPr>
+              <a:lnSpc>
+                <a:spcPct val="150000"/>
+              </a:lnSpc>
+            </a:pPr>
             <a:r>
               <a:rPr lang="pt-PT" sz="2000" dirty="0">
                 <a:solidFill>
@@ -8668,6 +8698,11 @@
             </a:r>
           </a:p>
           <a:p>
+            <a:pPr>
+              <a:lnSpc>
+                <a:spcPct val="150000"/>
+              </a:lnSpc>
+            </a:pPr>
             <a:r>
               <a:rPr lang="pt-PT" sz="2000" dirty="0">
                 <a:solidFill>
@@ -8678,6 +8713,11 @@
             </a:r>
           </a:p>
           <a:p>
+            <a:pPr>
+              <a:lnSpc>
+                <a:spcPct val="150000"/>
+              </a:lnSpc>
+            </a:pPr>
             <a:r>
               <a:rPr lang="pt-PT" sz="2000" dirty="0">
                 <a:solidFill>
@@ -8839,7 +8879,7 @@
         <p:spPr>
           <a:xfrm>
             <a:off x="404948" y="1400499"/>
-            <a:ext cx="8987246" cy="4031873"/>
+            <a:ext cx="8987246" cy="4524315"/>
           </a:xfrm>
           <a:prstGeom prst="rect">
             <a:avLst/>
@@ -8875,7 +8915,19 @@
             </a:pPr>
             <a:r>
               <a:rPr lang="pt-PT" sz="1600" dirty="0"/>
-              <a:t>Aumenta a carga horária dos trabalhadores e isto gera um problema sério para quem tem filhos torna-se difícil arranjar alguém para tomar conta dos filho;</a:t>
+              <a:t>Aumenta a carga horária dos trabalhadores -&gt; </a:t>
+            </a:r>
+            <a:r>
+              <a:rPr lang="pt-PT" sz="1600" dirty="0">
+                <a:solidFill>
+                  <a:srgbClr val="FF0000"/>
+                </a:solidFill>
+              </a:rPr>
+              <a:t>problema sério </a:t>
+            </a:r>
+            <a:r>
+              <a:rPr lang="pt-PT" sz="1600" dirty="0"/>
+              <a:t>para quem tem filhos torna-se difícil arranjar alguém para tomar conta dos filho;</a:t>
             </a:r>
           </a:p>
           <a:p>
@@ -8892,10 +8944,46 @@
             </a:pPr>
             <a:r>
               <a:rPr lang="pt-PT" sz="1600" dirty="0"/>
-              <a:t>“Bebés &amp; Companhia” possui uma cadeia de infantários espalhados pela grande Lisboa, com o reparo que a maioria dos seus funcionários estão na faixa etária dos vinte e dispõem de tempo livre para horário extra, e estes viram aqui uma ótima oportunidade. Surge, assim, a ideia de fazer um serviço ao domicilio de </a:t>
-            </a:r>
-            <a:r>
-              <a:rPr lang="pt-PT" sz="1600" dirty="0" err="1"/>
+              <a:t>“Bebés &amp; Companhia” possui uma cadeia de infantários espalhados pela grande Lisboa: </a:t>
+            </a:r>
+          </a:p>
+          <a:p>
+            <a:r>
+              <a:rPr lang="pt-PT" sz="1600" dirty="0"/>
+              <a:t>			- maioria dos seus funcionários estão na faixa etária dos vinte </a:t>
+            </a:r>
+          </a:p>
+          <a:p>
+            <a:r>
+              <a:rPr lang="pt-PT" sz="1600" dirty="0"/>
+              <a:t>			- dispõem de tempo livre para horário extra</a:t>
+            </a:r>
+          </a:p>
+          <a:p>
+            <a:r>
+              <a:rPr lang="pt-PT" sz="1600" dirty="0"/>
+              <a:t>			- viram aqui uma ótima oportunidade. </a:t>
+            </a:r>
+          </a:p>
+          <a:p>
+            <a:r>
+              <a:rPr lang="pt-PT" sz="1600" dirty="0"/>
+              <a:t>			- </a:t>
+            </a:r>
+            <a:r>
+              <a:rPr lang="pt-PT" sz="1600" dirty="0">
+                <a:solidFill>
+                  <a:srgbClr val="FF0000"/>
+                </a:solidFill>
+              </a:rPr>
+              <a:t>Surge, assim, a ideia de fazer um serviço ao domicilio de </a:t>
+            </a:r>
+            <a:r>
+              <a:rPr lang="pt-PT" sz="1600" dirty="0" err="1">
+                <a:solidFill>
+                  <a:srgbClr val="FF0000"/>
+                </a:solidFill>
+              </a:rPr>
               <a:t>babysitting</a:t>
             </a:r>
             <a:r>
@@ -8913,7 +9001,25 @@
             </a:pPr>
             <a:r>
               <a:rPr lang="pt-PT" sz="1600" dirty="0"/>
-              <a:t>Realização de inquéritos: disposição para trabalhar horas extra, disponibilidade para horas tardias e para deslocações ao domicílio -&gt; Sem necessidade de contratação de agentes externos ao infantário;</a:t>
+              <a:t>Realização de inquéritos: </a:t>
+            </a:r>
+          </a:p>
+          <a:p>
+            <a:r>
+              <a:rPr lang="pt-PT" sz="1600" dirty="0"/>
+              <a:t>	- disposição para trabalhar horas extra</a:t>
+            </a:r>
+          </a:p>
+          <a:p>
+            <a:r>
+              <a:rPr lang="pt-PT" sz="1600" dirty="0"/>
+              <a:t>	- disponibilidade para horas tardias e para deslocações ao domicílio</a:t>
+            </a:r>
+          </a:p>
+          <a:p>
+            <a:r>
+              <a:rPr lang="pt-PT" sz="1600" dirty="0"/>
+              <a:t>	-&gt; Sem necessidade de contratação de agentes externos ao infantário!</a:t>
             </a:r>
           </a:p>
           <a:p>

--- a/relatorio/LI4.pptx
+++ b/relatorio/LI4.pptx
@@ -7873,28 +7873,28 @@
             </a:pPr>
             <a:r>
               <a:rPr lang="pt-PT" sz="1600" dirty="0"/>
-              <a:t>Nesta fase: -elaborar um modelo geral da ideia a desenvolver </a:t>
+              <a:t>Nesta fase: - elaborar um modelo geral da ideia a desenvolver </a:t>
             </a:r>
           </a:p>
           <a:p>
             <a:pPr lvl="0" algn="just"/>
             <a:r>
               <a:rPr lang="pt-PT" sz="1600" dirty="0"/>
-              <a:t>			  -esclarecer alguns pontos</a:t>
+              <a:t>			  - esclarecer alguns pontos</a:t>
             </a:r>
           </a:p>
           <a:p>
             <a:pPr lvl="0" algn="just"/>
             <a:r>
               <a:rPr lang="pt-PT" sz="1600" dirty="0"/>
-              <a:t>			  -medidas de sucesso e viabilidade</a:t>
+              <a:t>			  - medidas de sucesso e viabilidade</a:t>
             </a:r>
           </a:p>
           <a:p>
             <a:pPr lvl="0" algn="just"/>
             <a:r>
               <a:rPr lang="pt-PT" sz="1600" dirty="0"/>
-              <a:t>			  -analisar os recursos necessários associados ao serviço. </a:t>
+              <a:t>			  - analisar os recursos necessários associados ao serviço. </a:t>
             </a:r>
           </a:p>
           <a:p>
@@ -7957,21 +7957,29 @@
             </a:pPr>
             <a:r>
               <a:rPr lang="pt-PT" sz="1600" dirty="0"/>
-              <a:t>Trabalho futuro: -definir os requisitos do sistema </a:t>
+              <a:t>Trabalho futuro: - definir os requisitos do sistema </a:t>
             </a:r>
           </a:p>
           <a:p>
             <a:pPr lvl="1" algn="just"/>
             <a:r>
               <a:rPr lang="pt-PT" sz="1600" dirty="0"/>
-              <a:t>			   -avançar com a arquitetura UML </a:t>
+              <a:t>			   - avançar com a arquitetura UML </a:t>
             </a:r>
           </a:p>
           <a:p>
             <a:pPr lvl="1" algn="just"/>
             <a:r>
               <a:rPr lang="pt-PT" sz="1600" dirty="0"/>
-              <a:t>		          -desenvolvimento da base de dados</a:t>
+              <a:t>		</a:t>
+            </a:r>
+            <a:r>
+              <a:rPr lang="pt-PT" sz="1600"/>
+              <a:t>          - desenvolvimento </a:t>
+            </a:r>
+            <a:r>
+              <a:rPr lang="pt-PT" sz="1600" dirty="0"/>
+              <a:t>da base de dados</a:t>
             </a:r>
           </a:p>
           <a:p>
@@ -8629,7 +8637,7 @@
               </a:lnSpc>
             </a:pPr>
             <a:r>
-              <a:rPr lang="pt-PT" sz="2000" b="1" dirty="0">
+              <a:rPr lang="pt-PT" sz="2000" dirty="0">
                 <a:solidFill>
                   <a:schemeClr val="tx1"/>
                 </a:solidFill>
@@ -9698,7 +9706,7 @@
             </a:r>
             <a:r>
               <a:rPr lang="pt-PT" dirty="0" err="1"/>
-              <a:t>Burguer</a:t>
+              <a:t>Burger</a:t>
             </a:r>
             <a:r>
               <a:rPr lang="pt-PT" dirty="0"/>

--- a/relatorio/LI4.pptx
+++ b/relatorio/LI4.pptx
@@ -211,7 +211,7 @@
           <a:p>
             <a:fld id="{FC77EE40-E473-4F3B-ABB7-4026700F0D66}" type="datetimeFigureOut">
               <a:rPr lang="pt-PT" smtClean="0"/>
-              <a:t>13/03/2018</a:t>
+              <a:t>13-03-2018</a:t>
             </a:fld>
             <a:endParaRPr lang="pt-PT"/>
           </a:p>
@@ -369,7 +369,7 @@
           <a:p>
             <a:fld id="{F2D13AFA-C489-4F08-BBC3-E69A09335FB4}" type="slidenum">
               <a:rPr lang="pt-PT" smtClean="0"/>
-              <a:t>‹nº›</a:t>
+              <a:t>‹#›</a:t>
             </a:fld>
             <a:endParaRPr lang="pt-PT"/>
           </a:p>
@@ -1328,7 +1328,7 @@
             <a:fld id="{D57F1E4F-1CFF-5643-939E-217C01CDF565}" type="slidenum">
               <a:rPr lang="en-US" dirty="0"/>
               <a:pPr/>
-              <a:t>‹nº›</a:t>
+              <a:t>‹#›</a:t>
             </a:fld>
             <a:endParaRPr lang="en-US" dirty="0"/>
           </a:p>
@@ -1576,7 +1576,7 @@
             <a:fld id="{D57F1E4F-1CFF-5643-939E-217C01CDF565}" type="slidenum">
               <a:rPr lang="en-US" dirty="0"/>
               <a:pPr/>
-              <a:t>‹nº›</a:t>
+              <a:t>‹#›</a:t>
             </a:fld>
             <a:endParaRPr lang="en-US" dirty="0"/>
           </a:p>
@@ -1887,7 +1887,7 @@
             <a:fld id="{D57F1E4F-1CFF-5643-939E-217C01CDF565}" type="slidenum">
               <a:rPr lang="en-US" dirty="0"/>
               <a:pPr/>
-              <a:t>‹nº›</a:t>
+              <a:t>‹#›</a:t>
             </a:fld>
             <a:endParaRPr lang="en-US" dirty="0"/>
           </a:p>
@@ -2225,7 +2225,7 @@
             <a:fld id="{D57F1E4F-1CFF-5643-939E-217C01CDF565}" type="slidenum">
               <a:rPr lang="en-US" dirty="0"/>
               <a:pPr/>
-              <a:t>‹nº›</a:t>
+              <a:t>‹#›</a:t>
             </a:fld>
             <a:endParaRPr lang="en-US" dirty="0"/>
           </a:p>
@@ -2536,7 +2536,7 @@
             <a:fld id="{D57F1E4F-1CFF-5643-939E-217C01CDF565}" type="slidenum">
               <a:rPr lang="en-US" dirty="0"/>
               <a:pPr/>
-              <a:t>‹nº›</a:t>
+              <a:t>‹#›</a:t>
             </a:fld>
             <a:endParaRPr lang="en-US" dirty="0"/>
           </a:p>
@@ -2926,7 +2926,7 @@
             <a:fld id="{D57F1E4F-1CFF-5643-939E-217C01CDF565}" type="slidenum">
               <a:rPr lang="en-US" dirty="0"/>
               <a:pPr/>
-              <a:t>‹nº›</a:t>
+              <a:t>‹#›</a:t>
             </a:fld>
             <a:endParaRPr lang="en-US" dirty="0"/>
           </a:p>
@@ -3091,7 +3091,7 @@
           <a:p>
             <a:fld id="{89333C77-0158-454C-844F-B7AB9BD7DAD4}" type="slidenum">
               <a:rPr lang="en-US" dirty="0"/>
-              <a:t>‹nº›</a:t>
+              <a:t>‹#›</a:t>
             </a:fld>
             <a:endParaRPr lang="en-US" dirty="0"/>
           </a:p>
@@ -3268,7 +3268,7 @@
             <a:fld id="{D57F1E4F-1CFF-5643-939E-217C01CDF565}" type="slidenum">
               <a:rPr lang="en-US" dirty="0"/>
               <a:pPr/>
-              <a:t>‹nº›</a:t>
+              <a:t>‹#›</a:t>
             </a:fld>
             <a:endParaRPr lang="en-US" dirty="0"/>
           </a:p>
@@ -3441,7 +3441,7 @@
             <a:fld id="{D57F1E4F-1CFF-5643-939E-217C01CDF565}" type="slidenum">
               <a:rPr lang="en-US" dirty="0"/>
               <a:pPr/>
-              <a:t>‹nº›</a:t>
+              <a:t>‹#›</a:t>
             </a:fld>
             <a:endParaRPr lang="en-US" dirty="0"/>
           </a:p>
@@ -3685,7 +3685,7 @@
             <a:fld id="{D57F1E4F-1CFF-5643-939E-217C01CDF565}" type="slidenum">
               <a:rPr lang="en-US" dirty="0"/>
               <a:pPr/>
-              <a:t>‹nº›</a:t>
+              <a:t>‹#›</a:t>
             </a:fld>
             <a:endParaRPr lang="en-US" dirty="0"/>
           </a:p>
@@ -3912,7 +3912,7 @@
           <a:p>
             <a:fld id="{6FF9F0C5-380F-41C2-899A-BAC0F0927E16}" type="slidenum">
               <a:rPr lang="en-US" dirty="0"/>
-              <a:t>‹nº›</a:t>
+              <a:t>‹#›</a:t>
             </a:fld>
             <a:endParaRPr lang="en-US" dirty="0"/>
           </a:p>
@@ -4283,7 +4283,7 @@
             <a:fld id="{D57F1E4F-1CFF-5643-939E-217C01CDF565}" type="slidenum">
               <a:rPr lang="en-US" dirty="0"/>
               <a:pPr/>
-              <a:t>‹nº›</a:t>
+              <a:t>‹#›</a:t>
             </a:fld>
             <a:endParaRPr lang="en-US" dirty="0"/>
           </a:p>
@@ -4403,7 +4403,7 @@
             <a:fld id="{D57F1E4F-1CFF-5643-939E-217C01CDF565}" type="slidenum">
               <a:rPr lang="en-US" dirty="0"/>
               <a:pPr/>
-              <a:t>‹nº›</a:t>
+              <a:t>‹#›</a:t>
             </a:fld>
             <a:endParaRPr lang="en-US" dirty="0"/>
           </a:p>
@@ -4495,7 +4495,7 @@
             <a:fld id="{D57F1E4F-1CFF-5643-939E-217C01CDF565}" type="slidenum">
               <a:rPr lang="en-US" dirty="0"/>
               <a:pPr/>
-              <a:t>‹nº›</a:t>
+              <a:t>‹#›</a:t>
             </a:fld>
             <a:endParaRPr lang="en-US" dirty="0"/>
           </a:p>
@@ -4745,7 +4745,7 @@
           <a:p>
             <a:fld id="{519954A3-9DFD-4C44-94BA-B95130A3BA1C}" type="slidenum">
               <a:rPr lang="en-US" dirty="0"/>
-              <a:t>‹nº›</a:t>
+              <a:t>‹#›</a:t>
             </a:fld>
             <a:endParaRPr lang="en-US" dirty="0"/>
           </a:p>
@@ -5005,7 +5005,7 @@
             <a:fld id="{D57F1E4F-1CFF-5643-939E-217C01CDF565}" type="slidenum">
               <a:rPr lang="en-US" dirty="0"/>
               <a:pPr/>
-              <a:t>‹nº›</a:t>
+              <a:t>‹#›</a:t>
             </a:fld>
             <a:endParaRPr lang="en-US" dirty="0"/>
           </a:p>
@@ -5779,7 +5779,7 @@
             <a:fld id="{D57F1E4F-1CFF-5643-939E-217C01CDF565}" type="slidenum">
               <a:rPr lang="en-US" dirty="0"/>
               <a:pPr/>
-              <a:t>‹nº›</a:t>
+              <a:t>‹#›</a:t>
             </a:fld>
             <a:endParaRPr lang="en-US" dirty="0"/>
           </a:p>
@@ -6719,6 +6719,13 @@
       </p:transition>
     </mc:Fallback>
   </mc:AlternateContent>
+  <p:timing>
+    <p:tnLst>
+      <p:par>
+        <p:cTn id="1" dur="indefinite" restart="never" nodeType="tmRoot"/>
+      </p:par>
+    </p:tnLst>
+  </p:timing>
 </p:sld>
 </file>
 
@@ -6878,7 +6885,31 @@
             </a:pPr>
             <a:r>
               <a:rPr lang="pt-PT" sz="1600" dirty="0"/>
-              <a:t>Todas as etapas do processo de desenvolvimento devem cumprir os prazos estabelecidos;</a:t>
+              <a:t>Todas as etapas do processo de desenvolvimento devem cumprir os </a:t>
+            </a:r>
+            <a:r>
+              <a:rPr lang="pt-PT" sz="1600" b="1" dirty="0">
+                <a:solidFill>
+                  <a:schemeClr val="accent2"/>
+                </a:solidFill>
+              </a:rPr>
+              <a:t>prazos</a:t>
+            </a:r>
+            <a:r>
+              <a:rPr lang="pt-PT" sz="1600" dirty="0"/>
+              <a:t> </a:t>
+            </a:r>
+            <a:r>
+              <a:rPr lang="pt-PT" sz="1600" b="1" dirty="0">
+                <a:solidFill>
+                  <a:schemeClr val="accent2"/>
+                </a:solidFill>
+              </a:rPr>
+              <a:t>estabelecidos</a:t>
+            </a:r>
+            <a:r>
+              <a:rPr lang="pt-PT" sz="1600" dirty="0"/>
+              <a:t>;</a:t>
             </a:r>
           </a:p>
           <a:p>
@@ -6895,7 +6926,19 @@
             </a:pPr>
             <a:r>
               <a:rPr lang="pt-PT" sz="1600" dirty="0"/>
-              <a:t>Todos os requisitos identificados devem estar presentes na aplicação final;</a:t>
+              <a:t>Todos os </a:t>
+            </a:r>
+            <a:r>
+              <a:rPr lang="pt-PT" sz="1600" b="1" dirty="0">
+                <a:solidFill>
+                  <a:schemeClr val="accent2"/>
+                </a:solidFill>
+              </a:rPr>
+              <a:t>requisitos</a:t>
+            </a:r>
+            <a:r>
+              <a:rPr lang="pt-PT" sz="1600" dirty="0"/>
+              <a:t> identificados devem estar presentes na aplicação final;</a:t>
             </a:r>
           </a:p>
           <a:p>
@@ -6912,7 +6955,19 @@
             </a:pPr>
             <a:r>
               <a:rPr lang="pt-PT" sz="1600" dirty="0"/>
-              <a:t>Verificar escalabilidade do sistema para outros infantários;</a:t>
+              <a:t>Verificar </a:t>
+            </a:r>
+            <a:r>
+              <a:rPr lang="pt-PT" sz="1600" b="1" dirty="0">
+                <a:solidFill>
+                  <a:schemeClr val="accent2"/>
+                </a:solidFill>
+              </a:rPr>
+              <a:t>escalabilidade</a:t>
+            </a:r>
+            <a:r>
+              <a:rPr lang="pt-PT" sz="1600" dirty="0"/>
+              <a:t> do sistema para outros infantários;</a:t>
             </a:r>
           </a:p>
           <a:p>
@@ -6928,8 +6983,28 @@
               <a:buChar char="•"/>
             </a:pPr>
             <a:r>
+              <a:rPr lang="pt-PT" sz="1600" b="1" dirty="0">
+                <a:solidFill>
+                  <a:schemeClr val="accent2"/>
+                </a:solidFill>
+              </a:rPr>
+              <a:t>Utilização fácil e frequente </a:t>
+            </a:r>
+            <a:r>
               <a:rPr lang="pt-PT" sz="1600" dirty="0"/>
-              <a:t>Utilização fácil e frequente da aplicação pelos utilizadores alvo, com um crescimento consecutivo no número de usos da plataforma durante o primeiro ano;</a:t>
+              <a:t>da aplicação pelos utilizadores alvo, com um </a:t>
+            </a:r>
+            <a:r>
+              <a:rPr lang="pt-PT" sz="1600" b="1" dirty="0">
+                <a:solidFill>
+                  <a:schemeClr val="accent2"/>
+                </a:solidFill>
+              </a:rPr>
+              <a:t>crescimento consecutivo</a:t>
+            </a:r>
+            <a:r>
+              <a:rPr lang="pt-PT" sz="1600" dirty="0"/>
+              <a:t> no número de usos da plataforma durante o primeiro ano;</a:t>
             </a:r>
           </a:p>
           <a:p>
@@ -6946,7 +7021,19 @@
             </a:pPr>
             <a:r>
               <a:rPr lang="pt-PT" sz="1600" dirty="0"/>
-              <a:t>Permitir aos utilizadores o agendamento do serviço por um intervalo de tempo variável;</a:t>
+              <a:t>Permitir aos utilizadores o agendamento do serviço por um intervalo de </a:t>
+            </a:r>
+            <a:r>
+              <a:rPr lang="pt-PT" sz="1600" b="1" dirty="0">
+                <a:solidFill>
+                  <a:schemeClr val="accent2"/>
+                </a:solidFill>
+              </a:rPr>
+              <a:t>tempo variável</a:t>
+            </a:r>
+            <a:r>
+              <a:rPr lang="pt-PT" sz="1600" dirty="0"/>
+              <a:t>;</a:t>
             </a:r>
           </a:p>
           <a:p>
@@ -6963,7 +7050,19 @@
             </a:pPr>
             <a:r>
               <a:rPr lang="pt-PT" sz="1600" dirty="0"/>
-              <a:t>Este agendamento também é extensível, oferecendo a possibilidade da prestação da atividade em horários em que os serviços convencionais não estão ativos;</a:t>
+              <a:t>Este agendamento também é </a:t>
+            </a:r>
+            <a:r>
+              <a:rPr lang="pt-PT" sz="1600" b="1" dirty="0">
+                <a:solidFill>
+                  <a:schemeClr val="accent2"/>
+                </a:solidFill>
+              </a:rPr>
+              <a:t>extensível</a:t>
+            </a:r>
+            <a:r>
+              <a:rPr lang="pt-PT" sz="1600" dirty="0"/>
+              <a:t>, oferecendo a possibilidade da prestação da atividade em horários em que os serviços convencionais não estão ativos;</a:t>
             </a:r>
           </a:p>
           <a:p>
@@ -6980,7 +7079,19 @@
             </a:pPr>
             <a:r>
               <a:rPr lang="pt-PT" sz="1600" dirty="0"/>
-              <a:t>Liberar os usuários do transtorno da deslocação aos infantários, para trazer os filhos de volta a casa;</a:t>
+              <a:t>Liberar os usuários do </a:t>
+            </a:r>
+            <a:r>
+              <a:rPr lang="pt-PT" sz="1600" b="1" dirty="0">
+                <a:solidFill>
+                  <a:schemeClr val="accent2"/>
+                </a:solidFill>
+              </a:rPr>
+              <a:t>transtorno da deslocação </a:t>
+            </a:r>
+            <a:r>
+              <a:rPr lang="pt-PT" sz="1600" dirty="0"/>
+              <a:t>aos infantários, para trazer os filhos de volta a casa;</a:t>
             </a:r>
           </a:p>
           <a:p>
@@ -6997,7 +7108,19 @@
             </a:pPr>
             <a:r>
               <a:rPr lang="pt-PT" sz="1600" dirty="0"/>
-              <a:t>Oferecer um método de pagamento homogéneo;</a:t>
+              <a:t>Oferecer um método de </a:t>
+            </a:r>
+            <a:r>
+              <a:rPr lang="pt-PT" sz="1600" b="1" dirty="0">
+                <a:solidFill>
+                  <a:schemeClr val="accent2"/>
+                </a:solidFill>
+              </a:rPr>
+              <a:t>pagamento homogéneo</a:t>
+            </a:r>
+            <a:r>
+              <a:rPr lang="pt-PT" sz="1600" dirty="0"/>
+              <a:t>;</a:t>
             </a:r>
           </a:p>
           <a:p>
@@ -7014,7 +7137,19 @@
             </a:pPr>
             <a:r>
               <a:rPr lang="pt-PT" sz="1600" dirty="0"/>
-              <a:t>Garantir uma maior viabilidade do projeto através de um sistema de avaliação.</a:t>
+              <a:t>Garantir uma maior viabilidade do projeto através de um </a:t>
+            </a:r>
+            <a:r>
+              <a:rPr lang="pt-PT" sz="1600" b="1" dirty="0">
+                <a:solidFill>
+                  <a:schemeClr val="accent2"/>
+                </a:solidFill>
+              </a:rPr>
+              <a:t>sistema de avaliação</a:t>
+            </a:r>
+            <a:r>
+              <a:rPr lang="pt-PT" sz="1600" dirty="0"/>
+              <a:t>.</a:t>
             </a:r>
           </a:p>
           <a:p>
@@ -7030,8 +7165,16 @@
               <a:buChar char="•"/>
             </a:pPr>
             <a:r>
+              <a:rPr lang="pt-PT" sz="1600" b="1" dirty="0">
+                <a:solidFill>
+                  <a:schemeClr val="accent2"/>
+                </a:solidFill>
+              </a:rPr>
+              <a:t>Funcionar 24h, 365 dias por ano</a:t>
+            </a:r>
+            <a:r>
               <a:rPr lang="pt-PT" sz="1600" dirty="0"/>
-              <a:t>Funcionar 24h, 365 dias por ano!</a:t>
+              <a:t>!</a:t>
             </a:r>
           </a:p>
         </p:txBody>
@@ -7058,6 +7201,13 @@
       </p:transition>
     </mc:Fallback>
   </mc:AlternateContent>
+  <p:timing>
+    <p:tnLst>
+      <p:par>
+        <p:cTn id="1" dur="indefinite" restart="never" nodeType="tmRoot"/>
+      </p:par>
+    </p:tnLst>
+  </p:timing>
 </p:sld>
 </file>
 
@@ -7223,8 +7373,8 @@
         </p:blipFill>
         <p:spPr bwMode="auto">
           <a:xfrm>
-            <a:off x="1412221" y="1555707"/>
-            <a:ext cx="6627669" cy="3383845"/>
+            <a:off x="563038" y="1723658"/>
+            <a:ext cx="8868345" cy="4527852"/>
           </a:xfrm>
           <a:prstGeom prst="rect">
             <a:avLst/>
@@ -7276,6 +7426,13 @@
       </p:transition>
     </mc:Fallback>
   </mc:AlternateContent>
+  <p:timing>
+    <p:tnLst>
+      <p:par>
+        <p:cTn id="1" dur="indefinite" restart="never" nodeType="tmRoot"/>
+      </p:par>
+    </p:tnLst>
+  </p:timing>
 </p:sld>
 </file>
 
@@ -7441,8 +7598,8 @@
         </p:blipFill>
         <p:spPr bwMode="auto">
           <a:xfrm>
-            <a:off x="957263" y="1871662"/>
-            <a:ext cx="8152172" cy="1719263"/>
+            <a:off x="283967" y="2244886"/>
+            <a:ext cx="9643804" cy="2033843"/>
           </a:xfrm>
           <a:prstGeom prst="rect">
             <a:avLst/>
@@ -7482,6 +7639,13 @@
   <p:clrMapOvr>
     <a:masterClrMapping/>
   </p:clrMapOvr>
+  <p:timing>
+    <p:tnLst>
+      <p:par>
+        <p:cTn id="1" dur="indefinite" restart="never" nodeType="tmRoot"/>
+      </p:par>
+    </p:tnLst>
+  </p:timing>
 </p:sld>
 </file>
 
@@ -7647,8 +7811,8 @@
         </p:blipFill>
         <p:spPr bwMode="auto">
           <a:xfrm>
-            <a:off x="804863" y="2005013"/>
-            <a:ext cx="8613202" cy="1947862"/>
+            <a:off x="283966" y="2340914"/>
+            <a:ext cx="9452991" cy="2137779"/>
           </a:xfrm>
           <a:prstGeom prst="rect">
             <a:avLst/>
@@ -7688,6 +7852,13 @@
   <p:clrMapOvr>
     <a:masterClrMapping/>
   </p:clrMapOvr>
+  <p:timing>
+    <p:tnLst>
+      <p:par>
+        <p:cTn id="1" dur="indefinite" restart="never" nodeType="tmRoot"/>
+      </p:par>
+    </p:tnLst>
+  </p:timing>
 </p:sld>
 </file>
 
@@ -7873,7 +8044,31 @@
             </a:pPr>
             <a:r>
               <a:rPr lang="pt-PT" sz="1600" dirty="0"/>
-              <a:t>Nesta fase: -elaborar um modelo geral da ideia a desenvolver </a:t>
+              <a:t>Nesta fase: </a:t>
+            </a:r>
+            <a:r>
+              <a:rPr lang="pt-PT" sz="1600" b="1" dirty="0">
+                <a:solidFill>
+                  <a:schemeClr val="accent1"/>
+                </a:solidFill>
+              </a:rPr>
+              <a:t> </a:t>
+            </a:r>
+            <a:r>
+              <a:rPr lang="pt-PT" sz="1600" b="1" dirty="0" smtClean="0">
+                <a:solidFill>
+                  <a:schemeClr val="accent1"/>
+                </a:solidFill>
+              </a:rPr>
+              <a:t> </a:t>
+            </a:r>
+            <a:r>
+              <a:rPr lang="pt-PT" sz="1600" dirty="0" smtClean="0"/>
+              <a:t>-</a:t>
+            </a:r>
+            <a:r>
+              <a:rPr lang="pt-PT" sz="1600" dirty="0"/>
+              <a:t>elaborar um modelo geral da ideia a desenvolver </a:t>
             </a:r>
           </a:p>
           <a:p>
@@ -7957,7 +8152,15 @@
             </a:pPr>
             <a:r>
               <a:rPr lang="pt-PT" sz="1600" dirty="0"/>
-              <a:t>Trabalho futuro: -definir os requisitos do sistema </a:t>
+              <a:t>Trabalho futuro: </a:t>
+            </a:r>
+            <a:r>
+              <a:rPr lang="pt-PT" sz="1600" dirty="0" smtClean="0"/>
+              <a:t>   -</a:t>
+            </a:r>
+            <a:r>
+              <a:rPr lang="pt-PT" sz="1600" dirty="0"/>
+              <a:t>definir os requisitos do sistema </a:t>
             </a:r>
           </a:p>
           <a:p>
@@ -8002,7 +8205,19 @@
             </a:pPr>
             <a:r>
               <a:rPr lang="pt-PT" sz="1600" dirty="0"/>
-              <a:t>Acima de tudo, O grupo espera conseguir finalizar as próximas etapas e tirar proveito das mesmas, levando consigo conhecimentos úteis para a vida profissional futura. </a:t>
+              <a:t>Acima de tudo, O grupo espera conseguir finalizar as próximas etapas e tirar proveito das mesmas, levando consigo </a:t>
+            </a:r>
+            <a:r>
+              <a:rPr lang="pt-PT" sz="1600" b="1" dirty="0">
+                <a:solidFill>
+                  <a:schemeClr val="accent1"/>
+                </a:solidFill>
+              </a:rPr>
+              <a:t>conhecimentos úteis</a:t>
+            </a:r>
+            <a:r>
+              <a:rPr lang="pt-PT" sz="1600" dirty="0"/>
+              <a:t> para a vida profissional futura. </a:t>
             </a:r>
           </a:p>
           <a:p>
@@ -8043,6 +8258,13 @@
       </p:transition>
     </mc:Fallback>
   </mc:AlternateContent>
+  <p:timing>
+    <p:tnLst>
+      <p:par>
+        <p:cTn id="1" dur="indefinite" restart="never" nodeType="tmRoot"/>
+      </p:par>
+    </p:tnLst>
+  </p:timing>
 </p:sld>
 </file>
 
@@ -8560,6 +8782,13 @@
       </p:transition>
     </mc:Fallback>
   </mc:AlternateContent>
+  <p:timing>
+    <p:tnLst>
+      <p:par>
+        <p:cTn id="1" dur="indefinite" restart="never" nodeType="tmRoot"/>
+      </p:par>
+    </p:tnLst>
+  </p:timing>
 </p:sld>
 </file>
 
@@ -8629,13 +8858,26 @@
               </a:lnSpc>
             </a:pPr>
             <a:r>
-              <a:rPr lang="pt-PT" sz="2000" b="1" dirty="0">
+              <a:rPr lang="pt-PT" sz="2000" dirty="0">
                 <a:solidFill>
                   <a:schemeClr val="tx1"/>
                 </a:solidFill>
               </a:rPr>
-              <a:t>Motivação e Objetivos </a:t>
-            </a:r>
+              <a:t>Motivação e </a:t>
+            </a:r>
+            <a:r>
+              <a:rPr lang="pt-PT" sz="2000" dirty="0" smtClean="0">
+                <a:solidFill>
+                  <a:schemeClr val="tx1"/>
+                </a:solidFill>
+              </a:rPr>
+              <a:t>Objetivos</a:t>
+            </a:r>
+            <a:endParaRPr lang="pt-PT" sz="2000" dirty="0">
+              <a:solidFill>
+                <a:schemeClr val="tx1"/>
+              </a:solidFill>
+            </a:endParaRPr>
           </a:p>
           <a:p>
             <a:pPr>
@@ -8739,6 +8981,13 @@
   <p:clrMapOvr>
     <a:masterClrMapping/>
   </p:clrMapOvr>
+  <p:timing>
+    <p:tnLst>
+      <p:par>
+        <p:cTn id="1" dur="indefinite" restart="never" nodeType="tmRoot"/>
+      </p:par>
+    </p:tnLst>
+  </p:timing>
 </p:sld>
 </file>
 
@@ -8918,12 +9167,36 @@
               <a:t>Aumenta a carga horária dos trabalhadores -&gt; </a:t>
             </a:r>
             <a:r>
+              <a:rPr lang="pt-PT" sz="1600" b="1" dirty="0">
+                <a:solidFill>
+                  <a:schemeClr val="accent2"/>
+                </a:solidFill>
+              </a:rPr>
+              <a:t>problema</a:t>
+            </a:r>
+            <a:r>
               <a:rPr lang="pt-PT" sz="1600" dirty="0">
                 <a:solidFill>
                   <a:srgbClr val="FF0000"/>
                 </a:solidFill>
               </a:rPr>
-              <a:t>problema sério </a:t>
+              <a:t> </a:t>
+            </a:r>
+            <a:r>
+              <a:rPr lang="pt-PT" sz="1600" b="1" dirty="0">
+                <a:solidFill>
+                  <a:schemeClr val="accent2"/>
+                </a:solidFill>
+              </a:rPr>
+              <a:t>sério</a:t>
+            </a:r>
+            <a:r>
+              <a:rPr lang="pt-PT" sz="1600" dirty="0">
+                <a:solidFill>
+                  <a:srgbClr val="FF0000"/>
+                </a:solidFill>
+              </a:rPr>
+              <a:t> </a:t>
             </a:r>
             <a:r>
               <a:rPr lang="pt-PT" sz="1600" dirty="0"/>
@@ -8971,28 +9244,36 @@
               <a:t>			- </a:t>
             </a:r>
             <a:r>
-              <a:rPr lang="pt-PT" sz="1600" dirty="0">
-                <a:solidFill>
-                  <a:srgbClr val="FF0000"/>
+              <a:rPr lang="pt-PT" sz="1600" b="1" dirty="0">
+                <a:solidFill>
+                  <a:schemeClr val="accent2"/>
                 </a:solidFill>
               </a:rPr>
               <a:t>Surge, assim, a ideia de fazer um serviço ao domicilio de </a:t>
             </a:r>
             <a:r>
-              <a:rPr lang="pt-PT" sz="1600" dirty="0" err="1">
-                <a:solidFill>
-                  <a:srgbClr val="FF0000"/>
+              <a:rPr lang="pt-PT" sz="1600" b="1" dirty="0" err="1">
+                <a:solidFill>
+                  <a:schemeClr val="accent2"/>
                 </a:solidFill>
               </a:rPr>
               <a:t>babysitting</a:t>
             </a:r>
             <a:r>
-              <a:rPr lang="pt-PT" sz="1600" dirty="0"/>
+              <a:rPr lang="pt-PT" sz="1600" b="1" dirty="0">
+                <a:solidFill>
+                  <a:schemeClr val="accent2"/>
+                </a:solidFill>
+              </a:rPr>
               <a:t>; </a:t>
             </a:r>
           </a:p>
           <a:p>
-            <a:endParaRPr lang="pt-PT" sz="1600" dirty="0"/>
+            <a:endParaRPr lang="pt-PT" sz="1600" b="1" dirty="0">
+              <a:solidFill>
+                <a:schemeClr val="accent2"/>
+              </a:solidFill>
+            </a:endParaRPr>
           </a:p>
           <a:p>
             <a:pPr marL="342900" indent="-342900">
@@ -9059,6 +9340,13 @@
       </p:transition>
     </mc:Fallback>
   </mc:AlternateContent>
+  <p:timing>
+    <p:tnLst>
+      <p:par>
+        <p:cTn id="1" dur="indefinite" restart="never" nodeType="tmRoot"/>
+      </p:par>
+    </p:tnLst>
+  </p:timing>
 </p:sld>
 </file>
 
@@ -9113,7 +9401,31 @@
             </a:pPr>
             <a:r>
               <a:rPr lang="pt-PT" dirty="0"/>
-              <a:t>Dificuldade de encontrar alguém que seja responsável para tomar conta dos nossos filhos a horas tardias, ou a falta de disponibilidade dos infantários de tomar conta de crianças adoentadas;</a:t>
+              <a:t>Dificuldade de encontrar alguém que seja </a:t>
+            </a:r>
+            <a:r>
+              <a:rPr lang="pt-PT" b="1" dirty="0">
+                <a:solidFill>
+                  <a:schemeClr val="accent2"/>
+                </a:solidFill>
+              </a:rPr>
+              <a:t>responsável</a:t>
+            </a:r>
+            <a:r>
+              <a:rPr lang="pt-PT" dirty="0"/>
+              <a:t> para tomar conta dos nossos filhos a </a:t>
+            </a:r>
+            <a:r>
+              <a:rPr lang="pt-PT" b="1" dirty="0">
+                <a:solidFill>
+                  <a:schemeClr val="accent2"/>
+                </a:solidFill>
+              </a:rPr>
+              <a:t>horas tardias</a:t>
+            </a:r>
+            <a:r>
+              <a:rPr lang="pt-PT" dirty="0"/>
+              <a:t>, ou a falta de disponibilidade dos infantários de tomar conta de crianças adoentadas;</a:t>
             </a:r>
           </a:p>
           <a:p>
@@ -9130,7 +9442,19 @@
             </a:pPr>
             <a:r>
               <a:rPr lang="pt-PT" dirty="0"/>
-              <a:t>A inexistência de um sistema que permita a requisição de serviços de babysitting online, em Portugal;</a:t>
+              <a:t>A </a:t>
+            </a:r>
+            <a:r>
+              <a:rPr lang="pt-PT" b="1" dirty="0">
+                <a:solidFill>
+                  <a:schemeClr val="accent2"/>
+                </a:solidFill>
+              </a:rPr>
+              <a:t>inexistência</a:t>
+            </a:r>
+            <a:r>
+              <a:rPr lang="pt-PT" dirty="0"/>
+              <a:t> de um sistema que permita a requisição de serviços de babysitting online, em Portugal;</a:t>
             </a:r>
           </a:p>
           <a:p>
@@ -9147,7 +9471,55 @@
             </a:pPr>
             <a:r>
               <a:rPr lang="pt-PT" dirty="0"/>
-              <a:t>A maioria dos trabalhadores dos infantários Bebés &amp; Companhia possuem idade no intervalo dos vinte aos trinta. Têm mais facilidade e disponibilidade para trabalharem em horas não tão comuns;</a:t>
+              <a:t>A maioria dos trabalhadores dos infantários Bebés &amp; Companhia possuem </a:t>
+            </a:r>
+            <a:r>
+              <a:rPr lang="pt-PT" b="1" dirty="0">
+                <a:solidFill>
+                  <a:schemeClr val="accent2"/>
+                </a:solidFill>
+              </a:rPr>
+              <a:t>idade</a:t>
+            </a:r>
+            <a:r>
+              <a:rPr lang="pt-PT" dirty="0"/>
+              <a:t> no intervalo dos </a:t>
+            </a:r>
+            <a:r>
+              <a:rPr lang="pt-PT" b="1" dirty="0">
+                <a:solidFill>
+                  <a:schemeClr val="accent2"/>
+                </a:solidFill>
+              </a:rPr>
+              <a:t>vinte aos trinta</a:t>
+            </a:r>
+            <a:r>
+              <a:rPr lang="pt-PT" dirty="0"/>
+              <a:t>. Têm mais facilidade e </a:t>
+            </a:r>
+            <a:r>
+              <a:rPr lang="pt-PT" b="1" dirty="0">
+                <a:solidFill>
+                  <a:schemeClr val="accent2"/>
+                </a:solidFill>
+              </a:rPr>
+              <a:t>disponibilidade</a:t>
+            </a:r>
+            <a:r>
+              <a:rPr lang="pt-PT" dirty="0"/>
+              <a:t> para trabalharem em </a:t>
+            </a:r>
+            <a:r>
+              <a:rPr lang="pt-PT" b="1" dirty="0">
+                <a:solidFill>
+                  <a:schemeClr val="accent2"/>
+                </a:solidFill>
+              </a:rPr>
+              <a:t>horas não tão comuns</a:t>
+            </a:r>
+            <a:r>
+              <a:rPr lang="pt-PT" dirty="0"/>
+              <a:t>;</a:t>
             </a:r>
           </a:p>
           <a:p>
@@ -9286,6 +9658,13 @@
       </p:transition>
     </mc:Fallback>
   </mc:AlternateContent>
+  <p:timing>
+    <p:tnLst>
+      <p:par>
+        <p:cTn id="1" dur="indefinite" restart="never" nodeType="tmRoot"/>
+      </p:par>
+    </p:tnLst>
+  </p:timing>
 </p:sld>
 </file>
 
@@ -9445,7 +9824,48 @@
             </a:pPr>
             <a:r>
               <a:rPr lang="pt-PT" sz="2000" dirty="0"/>
-              <a:t>Disponibilizar uma interface intuitiva que facilite a requisição de serviços de babysitting;</a:t>
+              <a:t>Disponibilizar uma interface </a:t>
+            </a:r>
+            <a:r>
+              <a:rPr lang="pt-PT" sz="2000" b="1" dirty="0">
+                <a:solidFill>
+                  <a:schemeClr val="accent2"/>
+                </a:solidFill>
+              </a:rPr>
+              <a:t>intuitiva</a:t>
+            </a:r>
+            <a:r>
+              <a:rPr lang="pt-PT" sz="2000" dirty="0"/>
+              <a:t> que facilite a requisição de serviços de babysitting;</a:t>
+            </a:r>
+          </a:p>
+          <a:p>
+            <a:pPr marL="342900" indent="-342900" algn="just">
+              <a:buFont typeface="Arial" panose="020B0604020202020204" pitchFamily="34" charset="0"/>
+              <a:buChar char="•"/>
+            </a:pPr>
+            <a:endParaRPr lang="pt-PT" sz="2000" b="1" dirty="0">
+              <a:solidFill>
+                <a:schemeClr val="accent2"/>
+              </a:solidFill>
+            </a:endParaRPr>
+          </a:p>
+          <a:p>
+            <a:pPr marL="342900" indent="-342900" algn="just">
+              <a:buFont typeface="Arial" panose="020B0604020202020204" pitchFamily="34" charset="0"/>
+              <a:buChar char="•"/>
+            </a:pPr>
+            <a:r>
+              <a:rPr lang="pt-PT" sz="2000" b="1" dirty="0">
+                <a:solidFill>
+                  <a:schemeClr val="accent2"/>
+                </a:solidFill>
+              </a:rPr>
+              <a:t>Localização</a:t>
+            </a:r>
+            <a:r>
+              <a:rPr lang="pt-PT" sz="2000" dirty="0"/>
+              <a:t> geográfica;</a:t>
             </a:r>
           </a:p>
           <a:p>
@@ -9462,7 +9882,27 @@
             </a:pPr>
             <a:r>
               <a:rPr lang="pt-PT" sz="2000" dirty="0"/>
-              <a:t>Localização geográfica;</a:t>
+              <a:t>Possibilidade do cliente </a:t>
+            </a:r>
+            <a:r>
+              <a:rPr lang="pt-PT" sz="2000" b="1" dirty="0">
+                <a:solidFill>
+                  <a:schemeClr val="accent2"/>
+                </a:solidFill>
+              </a:rPr>
+              <a:t>avaliar</a:t>
+            </a:r>
+            <a:r>
+              <a:rPr lang="pt-PT" sz="2000" dirty="0"/>
+              <a:t> determinado </a:t>
+            </a:r>
+            <a:r>
+              <a:rPr lang="pt-PT" sz="2000" dirty="0" err="1"/>
+              <a:t>babysitter</a:t>
+            </a:r>
+            <a:r>
+              <a:rPr lang="pt-PT" sz="2000" dirty="0"/>
+              <a:t>;</a:t>
             </a:r>
           </a:p>
           <a:p>
@@ -9478,33 +9918,16 @@
               <a:buChar char="•"/>
             </a:pPr>
             <a:r>
+              <a:rPr lang="pt-PT" sz="2000" b="1" dirty="0">
+                <a:solidFill>
+                  <a:schemeClr val="accent2"/>
+                </a:solidFill>
+              </a:rPr>
+              <a:t>Simplificar</a:t>
+            </a:r>
+            <a:r>
               <a:rPr lang="pt-PT" sz="2000" dirty="0"/>
-              <a:t>Possibilidade do cliente avaliar determinado </a:t>
-            </a:r>
-            <a:r>
-              <a:rPr lang="pt-PT" sz="2000" dirty="0" err="1"/>
-              <a:t>babysitter</a:t>
-            </a:r>
-            <a:r>
-              <a:rPr lang="pt-PT" sz="2000" dirty="0"/>
-              <a:t>;</a:t>
-            </a:r>
-          </a:p>
-          <a:p>
-            <a:pPr marL="342900" indent="-342900" algn="just">
-              <a:buFont typeface="Arial" panose="020B0604020202020204" pitchFamily="34" charset="0"/>
-              <a:buChar char="•"/>
-            </a:pPr>
-            <a:endParaRPr lang="pt-PT" sz="2000" dirty="0"/>
-          </a:p>
-          <a:p>
-            <a:pPr marL="342900" indent="-342900" algn="just">
-              <a:buFont typeface="Arial" panose="020B0604020202020204" pitchFamily="34" charset="0"/>
-              <a:buChar char="•"/>
-            </a:pPr>
-            <a:r>
-              <a:rPr lang="pt-PT" sz="2000" dirty="0"/>
-              <a:t>Simplificar a deslocação dos funcionários da empresa;</a:t>
+              <a:t> a deslocação dos funcionários da empresa;</a:t>
             </a:r>
           </a:p>
           <a:p>
@@ -9535,6 +9958,13 @@
       </p:transition>
     </mc:Fallback>
   </mc:AlternateContent>
+  <p:timing>
+    <p:tnLst>
+      <p:par>
+        <p:cTn id="1" dur="indefinite" restart="never" nodeType="tmRoot"/>
+      </p:par>
+    </p:tnLst>
+  </p:timing>
 </p:sld>
 </file>
 
@@ -9694,15 +10124,27 @@
             </a:pPr>
             <a:r>
               <a:rPr lang="pt-PT" dirty="0"/>
-              <a:t>Um sistema ao domicílio 24/365 é um modelo de negócio cada vez mais comum (Amazon, KFC, </a:t>
-            </a:r>
-            <a:r>
-              <a:rPr lang="pt-PT" dirty="0" err="1"/>
-              <a:t>Burguer</a:t>
+              <a:t>Um sistema ao domicílio 24/365 é um modelo de negócio </a:t>
+            </a:r>
+            <a:r>
+              <a:rPr lang="pt-PT" b="1" dirty="0">
+                <a:solidFill>
+                  <a:schemeClr val="accent2"/>
+                </a:solidFill>
+              </a:rPr>
+              <a:t>cada vez mais comum </a:t>
             </a:r>
             <a:r>
               <a:rPr lang="pt-PT" dirty="0"/>
-              <a:t> King,…);</a:t>
+              <a:t>(Amazon, KFC, </a:t>
+            </a:r>
+            <a:r>
+              <a:rPr lang="pt-PT" dirty="0" smtClean="0"/>
+              <a:t>Burger </a:t>
+            </a:r>
+            <a:r>
+              <a:rPr lang="pt-PT" dirty="0"/>
+              <a:t>King,…);</a:t>
             </a:r>
           </a:p>
           <a:p>
@@ -9719,7 +10161,19 @@
             </a:pPr>
             <a:r>
               <a:rPr lang="pt-PT" dirty="0"/>
-              <a:t>Há cada vez mais abertura do cliente a novas formas de comércio;</a:t>
+              <a:t>Há cada vez mais abertura do cliente a </a:t>
+            </a:r>
+            <a:r>
+              <a:rPr lang="pt-PT" b="1" dirty="0">
+                <a:solidFill>
+                  <a:schemeClr val="accent2"/>
+                </a:solidFill>
+              </a:rPr>
+              <a:t>novas formas </a:t>
+            </a:r>
+            <a:r>
+              <a:rPr lang="pt-PT" dirty="0"/>
+              <a:t>de comércio;</a:t>
             </a:r>
           </a:p>
           <a:p>
@@ -9736,7 +10190,19 @@
             </a:pPr>
             <a:r>
               <a:rPr lang="pt-PT" dirty="0"/>
-              <a:t>Um serviço de babysitting ao domicílio posiciona-se como uma opção de entrada num mercado estável;</a:t>
+              <a:t>Um serviço de babysitting ao domicílio posiciona-se como uma opção de entrada num </a:t>
+            </a:r>
+            <a:r>
+              <a:rPr lang="pt-PT" b="1" dirty="0">
+                <a:solidFill>
+                  <a:schemeClr val="accent2"/>
+                </a:solidFill>
+              </a:rPr>
+              <a:t>mercado estável</a:t>
+            </a:r>
+            <a:r>
+              <a:rPr lang="pt-PT" dirty="0"/>
+              <a:t>;</a:t>
             </a:r>
           </a:p>
           <a:p>
@@ -9753,7 +10219,19 @@
             </a:pPr>
             <a:r>
               <a:rPr lang="pt-PT" dirty="0"/>
-              <a:t>O estudo de mercado revelou grande recetividade à possibilidade de agendar um(a) </a:t>
+              <a:t>O estudo de mercado revelou grande </a:t>
+            </a:r>
+            <a:r>
+              <a:rPr lang="pt-PT" b="1" dirty="0">
+                <a:solidFill>
+                  <a:schemeClr val="accent2"/>
+                </a:solidFill>
+              </a:rPr>
+              <a:t>recetividade</a:t>
+            </a:r>
+            <a:r>
+              <a:rPr lang="pt-PT" dirty="0"/>
+              <a:t> à possibilidade de agendar um(a) </a:t>
             </a:r>
             <a:r>
               <a:rPr lang="pt-PT" dirty="0" err="1"/>
@@ -9761,7 +10239,19 @@
             </a:r>
             <a:r>
               <a:rPr lang="pt-PT" dirty="0"/>
-              <a:t> a qualquer altura do dia;</a:t>
+              <a:t> a </a:t>
+            </a:r>
+            <a:r>
+              <a:rPr lang="pt-PT" b="1" dirty="0">
+                <a:solidFill>
+                  <a:schemeClr val="accent2"/>
+                </a:solidFill>
+              </a:rPr>
+              <a:t>qualquer altura </a:t>
+            </a:r>
+            <a:r>
+              <a:rPr lang="pt-PT" dirty="0"/>
+              <a:t>do dia;</a:t>
             </a:r>
           </a:p>
           <a:p>
@@ -9778,7 +10268,19 @@
             </a:pPr>
             <a:r>
               <a:rPr lang="pt-PT" dirty="0"/>
-              <a:t>O serviço está associado a um lugar físico onde se podem conhecer os profissionais, o que aumenta a confiança por parte dos pais;</a:t>
+              <a:t>O serviço está associado a um </a:t>
+            </a:r>
+            <a:r>
+              <a:rPr lang="pt-PT" dirty="0">
+                <a:solidFill>
+                  <a:schemeClr val="accent2"/>
+                </a:solidFill>
+              </a:rPr>
+              <a:t>lugar físico </a:t>
+            </a:r>
+            <a:r>
+              <a:rPr lang="pt-PT" dirty="0"/>
+              <a:t>onde se podem conhecer os profissionais, o que aumenta a confiança por parte dos pais;</a:t>
             </a:r>
           </a:p>
           <a:p>
@@ -9822,6 +10324,13 @@
       </p:transition>
     </mc:Fallback>
   </mc:AlternateContent>
+  <p:timing>
+    <p:tnLst>
+      <p:par>
+        <p:cTn id="1" dur="indefinite" restart="never" nodeType="tmRoot"/>
+      </p:par>
+    </p:tnLst>
+  </p:timing>
 </p:sld>
 </file>
 
@@ -10593,6 +11102,13 @@
       </p:transition>
     </mc:Fallback>
   </mc:AlternateContent>
+  <p:timing>
+    <p:tnLst>
+      <p:par>
+        <p:cTn id="1" dur="indefinite" restart="never" nodeType="tmRoot"/>
+      </p:par>
+    </p:tnLst>
+  </p:timing>
 </p:sld>
 </file>
 
@@ -10769,7 +11285,19 @@
             </a:pPr>
             <a:r>
               <a:rPr lang="pt-PT" sz="2000" dirty="0"/>
-              <a:t>Uso dos computadores disponibilizados pela software </a:t>
+              <a:t>Uso dos </a:t>
+            </a:r>
+            <a:r>
+              <a:rPr lang="pt-PT" sz="2000" b="1" dirty="0">
+                <a:solidFill>
+                  <a:schemeClr val="accent2"/>
+                </a:solidFill>
+              </a:rPr>
+              <a:t>computadores</a:t>
+            </a:r>
+            <a:r>
+              <a:rPr lang="pt-PT" sz="2000" dirty="0"/>
+              <a:t> disponibilizados pela software </a:t>
             </a:r>
             <a:r>
               <a:rPr lang="pt-PT" sz="2000" dirty="0" err="1"/>
@@ -10830,8 +11358,16 @@
               <a:buChar char="•"/>
             </a:pPr>
             <a:r>
+              <a:rPr lang="pt-PT" sz="2000" b="1" dirty="0">
+                <a:solidFill>
+                  <a:schemeClr val="accent2"/>
+                </a:solidFill>
+              </a:rPr>
+              <a:t>Estudo de mercado </a:t>
+            </a:r>
+            <a:r>
               <a:rPr lang="pt-PT" sz="2000" dirty="0"/>
-              <a:t>Estudo de mercado para confirmar viabilização do sistema;</a:t>
+              <a:t>para confirmar viabilização do sistema;</a:t>
             </a:r>
           </a:p>
           <a:p>
@@ -10848,7 +11384,19 @@
             </a:pPr>
             <a:r>
               <a:rPr lang="pt-PT" sz="2000" dirty="0"/>
-              <a:t>Alocação de um servidor a funcionar 24/7;</a:t>
+              <a:t>Alocação de um </a:t>
+            </a:r>
+            <a:r>
+              <a:rPr lang="pt-PT" sz="2000" b="1" dirty="0">
+                <a:solidFill>
+                  <a:schemeClr val="accent2"/>
+                </a:solidFill>
+              </a:rPr>
+              <a:t>servidor</a:t>
+            </a:r>
+            <a:r>
+              <a:rPr lang="pt-PT" sz="2000" dirty="0"/>
+              <a:t> a funcionar 24/7;</a:t>
             </a:r>
           </a:p>
           <a:p>
@@ -10865,7 +11413,19 @@
             </a:pPr>
             <a:r>
               <a:rPr lang="pt-PT" sz="2000" dirty="0"/>
-              <a:t>Aquisição de tablets para desenvolvimento do sistema;</a:t>
+              <a:t>Aquisição de </a:t>
+            </a:r>
+            <a:r>
+              <a:rPr lang="pt-PT" sz="2000" b="1" dirty="0">
+                <a:solidFill>
+                  <a:schemeClr val="accent2"/>
+                </a:solidFill>
+              </a:rPr>
+              <a:t>tablets</a:t>
+            </a:r>
+            <a:r>
+              <a:rPr lang="pt-PT" sz="2000" dirty="0"/>
+              <a:t> para desenvolvimento do sistema;</a:t>
             </a:r>
           </a:p>
           <a:p>
@@ -10873,7 +11433,11 @@
               <a:buFont typeface="Arial" panose="020B0604020202020204" pitchFamily="34" charset="0"/>
               <a:buChar char="•"/>
             </a:pPr>
-            <a:endParaRPr lang="pt-PT" sz="2000" dirty="0"/>
+            <a:endParaRPr lang="pt-PT" sz="2000" b="1" dirty="0">
+              <a:solidFill>
+                <a:schemeClr val="accent2"/>
+              </a:solidFill>
+            </a:endParaRPr>
           </a:p>
         </p:txBody>
       </p:sp>
@@ -10899,6 +11463,13 @@
       </p:transition>
     </mc:Fallback>
   </mc:AlternateContent>
+  <p:timing>
+    <p:tnLst>
+      <p:par>
+        <p:cTn id="1" dur="indefinite" restart="never" nodeType="tmRoot"/>
+      </p:par>
+    </p:tnLst>
+  </p:timing>
 </p:sld>
 </file>
 
@@ -11053,8 +11624,8 @@
         </p:blipFill>
         <p:spPr bwMode="auto">
           <a:xfrm>
-            <a:off x="1981998" y="1136665"/>
-            <a:ext cx="6023485" cy="3006431"/>
+            <a:off x="1286756" y="1136665"/>
+            <a:ext cx="7578051" cy="3782343"/>
           </a:xfrm>
           <a:prstGeom prst="rect">
             <a:avLst/>
@@ -11098,7 +11669,7 @@
         </p:nvSpPr>
         <p:spPr>
           <a:xfrm>
-            <a:off x="500117" y="4323851"/>
+            <a:off x="444137" y="4919008"/>
             <a:ext cx="8987246" cy="1938992"/>
           </a:xfrm>
           <a:prstGeom prst="rect">
@@ -11135,7 +11706,31 @@
             </a:pPr>
             <a:r>
               <a:rPr lang="pt-PT" sz="2000" dirty="0"/>
-              <a:t>Expõe API pública disponibilizada através do site e API privada utilizada pela aplicação móvel.</a:t>
+              <a:t>Expõe API </a:t>
+            </a:r>
+            <a:r>
+              <a:rPr lang="pt-PT" sz="2000" b="1" dirty="0">
+                <a:solidFill>
+                  <a:schemeClr val="accent2"/>
+                </a:solidFill>
+              </a:rPr>
+              <a:t>pública</a:t>
+            </a:r>
+            <a:r>
+              <a:rPr lang="pt-PT" sz="2000" dirty="0"/>
+              <a:t> disponibilizada através do site e API </a:t>
+            </a:r>
+            <a:r>
+              <a:rPr lang="pt-PT" sz="2000" b="1" dirty="0">
+                <a:solidFill>
+                  <a:schemeClr val="accent2"/>
+                </a:solidFill>
+              </a:rPr>
+              <a:t>privada</a:t>
+            </a:r>
+            <a:r>
+              <a:rPr lang="pt-PT" sz="2000" dirty="0"/>
+              <a:t> utilizada pela aplicação móvel.</a:t>
             </a:r>
           </a:p>
           <a:p>
@@ -11176,6 +11771,13 @@
       </p:transition>
     </mc:Fallback>
   </mc:AlternateContent>
+  <p:timing>
+    <p:tnLst>
+      <p:par>
+        <p:cTn id="1" dur="indefinite" restart="never" nodeType="tmRoot"/>
+      </p:par>
+    </p:tnLst>
+  </p:timing>
 </p:sld>
 </file>
 

--- a/relatorio/LI4.pptx
+++ b/relatorio/LI4.pptx
@@ -211,7 +211,7 @@
           <a:p>
             <a:fld id="{FC77EE40-E473-4F3B-ABB7-4026700F0D66}" type="datetimeFigureOut">
               <a:rPr lang="pt-PT" smtClean="0"/>
-              <a:t>13-03-2018</a:t>
+              <a:t>13/03/2018</a:t>
             </a:fld>
             <a:endParaRPr lang="pt-PT"/>
           </a:p>
@@ -369,7 +369,7 @@
           <a:p>
             <a:fld id="{F2D13AFA-C489-4F08-BBC3-E69A09335FB4}" type="slidenum">
               <a:rPr lang="pt-PT" smtClean="0"/>
-              <a:t>‹#›</a:t>
+              <a:t>‹nº›</a:t>
             </a:fld>
             <a:endParaRPr lang="pt-PT"/>
           </a:p>
@@ -1328,7 +1328,7 @@
             <a:fld id="{D57F1E4F-1CFF-5643-939E-217C01CDF565}" type="slidenum">
               <a:rPr lang="en-US" dirty="0"/>
               <a:pPr/>
-              <a:t>‹#›</a:t>
+              <a:t>‹nº›</a:t>
             </a:fld>
             <a:endParaRPr lang="en-US" dirty="0"/>
           </a:p>
@@ -1576,7 +1576,7 @@
             <a:fld id="{D57F1E4F-1CFF-5643-939E-217C01CDF565}" type="slidenum">
               <a:rPr lang="en-US" dirty="0"/>
               <a:pPr/>
-              <a:t>‹#›</a:t>
+              <a:t>‹nº›</a:t>
             </a:fld>
             <a:endParaRPr lang="en-US" dirty="0"/>
           </a:p>
@@ -1887,7 +1887,7 @@
             <a:fld id="{D57F1E4F-1CFF-5643-939E-217C01CDF565}" type="slidenum">
               <a:rPr lang="en-US" dirty="0"/>
               <a:pPr/>
-              <a:t>‹#›</a:t>
+              <a:t>‹nº›</a:t>
             </a:fld>
             <a:endParaRPr lang="en-US" dirty="0"/>
           </a:p>
@@ -2225,7 +2225,7 @@
             <a:fld id="{D57F1E4F-1CFF-5643-939E-217C01CDF565}" type="slidenum">
               <a:rPr lang="en-US" dirty="0"/>
               <a:pPr/>
-              <a:t>‹#›</a:t>
+              <a:t>‹nº›</a:t>
             </a:fld>
             <a:endParaRPr lang="en-US" dirty="0"/>
           </a:p>
@@ -2536,7 +2536,7 @@
             <a:fld id="{D57F1E4F-1CFF-5643-939E-217C01CDF565}" type="slidenum">
               <a:rPr lang="en-US" dirty="0"/>
               <a:pPr/>
-              <a:t>‹#›</a:t>
+              <a:t>‹nº›</a:t>
             </a:fld>
             <a:endParaRPr lang="en-US" dirty="0"/>
           </a:p>
@@ -2926,7 +2926,7 @@
             <a:fld id="{D57F1E4F-1CFF-5643-939E-217C01CDF565}" type="slidenum">
               <a:rPr lang="en-US" dirty="0"/>
               <a:pPr/>
-              <a:t>‹#›</a:t>
+              <a:t>‹nº›</a:t>
             </a:fld>
             <a:endParaRPr lang="en-US" dirty="0"/>
           </a:p>
@@ -3091,7 +3091,7 @@
           <a:p>
             <a:fld id="{89333C77-0158-454C-844F-B7AB9BD7DAD4}" type="slidenum">
               <a:rPr lang="en-US" dirty="0"/>
-              <a:t>‹#›</a:t>
+              <a:t>‹nº›</a:t>
             </a:fld>
             <a:endParaRPr lang="en-US" dirty="0"/>
           </a:p>
@@ -3268,7 +3268,7 @@
             <a:fld id="{D57F1E4F-1CFF-5643-939E-217C01CDF565}" type="slidenum">
               <a:rPr lang="en-US" dirty="0"/>
               <a:pPr/>
-              <a:t>‹#›</a:t>
+              <a:t>‹nº›</a:t>
             </a:fld>
             <a:endParaRPr lang="en-US" dirty="0"/>
           </a:p>
@@ -3441,7 +3441,7 @@
             <a:fld id="{D57F1E4F-1CFF-5643-939E-217C01CDF565}" type="slidenum">
               <a:rPr lang="en-US" dirty="0"/>
               <a:pPr/>
-              <a:t>‹#›</a:t>
+              <a:t>‹nº›</a:t>
             </a:fld>
             <a:endParaRPr lang="en-US" dirty="0"/>
           </a:p>
@@ -3685,7 +3685,7 @@
             <a:fld id="{D57F1E4F-1CFF-5643-939E-217C01CDF565}" type="slidenum">
               <a:rPr lang="en-US" dirty="0"/>
               <a:pPr/>
-              <a:t>‹#›</a:t>
+              <a:t>‹nº›</a:t>
             </a:fld>
             <a:endParaRPr lang="en-US" dirty="0"/>
           </a:p>
@@ -3912,7 +3912,7 @@
           <a:p>
             <a:fld id="{6FF9F0C5-380F-41C2-899A-BAC0F0927E16}" type="slidenum">
               <a:rPr lang="en-US" dirty="0"/>
-              <a:t>‹#›</a:t>
+              <a:t>‹nº›</a:t>
             </a:fld>
             <a:endParaRPr lang="en-US" dirty="0"/>
           </a:p>
@@ -4283,7 +4283,7 @@
             <a:fld id="{D57F1E4F-1CFF-5643-939E-217C01CDF565}" type="slidenum">
               <a:rPr lang="en-US" dirty="0"/>
               <a:pPr/>
-              <a:t>‹#›</a:t>
+              <a:t>‹nº›</a:t>
             </a:fld>
             <a:endParaRPr lang="en-US" dirty="0"/>
           </a:p>
@@ -4403,7 +4403,7 @@
             <a:fld id="{D57F1E4F-1CFF-5643-939E-217C01CDF565}" type="slidenum">
               <a:rPr lang="en-US" dirty="0"/>
               <a:pPr/>
-              <a:t>‹#›</a:t>
+              <a:t>‹nº›</a:t>
             </a:fld>
             <a:endParaRPr lang="en-US" dirty="0"/>
           </a:p>
@@ -4495,7 +4495,7 @@
             <a:fld id="{D57F1E4F-1CFF-5643-939E-217C01CDF565}" type="slidenum">
               <a:rPr lang="en-US" dirty="0"/>
               <a:pPr/>
-              <a:t>‹#›</a:t>
+              <a:t>‹nº›</a:t>
             </a:fld>
             <a:endParaRPr lang="en-US" dirty="0"/>
           </a:p>
@@ -4745,7 +4745,7 @@
           <a:p>
             <a:fld id="{519954A3-9DFD-4C44-94BA-B95130A3BA1C}" type="slidenum">
               <a:rPr lang="en-US" dirty="0"/>
-              <a:t>‹#›</a:t>
+              <a:t>‹nº›</a:t>
             </a:fld>
             <a:endParaRPr lang="en-US" dirty="0"/>
           </a:p>
@@ -5005,7 +5005,7 @@
             <a:fld id="{D57F1E4F-1CFF-5643-939E-217C01CDF565}" type="slidenum">
               <a:rPr lang="en-US" dirty="0"/>
               <a:pPr/>
-              <a:t>‹#›</a:t>
+              <a:t>‹nº›</a:t>
             </a:fld>
             <a:endParaRPr lang="en-US" dirty="0"/>
           </a:p>
@@ -5779,7 +5779,7 @@
             <a:fld id="{D57F1E4F-1CFF-5643-939E-217C01CDF565}" type="slidenum">
               <a:rPr lang="en-US" dirty="0"/>
               <a:pPr/>
-              <a:t>‹#›</a:t>
+              <a:t>‹nº›</a:t>
             </a:fld>
             <a:endParaRPr lang="en-US" dirty="0"/>
           </a:p>
@@ -6719,13 +6719,6 @@
       </p:transition>
     </mc:Fallback>
   </mc:AlternateContent>
-  <p:timing>
-    <p:tnLst>
-      <p:par>
-        <p:cTn id="1" dur="indefinite" restart="never" nodeType="tmRoot"/>
-      </p:par>
-    </p:tnLst>
-  </p:timing>
 </p:sld>
 </file>
 
@@ -7201,13 +7194,6 @@
       </p:transition>
     </mc:Fallback>
   </mc:AlternateContent>
-  <p:timing>
-    <p:tnLst>
-      <p:par>
-        <p:cTn id="1" dur="indefinite" restart="never" nodeType="tmRoot"/>
-      </p:par>
-    </p:tnLst>
-  </p:timing>
 </p:sld>
 </file>
 
@@ -7426,13 +7412,6 @@
       </p:transition>
     </mc:Fallback>
   </mc:AlternateContent>
-  <p:timing>
-    <p:tnLst>
-      <p:par>
-        <p:cTn id="1" dur="indefinite" restart="never" nodeType="tmRoot"/>
-      </p:par>
-    </p:tnLst>
-  </p:timing>
 </p:sld>
 </file>
 
@@ -7639,13 +7618,6 @@
   <p:clrMapOvr>
     <a:masterClrMapping/>
   </p:clrMapOvr>
-  <p:timing>
-    <p:tnLst>
-      <p:par>
-        <p:cTn id="1" dur="indefinite" restart="never" nodeType="tmRoot"/>
-      </p:par>
-    </p:tnLst>
-  </p:timing>
 </p:sld>
 </file>
 
@@ -7852,13 +7824,6 @@
   <p:clrMapOvr>
     <a:masterClrMapping/>
   </p:clrMapOvr>
-  <p:timing>
-    <p:tnLst>
-      <p:par>
-        <p:cTn id="1" dur="indefinite" restart="never" nodeType="tmRoot"/>
-      </p:par>
-    </p:tnLst>
-  </p:timing>
 </p:sld>
 </file>
 
@@ -8052,23 +8017,11 @@
                   <a:schemeClr val="accent1"/>
                 </a:solidFill>
               </a:rPr>
-              <a:t> </a:t>
-            </a:r>
-            <a:r>
-              <a:rPr lang="pt-PT" sz="1600" b="1" dirty="0" smtClean="0">
-                <a:solidFill>
-                  <a:schemeClr val="accent1"/>
-                </a:solidFill>
-              </a:rPr>
-              <a:t> </a:t>
-            </a:r>
-            <a:r>
-              <a:rPr lang="pt-PT" sz="1600" dirty="0" smtClean="0"/>
-              <a:t>-</a:t>
+              <a:t>  </a:t>
             </a:r>
             <a:r>
               <a:rPr lang="pt-PT" sz="1600" dirty="0"/>
-              <a:t>elaborar um modelo geral da ideia a desenvolver </a:t>
+              <a:t>-elaborar um modelo geral da ideia a desenvolver </a:t>
             </a:r>
           </a:p>
           <a:p>
@@ -8152,15 +8105,7 @@
             </a:pPr>
             <a:r>
               <a:rPr lang="pt-PT" sz="1600" dirty="0"/>
-              <a:t>Trabalho futuro: </a:t>
-            </a:r>
-            <a:r>
-              <a:rPr lang="pt-PT" sz="1600" dirty="0" smtClean="0"/>
-              <a:t>   -</a:t>
-            </a:r>
-            <a:r>
-              <a:rPr lang="pt-PT" sz="1600" dirty="0"/>
-              <a:t>definir os requisitos do sistema </a:t>
+              <a:t>Trabalho futuro:    -definir os requisitos do sistema </a:t>
             </a:r>
           </a:p>
           <a:p>
@@ -8258,13 +8203,6 @@
       </p:transition>
     </mc:Fallback>
   </mc:AlternateContent>
-  <p:timing>
-    <p:tnLst>
-      <p:par>
-        <p:cTn id="1" dur="indefinite" restart="never" nodeType="tmRoot"/>
-      </p:par>
-    </p:tnLst>
-  </p:timing>
 </p:sld>
 </file>
 
@@ -8782,13 +8720,6 @@
       </p:transition>
     </mc:Fallback>
   </mc:AlternateContent>
-  <p:timing>
-    <p:tnLst>
-      <p:par>
-        <p:cTn id="1" dur="indefinite" restart="never" nodeType="tmRoot"/>
-      </p:par>
-    </p:tnLst>
-  </p:timing>
 </p:sld>
 </file>
 
@@ -8863,21 +8794,8 @@
                   <a:schemeClr val="tx1"/>
                 </a:solidFill>
               </a:rPr>
-              <a:t>Motivação e </a:t>
-            </a:r>
-            <a:r>
-              <a:rPr lang="pt-PT" sz="2000" dirty="0" smtClean="0">
-                <a:solidFill>
-                  <a:schemeClr val="tx1"/>
-                </a:solidFill>
-              </a:rPr>
-              <a:t>Objetivos</a:t>
-            </a:r>
-            <a:endParaRPr lang="pt-PT" sz="2000" dirty="0">
-              <a:solidFill>
-                <a:schemeClr val="tx1"/>
-              </a:solidFill>
-            </a:endParaRPr>
+              <a:t>Motivação e Objetivos</a:t>
+            </a:r>
           </a:p>
           <a:p>
             <a:pPr>
@@ -8981,13 +8899,6 @@
   <p:clrMapOvr>
     <a:masterClrMapping/>
   </p:clrMapOvr>
-  <p:timing>
-    <p:tnLst>
-      <p:par>
-        <p:cTn id="1" dur="indefinite" restart="never" nodeType="tmRoot"/>
-      </p:par>
-    </p:tnLst>
-  </p:timing>
 </p:sld>
 </file>
 
@@ -9200,8 +9111,13 @@
             </a:r>
             <a:r>
               <a:rPr lang="pt-PT" sz="1600" dirty="0"/>
-              <a:t>para quem tem filhos torna-se difícil arranjar alguém para tomar conta dos filho;</a:t>
-            </a:r>
+              <a:t>para quem tem filhos torna-se difícil arranjar alguém para tomar conta </a:t>
+            </a:r>
+            <a:r>
+              <a:rPr lang="pt-PT" sz="1600"/>
+              <a:t>dos filhos;</a:t>
+            </a:r>
+            <a:endParaRPr lang="pt-PT" sz="1600" dirty="0"/>
           </a:p>
           <a:p>
             <a:pPr marL="342900" indent="-342900">
@@ -9340,13 +9256,6 @@
       </p:transition>
     </mc:Fallback>
   </mc:AlternateContent>
-  <p:timing>
-    <p:tnLst>
-      <p:par>
-        <p:cTn id="1" dur="indefinite" restart="never" nodeType="tmRoot"/>
-      </p:par>
-    </p:tnLst>
-  </p:timing>
 </p:sld>
 </file>
 
@@ -9658,13 +9567,6 @@
       </p:transition>
     </mc:Fallback>
   </mc:AlternateContent>
-  <p:timing>
-    <p:tnLst>
-      <p:par>
-        <p:cTn id="1" dur="indefinite" restart="never" nodeType="tmRoot"/>
-      </p:par>
-    </p:tnLst>
-  </p:timing>
 </p:sld>
 </file>
 
@@ -9958,13 +9860,6 @@
       </p:transition>
     </mc:Fallback>
   </mc:AlternateContent>
-  <p:timing>
-    <p:tnLst>
-      <p:par>
-        <p:cTn id="1" dur="indefinite" restart="never" nodeType="tmRoot"/>
-      </p:par>
-    </p:tnLst>
-  </p:timing>
 </p:sld>
 </file>
 
@@ -10136,15 +10031,7 @@
             </a:r>
             <a:r>
               <a:rPr lang="pt-PT" dirty="0"/>
-              <a:t>(Amazon, KFC, </a:t>
-            </a:r>
-            <a:r>
-              <a:rPr lang="pt-PT" dirty="0" smtClean="0"/>
-              <a:t>Burger </a:t>
-            </a:r>
-            <a:r>
-              <a:rPr lang="pt-PT" dirty="0"/>
-              <a:t>King,…);</a:t>
+              <a:t>(Amazon, KFC, Burger King,…);</a:t>
             </a:r>
           </a:p>
           <a:p>
@@ -10324,13 +10211,6 @@
       </p:transition>
     </mc:Fallback>
   </mc:AlternateContent>
-  <p:timing>
-    <p:tnLst>
-      <p:par>
-        <p:cTn id="1" dur="indefinite" restart="never" nodeType="tmRoot"/>
-      </p:par>
-    </p:tnLst>
-  </p:timing>
 </p:sld>
 </file>
 
@@ -11102,13 +10982,6 @@
       </p:transition>
     </mc:Fallback>
   </mc:AlternateContent>
-  <p:timing>
-    <p:tnLst>
-      <p:par>
-        <p:cTn id="1" dur="indefinite" restart="never" nodeType="tmRoot"/>
-      </p:par>
-    </p:tnLst>
-  </p:timing>
 </p:sld>
 </file>
 
@@ -11463,13 +11336,6 @@
       </p:transition>
     </mc:Fallback>
   </mc:AlternateContent>
-  <p:timing>
-    <p:tnLst>
-      <p:par>
-        <p:cTn id="1" dur="indefinite" restart="never" nodeType="tmRoot"/>
-      </p:par>
-    </p:tnLst>
-  </p:timing>
 </p:sld>
 </file>
 
@@ -11771,13 +11637,6 @@
       </p:transition>
     </mc:Fallback>
   </mc:AlternateContent>
-  <p:timing>
-    <p:tnLst>
-      <p:par>
-        <p:cTn id="1" dur="indefinite" restart="never" nodeType="tmRoot"/>
-      </p:par>
-    </p:tnLst>
-  </p:timing>
 </p:sld>
 </file>
 

--- a/relatorio/LI4.pptx
+++ b/relatorio/LI4.pptx
@@ -8021,28 +8021,36 @@
             </a:r>
             <a:r>
               <a:rPr lang="pt-PT" sz="1600" dirty="0"/>
-              <a:t>-elaborar um modelo geral da ideia a desenvolver </a:t>
+              <a:t>- elaborar um modelo geral da ideia a desenvolver </a:t>
             </a:r>
           </a:p>
           <a:p>
             <a:pPr lvl="0" algn="just"/>
             <a:r>
               <a:rPr lang="pt-PT" sz="1600" dirty="0"/>
-              <a:t>			  -esclarecer alguns pontos</a:t>
+              <a:t>			  - esclarecer alguns pontos</a:t>
             </a:r>
           </a:p>
           <a:p>
             <a:pPr lvl="0" algn="just"/>
             <a:r>
               <a:rPr lang="pt-PT" sz="1600" dirty="0"/>
-              <a:t>			  -medidas de sucesso e viabilidade</a:t>
+              <a:t>			  - medidas de sucesso e viabilidade</a:t>
             </a:r>
           </a:p>
           <a:p>
             <a:pPr lvl="0" algn="just"/>
             <a:r>
               <a:rPr lang="pt-PT" sz="1600" dirty="0"/>
-              <a:t>			  -analisar os recursos necessários associados ao serviço. </a:t>
+              <a:t>			</a:t>
+            </a:r>
+            <a:r>
+              <a:rPr lang="pt-PT" sz="1600"/>
+              <a:t>  - analisar </a:t>
+            </a:r>
+            <a:r>
+              <a:rPr lang="pt-PT" sz="1600" dirty="0"/>
+              <a:t>os recursos necessários associados ao serviço. </a:t>
             </a:r>
           </a:p>
           <a:p>
@@ -8105,21 +8113,21 @@
             </a:pPr>
             <a:r>
               <a:rPr lang="pt-PT" sz="1600" dirty="0"/>
-              <a:t>Trabalho futuro:    -definir os requisitos do sistema </a:t>
+              <a:t>Trabalho futuro:    - definir os requisitos do sistema </a:t>
             </a:r>
           </a:p>
           <a:p>
             <a:pPr lvl="1" algn="just"/>
             <a:r>
               <a:rPr lang="pt-PT" sz="1600" dirty="0"/>
-              <a:t>			   -avançar com a arquitetura UML </a:t>
+              <a:t>			   - avançar com a arquitetura UML </a:t>
             </a:r>
           </a:p>
           <a:p>
             <a:pPr lvl="1" algn="just"/>
             <a:r>
               <a:rPr lang="pt-PT" sz="1600" dirty="0"/>
-              <a:t>		          -desenvolvimento da base de dados</a:t>
+              <a:t>		          - desenvolvimento da base de dados</a:t>
             </a:r>
           </a:p>
           <a:p>
@@ -9111,13 +9119,8 @@
             </a:r>
             <a:r>
               <a:rPr lang="pt-PT" sz="1600" dirty="0"/>
-              <a:t>para quem tem filhos torna-se difícil arranjar alguém para tomar conta </a:t>
-            </a:r>
-            <a:r>
-              <a:rPr lang="pt-PT" sz="1600"/>
-              <a:t>dos filhos;</a:t>
-            </a:r>
-            <a:endParaRPr lang="pt-PT" sz="1600" dirty="0"/>
+              <a:t>para quem tem filhos torna-se difícil arranjar alguém para tomar conta dos filhos;</a:t>
+            </a:r>
           </a:p>
           <a:p>
             <a:pPr marL="342900" indent="-342900">

--- a/relatorio/LI4.pptx
+++ b/relatorio/LI4.pptx
@@ -178,7 +178,7 @@
             </a:lvl1pPr>
           </a:lstStyle>
           <a:p>
-            <a:endParaRPr lang="pt-PT"/>
+            <a:endParaRPr lang="pt-PT" dirty="0"/>
           </a:p>
         </p:txBody>
       </p:sp>
@@ -213,7 +213,7 @@
               <a:rPr lang="pt-PT" smtClean="0"/>
               <a:t>13/03/2018</a:t>
             </a:fld>
-            <a:endParaRPr lang="pt-PT"/>
+            <a:endParaRPr lang="pt-PT" dirty="0"/>
           </a:p>
         </p:txBody>
       </p:sp>
@@ -246,7 +246,7 @@
           <a:bodyPr vert="horz" lIns="91440" tIns="45720" rIns="91440" bIns="45720" rtlCol="0" anchor="ctr"/>
           <a:lstStyle/>
           <a:p>
-            <a:endParaRPr lang="pt-PT"/>
+            <a:endParaRPr lang="pt-PT" dirty="0"/>
           </a:p>
         </p:txBody>
       </p:sp>
@@ -336,7 +336,7 @@
             </a:lvl1pPr>
           </a:lstStyle>
           <a:p>
-            <a:endParaRPr lang="pt-PT"/>
+            <a:endParaRPr lang="pt-PT" dirty="0"/>
           </a:p>
         </p:txBody>
       </p:sp>
@@ -371,7 +371,7 @@
               <a:rPr lang="pt-PT" smtClean="0"/>
               <a:t>‹nº›</a:t>
             </a:fld>
-            <a:endParaRPr lang="pt-PT"/>
+            <a:endParaRPr lang="pt-PT" dirty="0"/>
           </a:p>
         </p:txBody>
       </p:sp>
@@ -543,9 +543,93 @@
           <a:p>
             <a:fld id="{F2D13AFA-C489-4F08-BBC3-E69A09335FB4}" type="slidenum">
               <a:rPr lang="pt-PT" smtClean="0"/>
+              <a:t>3</a:t>
+            </a:fld>
+            <a:endParaRPr lang="pt-PT" dirty="0"/>
+          </a:p>
+        </p:txBody>
+      </p:sp>
+    </p:spTree>
+    <p:extLst>
+      <p:ext uri="{BB962C8B-B14F-4D97-AF65-F5344CB8AC3E}">
+        <p14:creationId xmlns:p14="http://schemas.microsoft.com/office/powerpoint/2010/main" val="765790856"/>
+      </p:ext>
+    </p:extLst>
+  </p:cSld>
+  <p:clrMapOvr>
+    <a:masterClrMapping/>
+  </p:clrMapOvr>
+</p:notes>
+</file>
+
+<file path=ppt/notesSlides/notesSlide2.xml><?xml version="1.0" encoding="utf-8"?>
+<p:notes xmlns:a="http://schemas.openxmlformats.org/drawingml/2006/main" xmlns:r="http://schemas.openxmlformats.org/officeDocument/2006/relationships" xmlns:p="http://schemas.openxmlformats.org/presentationml/2006/main">
+  <p:cSld>
+    <p:spTree>
+      <p:nvGrpSpPr>
+        <p:cNvPr id="1" name=""/>
+        <p:cNvGrpSpPr/>
+        <p:nvPr/>
+      </p:nvGrpSpPr>
+      <p:grpSpPr>
+        <a:xfrm>
+          <a:off x="0" y="0"/>
+          <a:ext cx="0" cy="0"/>
+          <a:chOff x="0" y="0"/>
+          <a:chExt cx="0" cy="0"/>
+        </a:xfrm>
+      </p:grpSpPr>
+      <p:sp>
+        <p:nvSpPr>
+          <p:cNvPr id="2" name="Marcador de Posição da Imagem do Diapositivo 1"/>
+          <p:cNvSpPr>
+            <a:spLocks noGrp="1" noRot="1" noChangeAspect="1"/>
+          </p:cNvSpPr>
+          <p:nvPr>
+            <p:ph type="sldImg"/>
+          </p:nvPr>
+        </p:nvSpPr>
+        <p:spPr/>
+      </p:sp>
+      <p:sp>
+        <p:nvSpPr>
+          <p:cNvPr id="3" name="Marcador de Posição de Notas 2"/>
+          <p:cNvSpPr>
+            <a:spLocks noGrp="1"/>
+          </p:cNvSpPr>
+          <p:nvPr>
+            <p:ph type="body" idx="1"/>
+          </p:nvPr>
+        </p:nvSpPr>
+        <p:spPr/>
+        <p:txBody>
+          <a:bodyPr/>
+          <a:lstStyle/>
+          <a:p>
+            <a:endParaRPr lang="pt-PT" dirty="0"/>
+          </a:p>
+        </p:txBody>
+      </p:sp>
+      <p:sp>
+        <p:nvSpPr>
+          <p:cNvPr id="4" name="Marcador de Posição do Número do Diapositivo 3"/>
+          <p:cNvSpPr>
+            <a:spLocks noGrp="1"/>
+          </p:cNvSpPr>
+          <p:nvPr>
+            <p:ph type="sldNum" sz="quarter" idx="10"/>
+          </p:nvPr>
+        </p:nvSpPr>
+        <p:spPr/>
+        <p:txBody>
+          <a:bodyPr/>
+          <a:lstStyle/>
+          <a:p>
+            <a:fld id="{F2D13AFA-C489-4F08-BBC3-E69A09335FB4}" type="slidenum">
+              <a:rPr lang="pt-PT" smtClean="0"/>
               <a:t>5</a:t>
             </a:fld>
-            <a:endParaRPr lang="pt-PT"/>
+            <a:endParaRPr lang="pt-PT" dirty="0"/>
           </a:p>
         </p:txBody>
       </p:sp>
@@ -4870,7 +4954,7 @@
           </a:lstStyle>
           <a:p>
             <a:r>
-              <a:rPr lang="pt-PT"/>
+              <a:rPr lang="pt-PT" dirty="0"/>
               <a:t>Clique no ícone para adicionar uma imagem</a:t>
             </a:r>
             <a:endParaRPr lang="en-US" dirty="0"/>
@@ -6464,41 +6548,7 @@
                   </a:outerShdw>
                 </a:effectLst>
               </a:rPr>
-              <a:t>”</a:t>
-            </a:r>
-            <a:r>
-              <a:rPr lang="pt-PT" sz="5400" b="1" dirty="0" err="1">
-                <a:solidFill>
-                  <a:schemeClr val="bg1">
-                    <a:lumMod val="50000"/>
-                  </a:schemeClr>
-                </a:solidFill>
-                <a:effectLst>
-                  <a:outerShdw blurRad="38100" dist="38100" dir="2700000" algn="tl">
-                    <a:srgbClr val="000000">
-                      <a:alpha val="43137"/>
-                    </a:srgbClr>
-                  </a:outerShdw>
-                </a:effectLst>
-              </a:rPr>
-              <a:t>GuguDadah</a:t>
-            </a:r>
-            <a:r>
-              <a:rPr lang="pt-PT" sz="5400" b="1" dirty="0">
-                <a:solidFill>
-                  <a:schemeClr val="bg1">
-                    <a:lumMod val="50000"/>
-                  </a:schemeClr>
-                </a:solidFill>
-                <a:effectLst>
-                  <a:outerShdw blurRad="38100" dist="38100" dir="2700000" algn="tl">
-                    <a:srgbClr val="000000">
-                      <a:alpha val="43137"/>
-                    </a:srgbClr>
-                  </a:outerShdw>
-                </a:effectLst>
-              </a:rPr>
-              <a:t>”</a:t>
+              <a:t>”GuguDadah”</a:t>
             </a:r>
           </a:p>
         </p:txBody>
@@ -8042,15 +8092,7 @@
             <a:pPr lvl="0" algn="just"/>
             <a:r>
               <a:rPr lang="pt-PT" sz="1600" dirty="0"/>
-              <a:t>			</a:t>
-            </a:r>
-            <a:r>
-              <a:rPr lang="pt-PT" sz="1600"/>
-              <a:t>  - analisar </a:t>
-            </a:r>
-            <a:r>
-              <a:rPr lang="pt-PT" sz="1600" dirty="0"/>
-              <a:t>os recursos necessários associados ao serviço. </a:t>
+              <a:t>			  - analisar os recursos necessários associados ao serviço. </a:t>
             </a:r>
           </a:p>
           <a:p>
@@ -8473,41 +8515,7 @@
                   </a:outerShdw>
                 </a:effectLst>
               </a:rPr>
-              <a:t>”</a:t>
-            </a:r>
-            <a:r>
-              <a:rPr lang="pt-PT" sz="5400" b="1" dirty="0" err="1">
-                <a:solidFill>
-                  <a:schemeClr val="bg1">
-                    <a:lumMod val="50000"/>
-                  </a:schemeClr>
-                </a:solidFill>
-                <a:effectLst>
-                  <a:outerShdw blurRad="38100" dist="38100" dir="2700000" algn="tl">
-                    <a:srgbClr val="000000">
-                      <a:alpha val="43137"/>
-                    </a:srgbClr>
-                  </a:outerShdw>
-                </a:effectLst>
-              </a:rPr>
-              <a:t>GuguDadah</a:t>
-            </a:r>
-            <a:r>
-              <a:rPr lang="pt-PT" sz="5400" b="1" dirty="0">
-                <a:solidFill>
-                  <a:schemeClr val="bg1">
-                    <a:lumMod val="50000"/>
-                  </a:schemeClr>
-                </a:solidFill>
-                <a:effectLst>
-                  <a:outerShdw blurRad="38100" dist="38100" dir="2700000" algn="tl">
-                    <a:srgbClr val="000000">
-                      <a:alpha val="43137"/>
-                    </a:srgbClr>
-                  </a:outerShdw>
-                </a:effectLst>
-              </a:rPr>
-              <a:t>”</a:t>
+              <a:t>”GuguDadah”</a:t>
             </a:r>
           </a:p>
         </p:txBody>
@@ -9168,23 +9176,7 @@
                   <a:schemeClr val="accent2"/>
                 </a:solidFill>
               </a:rPr>
-              <a:t>Surge, assim, a ideia de fazer um serviço ao domicilio de </a:t>
-            </a:r>
-            <a:r>
-              <a:rPr lang="pt-PT" sz="1600" b="1" dirty="0" err="1">
-                <a:solidFill>
-                  <a:schemeClr val="accent2"/>
-                </a:solidFill>
-              </a:rPr>
-              <a:t>babysitting</a:t>
-            </a:r>
-            <a:r>
-              <a:rPr lang="pt-PT" sz="1600" b="1" dirty="0">
-                <a:solidFill>
-                  <a:schemeClr val="accent2"/>
-                </a:solidFill>
-              </a:rPr>
-              <a:t>; </a:t>
+              <a:t>Surge, assim, a ideia de fazer um serviço ao domicílio de babysitting; </a:t>
             </a:r>
           </a:p>
           <a:p>
@@ -9799,15 +9791,7 @@
             </a:r>
             <a:r>
               <a:rPr lang="pt-PT" sz="2000" dirty="0"/>
-              <a:t> determinado </a:t>
-            </a:r>
-            <a:r>
-              <a:rPr lang="pt-PT" sz="2000" dirty="0" err="1"/>
-              <a:t>babysitter</a:t>
-            </a:r>
-            <a:r>
-              <a:rPr lang="pt-PT" sz="2000" dirty="0"/>
-              <a:t>;</a:t>
+              <a:t> determinado babysitter;</a:t>
             </a:r>
           </a:p>
           <a:p>
@@ -10121,15 +10105,7 @@
             </a:r>
             <a:r>
               <a:rPr lang="pt-PT" dirty="0"/>
-              <a:t> à possibilidade de agendar um(a) </a:t>
-            </a:r>
-            <a:r>
-              <a:rPr lang="pt-PT" dirty="0" err="1"/>
-              <a:t>babysitter</a:t>
-            </a:r>
-            <a:r>
-              <a:rPr lang="pt-PT" dirty="0"/>
-              <a:t> a </a:t>
+              <a:t> à possibilidade de agendar um(a) babysitter a </a:t>
             </a:r>
             <a:r>
               <a:rPr lang="pt-PT" b="1" dirty="0">
@@ -10400,12 +10376,12 @@
                         </a:spcAft>
                       </a:pPr>
                       <a:r>
-                        <a:rPr lang="pt-PT" sz="1000">
+                        <a:rPr lang="pt-PT" sz="1000" dirty="0">
                           <a:effectLst/>
                         </a:rPr>
                         <a:t>Nome:</a:t>
                       </a:r>
-                      <a:endParaRPr lang="pt-PT" sz="1000">
+                      <a:endParaRPr lang="pt-PT" sz="1000" dirty="0">
                         <a:effectLst/>
                         <a:latin typeface="Arial" panose="020B0604020202020204" pitchFamily="34" charset="0"/>
                         <a:ea typeface="Times New Roman" panose="02020603050405020304" pitchFamily="18" charset="0"/>
@@ -10429,12 +10405,12 @@
                         </a:spcAft>
                       </a:pPr>
                       <a:r>
-                        <a:rPr lang="pt-PT" sz="1000">
+                        <a:rPr lang="pt-PT" sz="1000" dirty="0">
                           <a:effectLst/>
                         </a:rPr>
                         <a:t>GuguDadah</a:t>
                       </a:r>
-                      <a:endParaRPr lang="pt-PT" sz="1000">
+                      <a:endParaRPr lang="pt-PT" sz="1000" dirty="0">
                         <a:effectLst/>
                         <a:latin typeface="Arial" panose="020B0604020202020204" pitchFamily="34" charset="0"/>
                         <a:ea typeface="Times New Roman" panose="02020603050405020304" pitchFamily="18" charset="0"/>
@@ -10465,12 +10441,12 @@
                         </a:spcAft>
                       </a:pPr>
                       <a:r>
-                        <a:rPr lang="pt-PT" sz="1000">
+                        <a:rPr lang="pt-PT" sz="1000" dirty="0">
                           <a:effectLst/>
                         </a:rPr>
                         <a:t>Slogan:</a:t>
                       </a:r>
-                      <a:endParaRPr lang="pt-PT" sz="1000">
+                      <a:endParaRPr lang="pt-PT" sz="1000" dirty="0">
                         <a:effectLst/>
                         <a:latin typeface="Arial" panose="020B0604020202020204" pitchFamily="34" charset="0"/>
                         <a:ea typeface="Times New Roman" panose="02020603050405020304" pitchFamily="18" charset="0"/>
@@ -10494,12 +10470,12 @@
                         </a:spcAft>
                       </a:pPr>
                       <a:r>
-                        <a:rPr lang="pt-PT" sz="1000">
+                        <a:rPr lang="pt-PT" sz="1000" dirty="0">
                           <a:effectLst/>
                         </a:rPr>
                         <a:t>De Pais, Para pais</a:t>
                       </a:r>
-                      <a:endParaRPr lang="pt-PT" sz="1000">
+                      <a:endParaRPr lang="pt-PT" sz="1000" dirty="0">
                         <a:effectLst/>
                         <a:latin typeface="Arial" panose="020B0604020202020204" pitchFamily="34" charset="0"/>
                         <a:ea typeface="Times New Roman" panose="02020603050405020304" pitchFamily="18" charset="0"/>
@@ -10530,12 +10506,12 @@
                         </a:spcAft>
                       </a:pPr>
                       <a:r>
-                        <a:rPr lang="pt-PT" sz="1000">
+                        <a:rPr lang="pt-PT" sz="1000" dirty="0">
                           <a:effectLst/>
                         </a:rPr>
                         <a:t>Categoria:</a:t>
                       </a:r>
-                      <a:endParaRPr lang="pt-PT" sz="1000">
+                      <a:endParaRPr lang="pt-PT" sz="1000" dirty="0">
                         <a:effectLst/>
                         <a:latin typeface="Arial" panose="020B0604020202020204" pitchFamily="34" charset="0"/>
                         <a:ea typeface="Times New Roman" panose="02020603050405020304" pitchFamily="18" charset="0"/>
@@ -10559,12 +10535,12 @@
                         </a:spcAft>
                       </a:pPr>
                       <a:r>
-                        <a:rPr lang="pt-PT" sz="1000">
+                        <a:rPr lang="pt-PT" sz="1000" dirty="0">
                           <a:effectLst/>
                         </a:rPr>
                         <a:t>Babysitting</a:t>
                       </a:r>
-                      <a:endParaRPr lang="pt-PT" sz="1000">
+                      <a:endParaRPr lang="pt-PT" sz="1000" dirty="0">
                         <a:effectLst/>
                         <a:latin typeface="Arial" panose="020B0604020202020204" pitchFamily="34" charset="0"/>
                         <a:ea typeface="Times New Roman" panose="02020603050405020304" pitchFamily="18" charset="0"/>
@@ -10624,12 +10600,12 @@
                         </a:spcAft>
                       </a:pPr>
                       <a:r>
-                        <a:rPr lang="pt-PT" sz="1000">
+                        <a:rPr lang="pt-PT" sz="1000" dirty="0">
                           <a:effectLst/>
                         </a:rPr>
                         <a:t>Implementação de descontos em serviços</a:t>
                       </a:r>
-                      <a:endParaRPr lang="pt-PT" sz="1000">
+                      <a:endParaRPr lang="pt-PT" sz="1000" dirty="0">
                         <a:effectLst/>
                         <a:latin typeface="Arial" panose="020B0604020202020204" pitchFamily="34" charset="0"/>
                         <a:ea typeface="Times New Roman" panose="02020603050405020304" pitchFamily="18" charset="0"/>
@@ -10716,12 +10692,12 @@
                         </a:spcAft>
                       </a:pPr>
                       <a:r>
-                        <a:rPr lang="pt-PT" sz="1000">
+                        <a:rPr lang="pt-PT" sz="1000" dirty="0">
                           <a:effectLst/>
                         </a:rPr>
                         <a:t>Avaliação dos profissionais</a:t>
                       </a:r>
-                      <a:endParaRPr lang="pt-PT" sz="1000">
+                      <a:endParaRPr lang="pt-PT" sz="1000" dirty="0">
                         <a:effectLst/>
                         <a:latin typeface="Arial" panose="020B0604020202020204" pitchFamily="34" charset="0"/>
                         <a:ea typeface="Times New Roman" panose="02020603050405020304" pitchFamily="18" charset="0"/>
@@ -10798,12 +10774,12 @@
                         </a:spcAft>
                       </a:pPr>
                       <a:r>
-                        <a:rPr lang="pt-PT" sz="1000">
+                        <a:rPr lang="pt-PT" sz="1000" dirty="0">
                           <a:effectLst/>
                         </a:rPr>
                         <a:t>Faixa Etária:</a:t>
                       </a:r>
-                      <a:endParaRPr lang="pt-PT" sz="1000">
+                      <a:endParaRPr lang="pt-PT" sz="1000" dirty="0">
                         <a:effectLst/>
                         <a:latin typeface="Arial" panose="020B0604020202020204" pitchFamily="34" charset="0"/>
                         <a:ea typeface="Times New Roman" panose="02020603050405020304" pitchFamily="18" charset="0"/>
@@ -10827,12 +10803,12 @@
                         </a:spcAft>
                       </a:pPr>
                       <a:r>
-                        <a:rPr lang="pt-PT" sz="1000">
+                        <a:rPr lang="pt-PT" sz="1000" dirty="0">
                           <a:effectLst/>
                         </a:rPr>
                         <a:t>20-50</a:t>
                       </a:r>
-                      <a:endParaRPr lang="pt-PT" sz="1000">
+                      <a:endParaRPr lang="pt-PT" sz="1000" dirty="0">
                         <a:effectLst/>
                         <a:latin typeface="Arial" panose="020B0604020202020204" pitchFamily="34" charset="0"/>
                         <a:ea typeface="Times New Roman" panose="02020603050405020304" pitchFamily="18" charset="0"/>
@@ -10863,12 +10839,12 @@
                         </a:spcAft>
                       </a:pPr>
                       <a:r>
-                        <a:rPr lang="pt-PT" sz="1000">
+                        <a:rPr lang="pt-PT" sz="1000" dirty="0">
                           <a:effectLst/>
                         </a:rPr>
                         <a:t>Logótipo:</a:t>
                       </a:r>
-                      <a:endParaRPr lang="pt-PT" sz="1000">
+                      <a:endParaRPr lang="pt-PT" sz="1000" dirty="0">
                         <a:effectLst/>
                         <a:latin typeface="Arial" panose="020B0604020202020204" pitchFamily="34" charset="0"/>
                         <a:ea typeface="Times New Roman" panose="02020603050405020304" pitchFamily="18" charset="0"/>
@@ -11173,15 +11149,7 @@
             </a:r>
             <a:r>
               <a:rPr lang="pt-PT" sz="2000" dirty="0"/>
-              <a:t> disponibilizados pela software </a:t>
-            </a:r>
-            <a:r>
-              <a:rPr lang="pt-PT" sz="2000" dirty="0" err="1"/>
-              <a:t>house</a:t>
-            </a:r>
-            <a:r>
-              <a:rPr lang="pt-PT" sz="2000" dirty="0"/>
-              <a:t>;</a:t>
+              <a:t> disponibilizados pela software house;</a:t>
             </a:r>
           </a:p>
           <a:p>
